--- a/Real_Breast_Cancer_Data.pptx
+++ b/Real_Breast_Cancer_Data.pptx
@@ -221,7 +221,7 @@
           <a:p>
             <a:fld id="{87C8057C-AC8D-6847-BFD8-121BC93F553F}" type="datetimeFigureOut">
               <a:rPr lang="en-VN" smtClean="0"/>
-              <a:t>03/12/2021</a:t>
+              <a:t>04/12/2021</a:t>
             </a:fld>
             <a:endParaRPr lang="en-VN"/>
           </a:p>
@@ -742,7 +742,7 @@
           <a:p>
             <a:fld id="{A97AC5BA-2E03-8644-88FC-037C2E86DA60}" type="datetime1">
               <a:rPr lang="en-US" smtClean="0"/>
-              <a:t>12/3/21</a:t>
+              <a:t>12/4/21</a:t>
             </a:fld>
             <a:endParaRPr lang="en-US" dirty="0"/>
           </a:p>
@@ -1084,7 +1084,7 @@
           <a:p>
             <a:fld id="{88682902-5FA5-FA49-8528-0C48ABCE3D04}" type="datetime1">
               <a:rPr lang="en-US" smtClean="0"/>
-              <a:t>12/3/21</a:t>
+              <a:t>12/4/21</a:t>
             </a:fld>
             <a:endParaRPr lang="en-US" dirty="0"/>
           </a:p>
@@ -1275,7 +1275,7 @@
           <a:p>
             <a:fld id="{082BD979-C7C1-FF46-82A5-9B49E4FB18EC}" type="datetime1">
               <a:rPr lang="en-US" smtClean="0"/>
-              <a:t>12/3/21</a:t>
+              <a:t>12/4/21</a:t>
             </a:fld>
             <a:endParaRPr lang="en-US" dirty="0"/>
           </a:p>
@@ -1456,7 +1456,7 @@
           <a:p>
             <a:fld id="{2027B067-ABB4-B443-9099-FC6F8F97E09E}" type="datetime1">
               <a:rPr lang="en-US" smtClean="0"/>
-              <a:t>12/3/21</a:t>
+              <a:t>12/4/21</a:t>
             </a:fld>
             <a:endParaRPr lang="en-US" dirty="0"/>
           </a:p>
@@ -1744,7 +1744,7 @@
           <a:p>
             <a:fld id="{454AAEF1-0B9F-EE4C-B333-F34ED8B9E551}" type="datetime1">
               <a:rPr lang="en-US" smtClean="0"/>
-              <a:t>12/3/21</a:t>
+              <a:t>12/4/21</a:t>
             </a:fld>
             <a:endParaRPr lang="en-US" dirty="0"/>
           </a:p>
@@ -2150,7 +2150,7 @@
           <a:p>
             <a:fld id="{9960AECA-E13D-544B-BA00-5C4C59035A9B}" type="datetime1">
               <a:rPr lang="en-US" smtClean="0"/>
-              <a:t>12/3/21</a:t>
+              <a:t>12/4/21</a:t>
             </a:fld>
             <a:endParaRPr lang="en-US" dirty="0"/>
           </a:p>
@@ -2638,7 +2638,7 @@
           <a:p>
             <a:fld id="{2B9A5A59-C87D-5B42-A718-2A638155DD12}" type="datetime1">
               <a:rPr lang="en-US" smtClean="0"/>
-              <a:t>12/3/21</a:t>
+              <a:t>12/4/21</a:t>
             </a:fld>
             <a:endParaRPr lang="en-US" dirty="0"/>
           </a:p>
@@ -2767,7 +2767,7 @@
           <a:p>
             <a:fld id="{AFAA1513-271C-8145-9F26-B686442A40B7}" type="datetime1">
               <a:rPr lang="en-US" smtClean="0"/>
-              <a:t>12/3/21</a:t>
+              <a:t>12/4/21</a:t>
             </a:fld>
             <a:endParaRPr lang="en-US" dirty="0"/>
           </a:p>
@@ -2873,7 +2873,7 @@
           <a:p>
             <a:fld id="{1CA85B93-5863-234E-837D-78E4CDEC6270}" type="datetime1">
               <a:rPr lang="en-US" smtClean="0"/>
-              <a:t>12/3/21</a:t>
+              <a:t>12/4/21</a:t>
             </a:fld>
             <a:endParaRPr lang="en-US" dirty="0"/>
           </a:p>
@@ -3230,7 +3230,7 @@
           <a:p>
             <a:fld id="{7ED6BAA0-D6F3-3D4F-865B-45497E674F38}" type="datetime1">
               <a:rPr lang="en-US" smtClean="0"/>
-              <a:t>12/3/21</a:t>
+              <a:t>12/4/21</a:t>
             </a:fld>
             <a:endParaRPr lang="en-US" dirty="0"/>
           </a:p>
@@ -3630,7 +3630,7 @@
           <a:p>
             <a:fld id="{3E310CA9-C150-2B49-A118-62329625EF81}" type="datetime1">
               <a:rPr lang="en-US" smtClean="0"/>
-              <a:t>12/3/21</a:t>
+              <a:t>12/4/21</a:t>
             </a:fld>
             <a:endParaRPr lang="en-US" dirty="0"/>
           </a:p>
@@ -3920,7 +3920,7 @@
           <a:p>
             <a:fld id="{F312DB9E-3987-DB42-BF30-95B6BFFDF741}" type="datetime1">
               <a:rPr lang="en-US" smtClean="0"/>
-              <a:t>12/3/21</a:t>
+              <a:t>12/4/21</a:t>
             </a:fld>
             <a:endParaRPr lang="en-US" dirty="0"/>
           </a:p>
@@ -12922,7 +12922,7 @@
         <p:spPr>
           <a:xfrm>
             <a:off x="1295399" y="423333"/>
-            <a:ext cx="9960429" cy="5923037"/>
+            <a:ext cx="10417630" cy="5923037"/>
           </a:xfrm>
         </p:spPr>
         <p:txBody>
@@ -12936,7 +12936,7 @@
                 <a:latin typeface="Times New Roman" panose="02020603050405020304" pitchFamily="18" charset="0"/>
                 <a:cs typeface="Times New Roman" panose="02020603050405020304" pitchFamily="18" charset="0"/>
               </a:rPr>
-              <a:t>Dự đoán phần tử:</a:t>
+              <a:t>Dự đoán phần tử mới đến:</a:t>
             </a:r>
           </a:p>
           <a:p>
@@ -13052,14 +13052,17 @@
                 <a:latin typeface="Times New Roman" panose="02020603050405020304" pitchFamily="18" charset="0"/>
                 <a:cs typeface="Times New Roman" panose="02020603050405020304" pitchFamily="18" charset="0"/>
               </a:rPr>
-              <a:t>Protein2 &gt;= 0.727220 </a:t>
-            </a:r>
-            <a:r>
-              <a:rPr lang="en-US" sz="2200" dirty="0">
-                <a:latin typeface="Times New Roman" panose="02020603050405020304" pitchFamily="18" charset="0"/>
-                <a:cs typeface="Times New Roman" panose="02020603050405020304" pitchFamily="18" charset="0"/>
-              </a:rPr>
-              <a:t>AND</a:t>
+              <a:t>Protein2 &gt;= </a:t>
+            </a:r>
+            <a:r>
+              <a:rPr lang="en-US" sz="2400" dirty="0">
+                <a:solidFill>
+                  <a:schemeClr val="accent5"/>
+                </a:solidFill>
+                <a:latin typeface="Times New Roman" panose="02020603050405020304" pitchFamily="18" charset="0"/>
+                <a:cs typeface="Times New Roman" panose="02020603050405020304" pitchFamily="18" charset="0"/>
+              </a:rPr>
+              <a:t>0.530715</a:t>
             </a:r>
             <a:r>
               <a:rPr lang="en-US" sz="2200" dirty="0">
@@ -13069,6 +13072,23 @@
                 <a:latin typeface="Times New Roman" panose="02020603050405020304" pitchFamily="18" charset="0"/>
                 <a:cs typeface="Times New Roman" panose="02020603050405020304" pitchFamily="18" charset="0"/>
               </a:rPr>
+              <a:t> </a:t>
+            </a:r>
+            <a:r>
+              <a:rPr lang="en-US" sz="2200" dirty="0">
+                <a:latin typeface="Times New Roman" panose="02020603050405020304" pitchFamily="18" charset="0"/>
+                <a:cs typeface="Times New Roman" panose="02020603050405020304" pitchFamily="18" charset="0"/>
+              </a:rPr>
+              <a:t>AND</a:t>
+            </a:r>
+            <a:r>
+              <a:rPr lang="en-US" sz="2200" dirty="0">
+                <a:solidFill>
+                  <a:schemeClr val="accent5"/>
+                </a:solidFill>
+                <a:latin typeface="Times New Roman" panose="02020603050405020304" pitchFamily="18" charset="0"/>
+                <a:cs typeface="Times New Roman" panose="02020603050405020304" pitchFamily="18" charset="0"/>
+              </a:rPr>
               <a:t> Age &gt;= 41.5 (</a:t>
             </a:r>
             <a:r>
@@ -13323,7 +13343,7 @@
                 <a:latin typeface="Times New Roman" panose="02020603050405020304" pitchFamily="18" charset="0"/>
                 <a:cs typeface="Times New Roman" panose="02020603050405020304" pitchFamily="18" charset="0"/>
               </a:rPr>
-              <a:t>) =&gt; </a:t>
+              <a:t>) =&gt;    </a:t>
             </a:r>
             <a:r>
               <a:rPr lang="en-US" sz="2200" dirty="0">
@@ -13362,7 +13382,7 @@
           <p:nvPr>
             <p:extLst>
               <p:ext uri="{D42A27DB-BD31-4B8C-83A1-F6EECF244321}">
-                <p14:modId xmlns:p14="http://schemas.microsoft.com/office/powerpoint/2010/main" val="3497687031"/>
+                <p14:modId xmlns:p14="http://schemas.microsoft.com/office/powerpoint/2010/main" val="2433118951"/>
               </p:ext>
             </p:extLst>
           </p:nvPr>
@@ -13755,9 +13775,6 @@
                           <a:solidFill>
                             <a:srgbClr val="FF0000"/>
                           </a:solidFill>
-                          <a:highlight>
-                            <a:srgbClr val="FFFF00"/>
-                          </a:highlight>
                           <a:latin typeface="Times New Roman" panose="02020603050405020304" pitchFamily="18" charset="0"/>
                           <a:cs typeface="Times New Roman" panose="02020603050405020304" pitchFamily="18" charset="0"/>
                         </a:rPr>
@@ -13953,13 +13970,10 @@
                           <a:solidFill>
                             <a:srgbClr val="FF0000"/>
                           </a:solidFill>
-                          <a:highlight>
-                            <a:srgbClr val="FFFF00"/>
-                          </a:highlight>
                           <a:latin typeface="Times New Roman" panose="02020603050405020304" pitchFamily="18" charset="0"/>
                           <a:cs typeface="Times New Roman" panose="02020603050405020304" pitchFamily="18" charset="0"/>
                         </a:rPr>
-                        <a:t>0</a:t>
+                        <a:t>1</a:t>
                       </a:r>
                     </a:p>
                   </a:txBody>
@@ -13992,14 +14006,17 @@
                     <a:p>
                       <a:pPr algn="ctr"/>
                       <a:r>
-                        <a:rPr lang="en-VN" sz="1800" dirty="0">
+                        <a:rPr lang="en-VN" sz="1800" kern="1200" dirty="0">
                           <a:solidFill>
-                            <a:srgbClr val="FF0000"/>
+                            <a:schemeClr val="accent4">
+                              <a:lumMod val="50000"/>
+                            </a:schemeClr>
                           </a:solidFill>
                           <a:latin typeface="Times New Roman" panose="02020603050405020304" pitchFamily="18" charset="0"/>
+                          <a:ea typeface="+mn-ea"/>
                           <a:cs typeface="Times New Roman" panose="02020603050405020304" pitchFamily="18" charset="0"/>
                         </a:rPr>
-                        <a:t>False</a:t>
+                        <a:t>True</a:t>
                       </a:r>
                     </a:p>
                   </a:txBody>
@@ -14151,13 +14168,10 @@
                           <a:solidFill>
                             <a:srgbClr val="FF0000"/>
                           </a:solidFill>
-                          <a:highlight>
-                            <a:srgbClr val="FFFF00"/>
-                          </a:highlight>
                           <a:latin typeface="Times New Roman" panose="02020603050405020304" pitchFamily="18" charset="0"/>
                           <a:cs typeface="Times New Roman" panose="02020603050405020304" pitchFamily="18" charset="0"/>
                         </a:rPr>
-                        <a:t>1</a:t>
+                        <a:t>0</a:t>
                       </a:r>
                     </a:p>
                   </a:txBody>
@@ -14190,14 +14204,15 @@
                     <a:p>
                       <a:pPr algn="ctr"/>
                       <a:r>
-                        <a:rPr lang="en-VN" sz="1800" dirty="0">
+                        <a:rPr lang="en-VN" sz="1800" kern="1200" dirty="0">
                           <a:solidFill>
                             <a:srgbClr val="FF0000"/>
                           </a:solidFill>
                           <a:latin typeface="Times New Roman" panose="02020603050405020304" pitchFamily="18" charset="0"/>
+                          <a:ea typeface="+mn-ea"/>
                           <a:cs typeface="Times New Roman" panose="02020603050405020304" pitchFamily="18" charset="0"/>
                         </a:rPr>
-                        <a:t>True</a:t>
+                        <a:t>False</a:t>
                       </a:r>
                     </a:p>
                   </a:txBody>
@@ -14308,7 +14323,7 @@
         </p:spPr>
         <p:txBody>
           <a:bodyPr>
-            <a:normAutofit lnSpcReduction="10000"/>
+            <a:normAutofit fontScale="92500" lnSpcReduction="10000"/>
           </a:bodyPr>
           <a:lstStyle/>
           <a:p>
@@ -14317,9 +14332,11 @@
             </a:pPr>
             <a:r>
               <a:rPr lang="en-VN" sz="2800" dirty="0">
-                <a:highlight>
-                  <a:srgbClr val="FFFF00"/>
-                </a:highlight>
+                <a:solidFill>
+                  <a:schemeClr val="accent6">
+                    <a:lumMod val="75000"/>
+                  </a:schemeClr>
+                </a:solidFill>
                 <a:latin typeface="Times New Roman" panose="02020603050405020304" pitchFamily="18" charset="0"/>
                 <a:cs typeface="Times New Roman" panose="02020603050405020304" pitchFamily="18" charset="0"/>
               </a:rPr>
@@ -14353,6 +14370,15 @@
                 <a:latin typeface="Times New Roman" panose="02020603050405020304" pitchFamily="18" charset="0"/>
                 <a:cs typeface="Times New Roman" panose="02020603050405020304" pitchFamily="18" charset="0"/>
               </a:rPr>
+              <a:t>Chuẩn hóa dữ liệu toàn số.</a:t>
+            </a:r>
+          </a:p>
+          <a:p>
+            <a:r>
+              <a:rPr lang="en-VN" sz="2800" dirty="0">
+                <a:latin typeface="Times New Roman" panose="02020603050405020304" pitchFamily="18" charset="0"/>
+                <a:cs typeface="Times New Roman" panose="02020603050405020304" pitchFamily="18" charset="0"/>
+              </a:rPr>
               <a:t>Dữ liệu sẽ còn</a:t>
             </a:r>
             <a:r>
@@ -14562,6 +14588,9 @@
             </a:r>
             <a:r>
               <a:rPr lang="en-US" sz="2800" dirty="0" err="1">
+                <a:solidFill>
+                  <a:srgbClr val="FF0000"/>
+                </a:solidFill>
                 <a:latin typeface="Times New Roman" panose="02020603050405020304" pitchFamily="18" charset="0"/>
                 <a:cs typeface="Times New Roman" panose="02020603050405020304" pitchFamily="18" charset="0"/>
               </a:rPr>
@@ -14569,6 +14598,9 @@
             </a:r>
             <a:r>
               <a:rPr lang="en-US" sz="2800" dirty="0">
+                <a:solidFill>
+                  <a:srgbClr val="FF0000"/>
+                </a:solidFill>
                 <a:latin typeface="Times New Roman" panose="02020603050405020304" pitchFamily="18" charset="0"/>
                 <a:cs typeface="Times New Roman" panose="02020603050405020304" pitchFamily="18" charset="0"/>
               </a:rPr>
@@ -14576,6 +14608,9 @@
             </a:r>
             <a:r>
               <a:rPr lang="en-US" sz="2800" dirty="0" err="1">
+                <a:solidFill>
+                  <a:srgbClr val="FF0000"/>
+                </a:solidFill>
                 <a:latin typeface="Times New Roman" panose="02020603050405020304" pitchFamily="18" charset="0"/>
                 <a:cs typeface="Times New Roman" panose="02020603050405020304" pitchFamily="18" charset="0"/>
               </a:rPr>
@@ -14628,10 +14663,23 @@
                 <a:latin typeface="Times New Roman" panose="02020603050405020304" pitchFamily="18" charset="0"/>
                 <a:cs typeface="Times New Roman" panose="02020603050405020304" pitchFamily="18" charset="0"/>
               </a:rPr>
-              <a:t> 2 </a:t>
+              <a:t> </a:t>
+            </a:r>
+            <a:r>
+              <a:rPr lang="en-US" sz="2800" dirty="0">
+                <a:solidFill>
+                  <a:srgbClr val="FF0000"/>
+                </a:solidFill>
+                <a:latin typeface="Times New Roman" panose="02020603050405020304" pitchFamily="18" charset="0"/>
+                <a:cs typeface="Times New Roman" panose="02020603050405020304" pitchFamily="18" charset="0"/>
+              </a:rPr>
+              <a:t>2 </a:t>
             </a:r>
             <a:r>
               <a:rPr lang="en-US" sz="2800" dirty="0" err="1">
+                <a:solidFill>
+                  <a:srgbClr val="FF0000"/>
+                </a:solidFill>
                 <a:latin typeface="Times New Roman" panose="02020603050405020304" pitchFamily="18" charset="0"/>
                 <a:cs typeface="Times New Roman" panose="02020603050405020304" pitchFamily="18" charset="0"/>
               </a:rPr>
@@ -14639,6 +14687,9 @@
             </a:r>
             <a:r>
               <a:rPr lang="en-US" sz="2800" dirty="0">
+                <a:solidFill>
+                  <a:srgbClr val="FF0000"/>
+                </a:solidFill>
                 <a:latin typeface="Times New Roman" panose="02020603050405020304" pitchFamily="18" charset="0"/>
                 <a:cs typeface="Times New Roman" panose="02020603050405020304" pitchFamily="18" charset="0"/>
               </a:rPr>
@@ -14646,6 +14697,9 @@
             </a:r>
             <a:r>
               <a:rPr lang="en-US" sz="2800" dirty="0" err="1">
+                <a:solidFill>
+                  <a:srgbClr val="FF0000"/>
+                </a:solidFill>
                 <a:latin typeface="Times New Roman" panose="02020603050405020304" pitchFamily="18" charset="0"/>
                 <a:cs typeface="Times New Roman" panose="02020603050405020304" pitchFamily="18" charset="0"/>
               </a:rPr>
@@ -14653,10 +14707,20 @@
             </a:r>
             <a:r>
               <a:rPr lang="en-US" sz="2800" dirty="0">
-                <a:latin typeface="Times New Roman" panose="02020603050405020304" pitchFamily="18" charset="0"/>
-                <a:cs typeface="Times New Roman" panose="02020603050405020304" pitchFamily="18" charset="0"/>
-              </a:rPr>
-              <a:t> Alive </a:t>
+                <a:solidFill>
+                  <a:srgbClr val="FF0000"/>
+                </a:solidFill>
+                <a:latin typeface="Times New Roman" panose="02020603050405020304" pitchFamily="18" charset="0"/>
+                <a:cs typeface="Times New Roman" panose="02020603050405020304" pitchFamily="18" charset="0"/>
+              </a:rPr>
+              <a:t> </a:t>
+            </a:r>
+            <a:r>
+              <a:rPr lang="en-US" sz="2800" dirty="0">
+                <a:latin typeface="Times New Roman" panose="02020603050405020304" pitchFamily="18" charset="0"/>
+                <a:cs typeface="Times New Roman" panose="02020603050405020304" pitchFamily="18" charset="0"/>
+              </a:rPr>
+              <a:t>Alive </a:t>
             </a:r>
             <a:r>
               <a:rPr lang="en-US" sz="2800" dirty="0" err="1">
@@ -14808,6 +14872,44 @@
               <a:t>19</a:t>
             </a:fld>
             <a:endParaRPr lang="en-US" dirty="0"/>
+          </a:p>
+        </p:txBody>
+      </p:sp>
+      <p:sp>
+        <p:nvSpPr>
+          <p:cNvPr id="4" name="TextBox 3">
+            <a:extLst>
+              <a:ext uri="{FF2B5EF4-FFF2-40B4-BE49-F238E27FC236}">
+                <a16:creationId xmlns:a16="http://schemas.microsoft.com/office/drawing/2014/main" id="{F7E7BAD5-02FA-594E-881A-9F7806819826}"/>
+              </a:ext>
+            </a:extLst>
+          </p:cNvPr>
+          <p:cNvSpPr txBox="1"/>
+          <p:nvPr/>
+        </p:nvSpPr>
+        <p:spPr>
+          <a:xfrm>
+            <a:off x="8562045" y="5520605"/>
+            <a:ext cx="3441168" cy="400110"/>
+          </a:xfrm>
+          <a:prstGeom prst="rect">
+            <a:avLst/>
+          </a:prstGeom>
+          <a:noFill/>
+        </p:spPr>
+        <p:txBody>
+          <a:bodyPr wrap="square" rtlCol="0">
+            <a:spAutoFit/>
+          </a:bodyPr>
+          <a:lstStyle/>
+          <a:p>
+            <a:r>
+              <a:rPr lang="en-VN" sz="2000" dirty="0">
+                <a:latin typeface="Times New Roman" panose="02020603050405020304" pitchFamily="18" charset="0"/>
+                <a:cs typeface="Times New Roman" panose="02020603050405020304" pitchFamily="18" charset="0"/>
+              </a:rPr>
+              <a:t>Biểu đồ biểu thị tỷ lệ của 2 lớp</a:t>
+            </a:r>
           </a:p>
         </p:txBody>
       </p:sp>
@@ -15055,7 +15157,7 @@
         <p:spPr>
           <a:xfrm>
             <a:off x="1211607" y="493444"/>
-            <a:ext cx="9601200" cy="3120614"/>
+            <a:ext cx="9601200" cy="3632242"/>
           </a:xfrm>
         </p:spPr>
         <p:txBody>
@@ -15069,16 +15171,42 @@
                 <a:latin typeface="Times New Roman" panose="02020603050405020304" pitchFamily="18" charset="0"/>
                 <a:cs typeface="Times New Roman" panose="02020603050405020304" pitchFamily="18" charset="0"/>
               </a:rPr>
-              <a:t>Sử dụng nghi thức Hold-out với  với tham số test_size = 0.3 và random_state = 100+i để đánh giá giải thuật: tương đương dữ liệu để Train(221 dòng, 12 cột) và 576 dữ liệu để Test(96 dòng, 12 cột)</a:t>
-            </a:r>
-          </a:p>
-          <a:p>
+              <a:t>Sử dụng </a:t>
+            </a:r>
             <a:r>
               <a:rPr lang="en-VN" sz="2800" dirty="0">
-                <a:latin typeface="Times New Roman" panose="02020603050405020304" pitchFamily="18" charset="0"/>
-                <a:cs typeface="Times New Roman" panose="02020603050405020304" pitchFamily="18" charset="0"/>
-              </a:rPr>
-              <a:t>Nhận thấy phân phối của 2 lớp dữ liệu trong tập train không cân bằng =&gt; dùng thư viện </a:t>
+                <a:solidFill>
+                  <a:srgbClr val="FF0000"/>
+                </a:solidFill>
+                <a:latin typeface="Times New Roman" panose="02020603050405020304" pitchFamily="18" charset="0"/>
+                <a:cs typeface="Times New Roman" panose="02020603050405020304" pitchFamily="18" charset="0"/>
+              </a:rPr>
+              <a:t>12 thuộc tính </a:t>
+            </a:r>
+            <a:r>
+              <a:rPr lang="en-VN" sz="2800" dirty="0">
+                <a:latin typeface="Times New Roman" panose="02020603050405020304" pitchFamily="18" charset="0"/>
+                <a:cs typeface="Times New Roman" panose="02020603050405020304" pitchFamily="18" charset="0"/>
+              </a:rPr>
+              <a:t>để huấn luyện mô hình.</a:t>
+            </a:r>
+          </a:p>
+          <a:p>
+            <a:r>
+              <a:rPr lang="en-VN" sz="2800" dirty="0">
+                <a:latin typeface="Times New Roman" panose="02020603050405020304" pitchFamily="18" charset="0"/>
+                <a:cs typeface="Times New Roman" panose="02020603050405020304" pitchFamily="18" charset="0"/>
+              </a:rPr>
+              <a:t>Sử dụng nghi thức Hold-out với  với tham số test_size = 0.3 và random_state = 100+i để đánh giá giải thuật: tương đương dữ liệu để Train(221 dòng, 12 cột) và dữ liệu để Test(96 dòng, 12 cột)</a:t>
+            </a:r>
+          </a:p>
+          <a:p>
+            <a:r>
+              <a:rPr lang="en-VN" sz="2800" dirty="0">
+                <a:latin typeface="Times New Roman" panose="02020603050405020304" pitchFamily="18" charset="0"/>
+                <a:cs typeface="Times New Roman" panose="02020603050405020304" pitchFamily="18" charset="0"/>
+              </a:rPr>
+              <a:t>Nhận thấy phân phối của 2 lớp dữ liệu trong tập training không cân bằng =&gt; dùng thư viện </a:t>
             </a:r>
             <a:r>
               <a:rPr lang="en-US" sz="2800" dirty="0" err="1">
@@ -15227,8 +15355,8 @@
         </p:nvSpPr>
         <p:spPr>
           <a:xfrm>
-            <a:off x="1948207" y="4023248"/>
-            <a:ext cx="3603170" cy="461665"/>
+            <a:off x="1948207" y="4338981"/>
+            <a:ext cx="3603170" cy="523220"/>
           </a:xfrm>
           <a:prstGeom prst="rect">
             <a:avLst/>
@@ -15242,14 +15370,14 @@
           <a:lstStyle/>
           <a:p>
             <a:r>
-              <a:rPr lang="en-US" sz="2400" dirty="0">
+              <a:rPr lang="en-US" sz="2800" dirty="0">
                 <a:latin typeface="Times New Roman" panose="02020603050405020304" pitchFamily="18" charset="0"/>
                 <a:cs typeface="Times New Roman" panose="02020603050405020304" pitchFamily="18" charset="0"/>
               </a:rPr>
               <a:t>V</a:t>
             </a:r>
             <a:r>
-              <a:rPr lang="en-VN" sz="2400" dirty="0">
+              <a:rPr lang="en-VN" sz="2800" dirty="0">
                 <a:latin typeface="Times New Roman" panose="02020603050405020304" pitchFamily="18" charset="0"/>
                 <a:cs typeface="Times New Roman" panose="02020603050405020304" pitchFamily="18" charset="0"/>
               </a:rPr>
@@ -15273,14 +15401,14 @@
           <p:nvPr>
             <p:extLst>
               <p:ext uri="{D42A27DB-BD31-4B8C-83A1-F6EECF244321}">
-                <p14:modId xmlns:p14="http://schemas.microsoft.com/office/powerpoint/2010/main" val="156824701"/>
+                <p14:modId xmlns:p14="http://schemas.microsoft.com/office/powerpoint/2010/main" val="2738628607"/>
               </p:ext>
             </p:extLst>
           </p:nvPr>
         </p:nvGraphicFramePr>
         <p:xfrm>
-          <a:off x="1948207" y="4723616"/>
-          <a:ext cx="8127999" cy="1107440"/>
+          <a:off x="1948207" y="5013942"/>
+          <a:ext cx="8864600" cy="1371600"/>
         </p:xfrm>
         <a:graphic>
           <a:graphicData uri="http://schemas.openxmlformats.org/drawingml/2006/table">
@@ -15289,21 +15417,21 @@
                 <a:tableStyleId>{5C22544A-7EE6-4342-B048-85BDC9FD1C3A}</a:tableStyleId>
               </a:tblPr>
               <a:tblGrid>
-                <a:gridCol w="1502564">
+                <a:gridCol w="1638734">
                   <a:extLst>
                     <a:ext uri="{9D8B030D-6E8A-4147-A177-3AD203B41FA5}">
                       <a16:colId xmlns:a16="http://schemas.microsoft.com/office/drawing/2014/main" val="2158897577"/>
                     </a:ext>
                   </a:extLst>
                 </a:gridCol>
-                <a:gridCol w="3916102">
+                <a:gridCol w="3935088">
                   <a:extLst>
                     <a:ext uri="{9D8B030D-6E8A-4147-A177-3AD203B41FA5}">
                       <a16:colId xmlns:a16="http://schemas.microsoft.com/office/drawing/2014/main" val="2189191024"/>
                     </a:ext>
                   </a:extLst>
                 </a:gridCol>
-                <a:gridCol w="2709333">
+                <a:gridCol w="3290778">
                   <a:extLst>
                     <a:ext uri="{9D8B030D-6E8A-4147-A177-3AD203B41FA5}">
                       <a16:colId xmlns:a16="http://schemas.microsoft.com/office/drawing/2014/main" val="3019564157"/>
@@ -15318,7 +15446,7 @@
                     <a:lstStyle/>
                     <a:p>
                       <a:r>
-                        <a:rPr lang="en-VN" dirty="0"/>
+                        <a:rPr lang="en-VN" sz="2400" dirty="0"/>
                         <a:t>Lớp</a:t>
                       </a:r>
                     </a:p>
@@ -15331,7 +15459,7 @@
                     <a:lstStyle/>
                     <a:p>
                       <a:r>
-                        <a:rPr lang="en-VN" dirty="0"/>
+                        <a:rPr lang="en-VN" sz="2400" dirty="0"/>
                         <a:t>Phân phối trước khi xử lý</a:t>
                       </a:r>
                     </a:p>
@@ -15344,11 +15472,11 @@
                     <a:lstStyle/>
                     <a:p>
                       <a:r>
-                        <a:rPr lang="en-US" dirty="0"/>
+                        <a:rPr lang="en-US" sz="2400" dirty="0"/>
                         <a:t>P</a:t>
                       </a:r>
                       <a:r>
-                        <a:rPr lang="en-VN" dirty="0"/>
+                        <a:rPr lang="en-VN" sz="2400" dirty="0"/>
                         <a:t>hân phối sau khi xử lý</a:t>
                       </a:r>
                     </a:p>
@@ -15368,7 +15496,7 @@
                     <a:lstStyle/>
                     <a:p>
                       <a:r>
-                        <a:rPr lang="en-VN" dirty="0"/>
+                        <a:rPr lang="en-VN" sz="2400" dirty="0"/>
                         <a:t>1</a:t>
                       </a:r>
                     </a:p>
@@ -15381,7 +15509,7 @@
                     <a:lstStyle/>
                     <a:p>
                       <a:r>
-                        <a:rPr lang="en-VN" dirty="0"/>
+                        <a:rPr lang="en-VN" sz="2400" dirty="0"/>
                         <a:t>178</a:t>
                       </a:r>
                     </a:p>
@@ -15394,7 +15522,7 @@
                     <a:lstStyle/>
                     <a:p>
                       <a:r>
-                        <a:rPr lang="en-VN" dirty="0"/>
+                        <a:rPr lang="en-VN" sz="2400" dirty="0"/>
                         <a:t>178</a:t>
                       </a:r>
                     </a:p>
@@ -15414,7 +15542,7 @@
                     <a:lstStyle/>
                     <a:p>
                       <a:r>
-                        <a:rPr lang="en-VN" dirty="0"/>
+                        <a:rPr lang="en-VN" sz="2400" dirty="0"/>
                         <a:t>0</a:t>
                       </a:r>
                     </a:p>
@@ -15427,7 +15555,11 @@
                     <a:lstStyle/>
                     <a:p>
                       <a:r>
-                        <a:rPr lang="en-VN" dirty="0"/>
+                        <a:rPr lang="en-VN" sz="2400" dirty="0">
+                          <a:solidFill>
+                            <a:srgbClr val="FF0000"/>
+                          </a:solidFill>
+                        </a:rPr>
                         <a:t>43</a:t>
                       </a:r>
                     </a:p>
@@ -15440,7 +15572,11 @@
                     <a:lstStyle/>
                     <a:p>
                       <a:r>
-                        <a:rPr lang="en-VN" dirty="0"/>
+                        <a:rPr lang="en-VN" sz="2400" dirty="0">
+                          <a:solidFill>
+                            <a:srgbClr val="FF0000"/>
+                          </a:solidFill>
+                        </a:rPr>
                         <a:t>178</a:t>
                       </a:r>
                     </a:p>
@@ -15518,7 +15654,7 @@
         <p:spPr>
           <a:xfrm>
             <a:off x="1371600" y="783771"/>
-            <a:ext cx="9601200" cy="4626429"/>
+            <a:ext cx="9601200" cy="5159829"/>
           </a:xfrm>
         </p:spPr>
         <p:txBody>
@@ -15528,7 +15664,160 @@
           <a:lstStyle/>
           <a:p>
             <a:r>
+              <a:rPr lang="en-US" sz="2800" dirty="0">
+                <a:solidFill>
+                  <a:srgbClr val="FF0000"/>
+                </a:solidFill>
+                <a:latin typeface="Times New Roman" panose="02020603050405020304" pitchFamily="18" charset="0"/>
+                <a:cs typeface="Times New Roman" panose="02020603050405020304" pitchFamily="18" charset="0"/>
+              </a:rPr>
+              <a:t>12 </a:t>
+            </a:r>
+            <a:r>
               <a:rPr lang="en-US" sz="2800" dirty="0" err="1">
+                <a:solidFill>
+                  <a:srgbClr val="FF0000"/>
+                </a:solidFill>
+                <a:latin typeface="Times New Roman" panose="02020603050405020304" pitchFamily="18" charset="0"/>
+                <a:cs typeface="Times New Roman" panose="02020603050405020304" pitchFamily="18" charset="0"/>
+              </a:rPr>
+              <a:t>thuộc</a:t>
+            </a:r>
+            <a:r>
+              <a:rPr lang="en-US" sz="2800" dirty="0">
+                <a:solidFill>
+                  <a:srgbClr val="FF0000"/>
+                </a:solidFill>
+                <a:latin typeface="Times New Roman" panose="02020603050405020304" pitchFamily="18" charset="0"/>
+                <a:cs typeface="Times New Roman" panose="02020603050405020304" pitchFamily="18" charset="0"/>
+              </a:rPr>
+              <a:t> </a:t>
+            </a:r>
+            <a:r>
+              <a:rPr lang="en-US" sz="2800" dirty="0" err="1">
+                <a:solidFill>
+                  <a:srgbClr val="FF0000"/>
+                </a:solidFill>
+                <a:latin typeface="Times New Roman" panose="02020603050405020304" pitchFamily="18" charset="0"/>
+                <a:cs typeface="Times New Roman" panose="02020603050405020304" pitchFamily="18" charset="0"/>
+              </a:rPr>
+              <a:t>tính</a:t>
+            </a:r>
+            <a:r>
+              <a:rPr lang="en-US" sz="2800" dirty="0">
+                <a:solidFill>
+                  <a:srgbClr val="FF0000"/>
+                </a:solidFill>
+                <a:latin typeface="Times New Roman" panose="02020603050405020304" pitchFamily="18" charset="0"/>
+                <a:cs typeface="Times New Roman" panose="02020603050405020304" pitchFamily="18" charset="0"/>
+              </a:rPr>
+              <a:t> </a:t>
+            </a:r>
+            <a:r>
+              <a:rPr lang="en-US" sz="2800" dirty="0" err="1">
+                <a:latin typeface="Times New Roman" panose="02020603050405020304" pitchFamily="18" charset="0"/>
+                <a:cs typeface="Times New Roman" panose="02020603050405020304" pitchFamily="18" charset="0"/>
+              </a:rPr>
+              <a:t>để</a:t>
+            </a:r>
+            <a:r>
+              <a:rPr lang="en-US" sz="2800" dirty="0">
+                <a:latin typeface="Times New Roman" panose="02020603050405020304" pitchFamily="18" charset="0"/>
+                <a:cs typeface="Times New Roman" panose="02020603050405020304" pitchFamily="18" charset="0"/>
+              </a:rPr>
+              <a:t> </a:t>
+            </a:r>
+            <a:r>
+              <a:rPr lang="en-US" sz="2800" dirty="0" err="1">
+                <a:latin typeface="Times New Roman" panose="02020603050405020304" pitchFamily="18" charset="0"/>
+                <a:cs typeface="Times New Roman" panose="02020603050405020304" pitchFamily="18" charset="0"/>
+              </a:rPr>
+              <a:t>huấn</a:t>
+            </a:r>
+            <a:r>
+              <a:rPr lang="en-US" sz="2800" dirty="0">
+                <a:latin typeface="Times New Roman" panose="02020603050405020304" pitchFamily="18" charset="0"/>
+                <a:cs typeface="Times New Roman" panose="02020603050405020304" pitchFamily="18" charset="0"/>
+              </a:rPr>
+              <a:t> </a:t>
+            </a:r>
+            <a:r>
+              <a:rPr lang="en-US" sz="2800" dirty="0" err="1">
+                <a:latin typeface="Times New Roman" panose="02020603050405020304" pitchFamily="18" charset="0"/>
+                <a:cs typeface="Times New Roman" panose="02020603050405020304" pitchFamily="18" charset="0"/>
+              </a:rPr>
+              <a:t>luyện</a:t>
+            </a:r>
+            <a:r>
+              <a:rPr lang="en-US" sz="2800" dirty="0">
+                <a:latin typeface="Times New Roman" panose="02020603050405020304" pitchFamily="18" charset="0"/>
+                <a:cs typeface="Times New Roman" panose="02020603050405020304" pitchFamily="18" charset="0"/>
+              </a:rPr>
+              <a:t> </a:t>
+            </a:r>
+            <a:r>
+              <a:rPr lang="en-US" sz="2800" dirty="0" err="1">
+                <a:latin typeface="Times New Roman" panose="02020603050405020304" pitchFamily="18" charset="0"/>
+                <a:cs typeface="Times New Roman" panose="02020603050405020304" pitchFamily="18" charset="0"/>
+              </a:rPr>
+              <a:t>mô</a:t>
+            </a:r>
+            <a:r>
+              <a:rPr lang="en-US" sz="2800" dirty="0">
+                <a:latin typeface="Times New Roman" panose="02020603050405020304" pitchFamily="18" charset="0"/>
+                <a:cs typeface="Times New Roman" panose="02020603050405020304" pitchFamily="18" charset="0"/>
+              </a:rPr>
+              <a:t> </a:t>
+            </a:r>
+            <a:r>
+              <a:rPr lang="en-US" sz="2800" dirty="0" err="1">
+                <a:latin typeface="Times New Roman" panose="02020603050405020304" pitchFamily="18" charset="0"/>
+                <a:cs typeface="Times New Roman" panose="02020603050405020304" pitchFamily="18" charset="0"/>
+              </a:rPr>
+              <a:t>hình</a:t>
+            </a:r>
+            <a:r>
+              <a:rPr lang="en-US" sz="2800" dirty="0">
+                <a:latin typeface="Times New Roman" panose="02020603050405020304" pitchFamily="18" charset="0"/>
+                <a:cs typeface="Times New Roman" panose="02020603050405020304" pitchFamily="18" charset="0"/>
+              </a:rPr>
+              <a:t>: Age, Gender, Protein1, Protein2, Protein3, Protein4, </a:t>
+            </a:r>
+            <a:r>
+              <a:rPr lang="en-US" sz="2800" dirty="0" err="1">
+                <a:latin typeface="Times New Roman" panose="02020603050405020304" pitchFamily="18" charset="0"/>
+                <a:cs typeface="Times New Roman" panose="02020603050405020304" pitchFamily="18" charset="0"/>
+              </a:rPr>
+              <a:t>Tumour_Stage</a:t>
+            </a:r>
+            <a:r>
+              <a:rPr lang="en-US" sz="2800" dirty="0">
+                <a:latin typeface="Times New Roman" panose="02020603050405020304" pitchFamily="18" charset="0"/>
+                <a:cs typeface="Times New Roman" panose="02020603050405020304" pitchFamily="18" charset="0"/>
+              </a:rPr>
+              <a:t>, Histology, ER status, PR status, HER2 status, </a:t>
+            </a:r>
+            <a:r>
+              <a:rPr lang="en-US" sz="2800" dirty="0" err="1">
+                <a:latin typeface="Times New Roman" panose="02020603050405020304" pitchFamily="18" charset="0"/>
+                <a:cs typeface="Times New Roman" panose="02020603050405020304" pitchFamily="18" charset="0"/>
+              </a:rPr>
+              <a:t>Surgery_type</a:t>
+            </a:r>
+            <a:endParaRPr lang="en-US" sz="2800" dirty="0">
+              <a:latin typeface="Times New Roman" panose="02020603050405020304" pitchFamily="18" charset="0"/>
+              <a:cs typeface="Times New Roman" panose="02020603050405020304" pitchFamily="18" charset="0"/>
+            </a:endParaRPr>
+          </a:p>
+          <a:p>
+            <a:endParaRPr lang="en-US" sz="2800" dirty="0">
+              <a:latin typeface="Times New Roman" panose="02020603050405020304" pitchFamily="18" charset="0"/>
+              <a:cs typeface="Times New Roman" panose="02020603050405020304" pitchFamily="18" charset="0"/>
+            </a:endParaRPr>
+          </a:p>
+          <a:p>
+            <a:r>
+              <a:rPr lang="en-US" sz="2800" dirty="0" err="1">
                 <a:latin typeface="Times New Roman" panose="02020603050405020304" pitchFamily="18" charset="0"/>
                 <a:cs typeface="Times New Roman" panose="02020603050405020304" pitchFamily="18" charset="0"/>
               </a:rPr>
@@ -15581,7 +15870,128 @@
                 <a:latin typeface="Times New Roman" panose="02020603050405020304" pitchFamily="18" charset="0"/>
                 <a:cs typeface="Times New Roman" panose="02020603050405020304" pitchFamily="18" charset="0"/>
               </a:rPr>
+              <a:t>(</a:t>
+            </a:r>
+            <a:r>
+              <a:rPr lang="en-US" sz="2800" dirty="0" err="1">
+                <a:solidFill>
+                  <a:schemeClr val="accent6"/>
+                </a:solidFill>
+                <a:latin typeface="Times New Roman" panose="02020603050405020304" pitchFamily="18" charset="0"/>
+                <a:cs typeface="Times New Roman" panose="02020603050405020304" pitchFamily="18" charset="0"/>
+              </a:rPr>
+              <a:t>Cây</a:t>
+            </a:r>
+            <a:r>
+              <a:rPr lang="en-US" sz="2800" dirty="0">
+                <a:solidFill>
+                  <a:schemeClr val="accent6"/>
+                </a:solidFill>
+                <a:latin typeface="Times New Roman" panose="02020603050405020304" pitchFamily="18" charset="0"/>
+                <a:cs typeface="Times New Roman" panose="02020603050405020304" pitchFamily="18" charset="0"/>
+              </a:rPr>
               <a:t> </a:t>
+            </a:r>
+            <a:r>
+              <a:rPr lang="en-US" sz="2800" dirty="0" err="1">
+                <a:solidFill>
+                  <a:schemeClr val="accent6"/>
+                </a:solidFill>
+                <a:latin typeface="Times New Roman" panose="02020603050405020304" pitchFamily="18" charset="0"/>
+                <a:cs typeface="Times New Roman" panose="02020603050405020304" pitchFamily="18" charset="0"/>
+              </a:rPr>
+              <a:t>quyết</a:t>
+            </a:r>
+            <a:r>
+              <a:rPr lang="en-US" sz="2800" dirty="0">
+                <a:solidFill>
+                  <a:schemeClr val="accent6"/>
+                </a:solidFill>
+                <a:latin typeface="Times New Roman" panose="02020603050405020304" pitchFamily="18" charset="0"/>
+                <a:cs typeface="Times New Roman" panose="02020603050405020304" pitchFamily="18" charset="0"/>
+              </a:rPr>
+              <a:t> </a:t>
+            </a:r>
+            <a:r>
+              <a:rPr lang="en-US" sz="2800" dirty="0" err="1">
+                <a:solidFill>
+                  <a:schemeClr val="accent6"/>
+                </a:solidFill>
+                <a:latin typeface="Times New Roman" panose="02020603050405020304" pitchFamily="18" charset="0"/>
+                <a:cs typeface="Times New Roman" panose="02020603050405020304" pitchFamily="18" charset="0"/>
+              </a:rPr>
+              <a:t>định</a:t>
+            </a:r>
+            <a:r>
+              <a:rPr lang="en-US" sz="2800" dirty="0">
+                <a:solidFill>
+                  <a:srgbClr val="00B0F0"/>
+                </a:solidFill>
+                <a:latin typeface="Times New Roman" panose="02020603050405020304" pitchFamily="18" charset="0"/>
+                <a:cs typeface="Times New Roman" panose="02020603050405020304" pitchFamily="18" charset="0"/>
+              </a:rPr>
+              <a:t> </a:t>
+            </a:r>
+            <a:r>
+              <a:rPr lang="en-US" sz="2800" dirty="0" err="1">
+                <a:latin typeface="Times New Roman" panose="02020603050405020304" pitchFamily="18" charset="0"/>
+                <a:cs typeface="Times New Roman" panose="02020603050405020304" pitchFamily="18" charset="0"/>
+              </a:rPr>
+              <a:t>và</a:t>
+            </a:r>
+            <a:r>
+              <a:rPr lang="en-US" sz="2800" dirty="0">
+                <a:latin typeface="Times New Roman" panose="02020603050405020304" pitchFamily="18" charset="0"/>
+                <a:cs typeface="Times New Roman" panose="02020603050405020304" pitchFamily="18" charset="0"/>
+              </a:rPr>
+              <a:t> </a:t>
+            </a:r>
+            <a:r>
+              <a:rPr lang="en-US" sz="2800" dirty="0">
+                <a:solidFill>
+                  <a:srgbClr val="00B0F0"/>
+                </a:solidFill>
+                <a:latin typeface="Times New Roman" panose="02020603050405020304" pitchFamily="18" charset="0"/>
+                <a:cs typeface="Times New Roman" panose="02020603050405020304" pitchFamily="18" charset="0"/>
+              </a:rPr>
+              <a:t>Bayes </a:t>
+            </a:r>
+            <a:r>
+              <a:rPr lang="en-US" sz="2800" dirty="0" err="1">
+                <a:solidFill>
+                  <a:srgbClr val="00B0F0"/>
+                </a:solidFill>
+                <a:latin typeface="Times New Roman" panose="02020603050405020304" pitchFamily="18" charset="0"/>
+                <a:cs typeface="Times New Roman" panose="02020603050405020304" pitchFamily="18" charset="0"/>
+              </a:rPr>
+              <a:t>thơ</a:t>
+            </a:r>
+            <a:r>
+              <a:rPr lang="en-US" sz="2800" dirty="0">
+                <a:solidFill>
+                  <a:srgbClr val="00B0F0"/>
+                </a:solidFill>
+                <a:latin typeface="Times New Roman" panose="02020603050405020304" pitchFamily="18" charset="0"/>
+                <a:cs typeface="Times New Roman" panose="02020603050405020304" pitchFamily="18" charset="0"/>
+              </a:rPr>
+              <a:t> </a:t>
+            </a:r>
+            <a:r>
+              <a:rPr lang="en-US" sz="2800" dirty="0" err="1">
+                <a:solidFill>
+                  <a:srgbClr val="00B0F0"/>
+                </a:solidFill>
+                <a:latin typeface="Times New Roman" panose="02020603050405020304" pitchFamily="18" charset="0"/>
+                <a:cs typeface="Times New Roman" panose="02020603050405020304" pitchFamily="18" charset="0"/>
+              </a:rPr>
+              <a:t>ngây</a:t>
+            </a:r>
+            <a:r>
+              <a:rPr lang="en-US" sz="2800" dirty="0">
+                <a:latin typeface="Times New Roman" panose="02020603050405020304" pitchFamily="18" charset="0"/>
+                <a:cs typeface="Times New Roman" panose="02020603050405020304" pitchFamily="18" charset="0"/>
+              </a:rPr>
+              <a:t>) </a:t>
             </a:r>
             <a:r>
               <a:rPr lang="en-US" sz="2800" dirty="0" err="1">
@@ -16000,6 +16410,36 @@
           </a:p>
         </p:txBody>
       </p:sp>
+      <p:pic>
+        <p:nvPicPr>
+          <p:cNvPr id="7" name="Picture 6">
+            <a:extLst>
+              <a:ext uri="{FF2B5EF4-FFF2-40B4-BE49-F238E27FC236}">
+                <a16:creationId xmlns:a16="http://schemas.microsoft.com/office/drawing/2014/main" id="{AAFA51DF-6F64-A641-8405-D706154EEE7F}"/>
+              </a:ext>
+            </a:extLst>
+          </p:cNvPr>
+          <p:cNvPicPr>
+            <a:picLocks noChangeAspect="1"/>
+          </p:cNvPicPr>
+          <p:nvPr/>
+        </p:nvPicPr>
+        <p:blipFill>
+          <a:blip r:embed="rId2"/>
+          <a:stretch>
+            <a:fillRect/>
+          </a:stretch>
+        </p:blipFill>
+        <p:spPr>
+          <a:xfrm>
+            <a:off x="1371600" y="2196165"/>
+            <a:ext cx="9697428" cy="492606"/>
+          </a:xfrm>
+          <a:prstGeom prst="rect">
+            <a:avLst/>
+          </a:prstGeom>
+        </p:spPr>
+      </p:pic>
     </p:spTree>
     <p:extLst>
       <p:ext uri="{BB962C8B-B14F-4D97-AF65-F5344CB8AC3E}">
@@ -16111,10 +16551,10 @@
       </p:sp>
       <p:pic>
         <p:nvPicPr>
-          <p:cNvPr id="5" name="Picture 4">
+          <p:cNvPr id="9" name="Picture 8">
             <a:extLst>
               <a:ext uri="{FF2B5EF4-FFF2-40B4-BE49-F238E27FC236}">
-                <a16:creationId xmlns:a16="http://schemas.microsoft.com/office/drawing/2014/main" id="{CD8EC124-68F4-E946-913F-F342146279A7}"/>
+                <a16:creationId xmlns:a16="http://schemas.microsoft.com/office/drawing/2014/main" id="{37660C76-70D2-DF43-B52D-DC9A88FE4B2B}"/>
               </a:ext>
             </a:extLst>
           </p:cNvPr>
@@ -16131,8 +16571,8 @@
         </p:blipFill>
         <p:spPr>
           <a:xfrm>
-            <a:off x="761999" y="468087"/>
-            <a:ext cx="11266715" cy="5606138"/>
+            <a:off x="859970" y="566057"/>
+            <a:ext cx="11190516" cy="5508168"/>
           </a:xfrm>
           <a:prstGeom prst="rect">
             <a:avLst/>
@@ -16197,7 +16637,12 @@
             <p:ph idx="1"/>
           </p:nvPr>
         </p:nvSpPr>
-        <p:spPr/>
+        <p:spPr>
+          <a:xfrm>
+            <a:off x="1371599" y="2286000"/>
+            <a:ext cx="10243457" cy="1872343"/>
+          </a:xfrm>
+        </p:spPr>
         <p:txBody>
           <a:bodyPr>
             <a:normAutofit/>
@@ -16258,7 +16703,169 @@
                 <a:latin typeface="Times New Roman" panose="02020603050405020304" pitchFamily="18" charset="0"/>
                 <a:cs typeface="Times New Roman" panose="02020603050405020304" pitchFamily="18" charset="0"/>
               </a:rPr>
-              <a:t>:</a:t>
+              <a:t> </a:t>
+            </a:r>
+            <a:r>
+              <a:rPr lang="en-US" sz="2800" dirty="0" err="1">
+                <a:latin typeface="Times New Roman" panose="02020603050405020304" pitchFamily="18" charset="0"/>
+                <a:cs typeface="Times New Roman" panose="02020603050405020304" pitchFamily="18" charset="0"/>
+              </a:rPr>
+              <a:t>với</a:t>
+            </a:r>
+            <a:r>
+              <a:rPr lang="en-US" sz="2800" dirty="0">
+                <a:latin typeface="Times New Roman" panose="02020603050405020304" pitchFamily="18" charset="0"/>
+                <a:cs typeface="Times New Roman" panose="02020603050405020304" pitchFamily="18" charset="0"/>
+              </a:rPr>
+              <a:t> </a:t>
+            </a:r>
+            <a:r>
+              <a:rPr lang="en-US" sz="2800" dirty="0" err="1">
+                <a:latin typeface="Times New Roman" panose="02020603050405020304" pitchFamily="18" charset="0"/>
+                <a:cs typeface="Times New Roman" panose="02020603050405020304" pitchFamily="18" charset="0"/>
+              </a:rPr>
+              <a:t>tập</a:t>
+            </a:r>
+            <a:r>
+              <a:rPr lang="en-US" sz="2800" dirty="0">
+                <a:latin typeface="Times New Roman" panose="02020603050405020304" pitchFamily="18" charset="0"/>
+                <a:cs typeface="Times New Roman" panose="02020603050405020304" pitchFamily="18" charset="0"/>
+              </a:rPr>
+              <a:t> </a:t>
+            </a:r>
+            <a:r>
+              <a:rPr lang="en-US" sz="2800" dirty="0" err="1">
+                <a:latin typeface="Times New Roman" panose="02020603050405020304" pitchFamily="18" charset="0"/>
+                <a:cs typeface="Times New Roman" panose="02020603050405020304" pitchFamily="18" charset="0"/>
+              </a:rPr>
+              <a:t>dữ</a:t>
+            </a:r>
+            <a:r>
+              <a:rPr lang="en-US" sz="2800" dirty="0">
+                <a:latin typeface="Times New Roman" panose="02020603050405020304" pitchFamily="18" charset="0"/>
+                <a:cs typeface="Times New Roman" panose="02020603050405020304" pitchFamily="18" charset="0"/>
+              </a:rPr>
+              <a:t> </a:t>
+            </a:r>
+            <a:r>
+              <a:rPr lang="en-US" sz="2800" dirty="0" err="1">
+                <a:latin typeface="Times New Roman" panose="02020603050405020304" pitchFamily="18" charset="0"/>
+                <a:cs typeface="Times New Roman" panose="02020603050405020304" pitchFamily="18" charset="0"/>
+              </a:rPr>
+              <a:t>liệu</a:t>
+            </a:r>
+            <a:r>
+              <a:rPr lang="en-US" sz="2800" dirty="0">
+                <a:latin typeface="Times New Roman" panose="02020603050405020304" pitchFamily="18" charset="0"/>
+                <a:cs typeface="Times New Roman" panose="02020603050405020304" pitchFamily="18" charset="0"/>
+              </a:rPr>
+              <a:t> </a:t>
+            </a:r>
+            <a:r>
+              <a:rPr lang="en-US" sz="2800" dirty="0" err="1">
+                <a:latin typeface="Times New Roman" panose="02020603050405020304" pitchFamily="18" charset="0"/>
+                <a:cs typeface="Times New Roman" panose="02020603050405020304" pitchFamily="18" charset="0"/>
+              </a:rPr>
+              <a:t>dùng</a:t>
+            </a:r>
+            <a:r>
+              <a:rPr lang="en-US" sz="2800" dirty="0">
+                <a:latin typeface="Times New Roman" panose="02020603050405020304" pitchFamily="18" charset="0"/>
+                <a:cs typeface="Times New Roman" panose="02020603050405020304" pitchFamily="18" charset="0"/>
+              </a:rPr>
+              <a:t> </a:t>
+            </a:r>
+            <a:r>
+              <a:rPr lang="en-US" sz="2800" dirty="0">
+                <a:solidFill>
+                  <a:srgbClr val="FF0000"/>
+                </a:solidFill>
+                <a:latin typeface="Times New Roman" panose="02020603050405020304" pitchFamily="18" charset="0"/>
+                <a:cs typeface="Times New Roman" panose="02020603050405020304" pitchFamily="18" charset="0"/>
+              </a:rPr>
+              <a:t>12 </a:t>
+            </a:r>
+            <a:r>
+              <a:rPr lang="en-US" sz="2800" dirty="0" err="1">
+                <a:solidFill>
+                  <a:srgbClr val="FF0000"/>
+                </a:solidFill>
+                <a:latin typeface="Times New Roman" panose="02020603050405020304" pitchFamily="18" charset="0"/>
+                <a:cs typeface="Times New Roman" panose="02020603050405020304" pitchFamily="18" charset="0"/>
+              </a:rPr>
+              <a:t>thuộc</a:t>
+            </a:r>
+            <a:r>
+              <a:rPr lang="en-US" sz="2800" dirty="0">
+                <a:solidFill>
+                  <a:srgbClr val="FF0000"/>
+                </a:solidFill>
+                <a:latin typeface="Times New Roman" panose="02020603050405020304" pitchFamily="18" charset="0"/>
+                <a:cs typeface="Times New Roman" panose="02020603050405020304" pitchFamily="18" charset="0"/>
+              </a:rPr>
+              <a:t> </a:t>
+            </a:r>
+            <a:r>
+              <a:rPr lang="en-US" sz="2800" dirty="0" err="1">
+                <a:solidFill>
+                  <a:srgbClr val="FF0000"/>
+                </a:solidFill>
+                <a:latin typeface="Times New Roman" panose="02020603050405020304" pitchFamily="18" charset="0"/>
+                <a:cs typeface="Times New Roman" panose="02020603050405020304" pitchFamily="18" charset="0"/>
+              </a:rPr>
+              <a:t>tính</a:t>
+            </a:r>
+            <a:r>
+              <a:rPr lang="en-US" sz="2800" dirty="0">
+                <a:solidFill>
+                  <a:srgbClr val="FF0000"/>
+                </a:solidFill>
+                <a:latin typeface="Times New Roman" panose="02020603050405020304" pitchFamily="18" charset="0"/>
+                <a:cs typeface="Times New Roman" panose="02020603050405020304" pitchFamily="18" charset="0"/>
+              </a:rPr>
+              <a:t> </a:t>
+            </a:r>
+            <a:r>
+              <a:rPr lang="en-US" sz="2800" dirty="0" err="1">
+                <a:latin typeface="Times New Roman" panose="02020603050405020304" pitchFamily="18" charset="0"/>
+                <a:cs typeface="Times New Roman" panose="02020603050405020304" pitchFamily="18" charset="0"/>
+              </a:rPr>
+              <a:t>để</a:t>
+            </a:r>
+            <a:r>
+              <a:rPr lang="en-US" sz="2800" dirty="0">
+                <a:latin typeface="Times New Roman" panose="02020603050405020304" pitchFamily="18" charset="0"/>
+                <a:cs typeface="Times New Roman" panose="02020603050405020304" pitchFamily="18" charset="0"/>
+              </a:rPr>
+              <a:t> </a:t>
+            </a:r>
+            <a:r>
+              <a:rPr lang="en-US" sz="2800" dirty="0" err="1">
+                <a:latin typeface="Times New Roman" panose="02020603050405020304" pitchFamily="18" charset="0"/>
+                <a:cs typeface="Times New Roman" panose="02020603050405020304" pitchFamily="18" charset="0"/>
+              </a:rPr>
+              <a:t>huấn</a:t>
+            </a:r>
+            <a:r>
+              <a:rPr lang="en-US" sz="2800" dirty="0">
+                <a:latin typeface="Times New Roman" panose="02020603050405020304" pitchFamily="18" charset="0"/>
+                <a:cs typeface="Times New Roman" panose="02020603050405020304" pitchFamily="18" charset="0"/>
+              </a:rPr>
+              <a:t> </a:t>
+            </a:r>
+            <a:r>
+              <a:rPr lang="en-US" sz="2800" dirty="0" err="1">
+                <a:latin typeface="Times New Roman" panose="02020603050405020304" pitchFamily="18" charset="0"/>
+                <a:cs typeface="Times New Roman" panose="02020603050405020304" pitchFamily="18" charset="0"/>
+              </a:rPr>
+              <a:t>luyện</a:t>
+            </a:r>
+            <a:r>
+              <a:rPr lang="en-US" sz="2800" dirty="0">
+                <a:latin typeface="Times New Roman" panose="02020603050405020304" pitchFamily="18" charset="0"/>
+                <a:cs typeface="Times New Roman" panose="02020603050405020304" pitchFamily="18" charset="0"/>
+              </a:rPr>
+              <a:t>.</a:t>
             </a:r>
           </a:p>
           <a:p>
@@ -16354,7 +16961,7 @@
                 <a:latin typeface="Times New Roman" panose="02020603050405020304" pitchFamily="18" charset="0"/>
                 <a:cs typeface="Times New Roman" panose="02020603050405020304" pitchFamily="18" charset="0"/>
               </a:rPr>
-              <a:t>75.418%</a:t>
+              <a:t>57.293%</a:t>
             </a:r>
             <a:endParaRPr lang="en-US" sz="2800" dirty="0">
               <a:solidFill>
@@ -16422,7 +17029,7 @@
                 <a:latin typeface="Times New Roman" panose="02020603050405020304" pitchFamily="18" charset="0"/>
                 <a:cs typeface="Times New Roman" panose="02020603050405020304" pitchFamily="18" charset="0"/>
               </a:rPr>
-              <a:t>72.081%</a:t>
+              <a:t>41.46%</a:t>
             </a:r>
             <a:endParaRPr lang="en-US" sz="2800" dirty="0">
               <a:solidFill>
@@ -16524,16 +17131,23 @@
             <p:ph type="title"/>
           </p:nvPr>
         </p:nvSpPr>
-        <p:spPr/>
+        <p:spPr>
+          <a:xfrm>
+            <a:off x="1371600" y="685800"/>
+            <a:ext cx="9601200" cy="719254"/>
+          </a:xfrm>
+        </p:spPr>
         <p:txBody>
           <a:bodyPr/>
           <a:lstStyle/>
           <a:p>
             <a:r>
               <a:rPr lang="en-VN" dirty="0">
-                <a:highlight>
-                  <a:srgbClr val="FFFF00"/>
-                </a:highlight>
+                <a:solidFill>
+                  <a:schemeClr val="accent6">
+                    <a:lumMod val="75000"/>
+                  </a:schemeClr>
+                </a:solidFill>
                 <a:latin typeface="Times New Roman" panose="02020603050405020304" pitchFamily="18" charset="0"/>
                 <a:cs typeface="Times New Roman" panose="02020603050405020304" pitchFamily="18" charset="0"/>
               </a:rPr>
@@ -16558,9 +17172,16 @@
             <p:ph idx="1"/>
           </p:nvPr>
         </p:nvSpPr>
-        <p:spPr/>
+        <p:spPr>
+          <a:xfrm>
+            <a:off x="1371600" y="2285999"/>
+            <a:ext cx="9801922" cy="2787806"/>
+          </a:xfrm>
+        </p:spPr>
         <p:txBody>
-          <a:bodyPr/>
+          <a:bodyPr>
+            <a:normAutofit fontScale="85000" lnSpcReduction="20000"/>
+          </a:bodyPr>
           <a:lstStyle/>
           <a:p>
             <a:r>
@@ -16568,335 +17189,234 @@
                 <a:latin typeface="Times New Roman" panose="02020603050405020304" pitchFamily="18" charset="0"/>
                 <a:cs typeface="Times New Roman" panose="02020603050405020304" pitchFamily="18" charset="0"/>
               </a:rPr>
-              <a:t>Giải thuật cây quyết định khá hiệu quả trong </a:t>
+              <a:t>Giải thuật </a:t>
+            </a:r>
+            <a:r>
+              <a:rPr lang="en-VN" sz="2800" dirty="0">
+                <a:solidFill>
+                  <a:srgbClr val="FF0000"/>
+                </a:solidFill>
+                <a:latin typeface="Times New Roman" panose="02020603050405020304" pitchFamily="18" charset="0"/>
+                <a:cs typeface="Times New Roman" panose="02020603050405020304" pitchFamily="18" charset="0"/>
+              </a:rPr>
+              <a:t>cây quyết định(Decision tree)</a:t>
+            </a:r>
+            <a:r>
+              <a:rPr lang="en-VN" sz="2800" dirty="0">
+                <a:latin typeface="Times New Roman" panose="02020603050405020304" pitchFamily="18" charset="0"/>
+                <a:cs typeface="Times New Roman" panose="02020603050405020304" pitchFamily="18" charset="0"/>
+              </a:rPr>
+              <a:t> được sử dụng nhiều trong bài toán phân lớp và hồi quy.</a:t>
+            </a:r>
+          </a:p>
+          <a:p>
+            <a:r>
+              <a:rPr lang="en-VN" sz="2800" dirty="0">
+                <a:latin typeface="Times New Roman" panose="02020603050405020304" pitchFamily="18" charset="0"/>
+                <a:cs typeface="Times New Roman" panose="02020603050405020304" pitchFamily="18" charset="0"/>
+              </a:rPr>
+              <a:t>Cụ thể là trong tập dữ liệu Read Breast Cancer Data là bài toán phân loại: phân loại bệnh nhân còn sống hay đã mất-</a:t>
+            </a:r>
+            <a:r>
+              <a:rPr lang="vi-VN" sz="2800" dirty="0">
+                <a:latin typeface="Times New Roman" panose="02020603050405020304" pitchFamily="18" charset="0"/>
+                <a:cs typeface="Times New Roman" panose="02020603050405020304" pitchFamily="18" charset="0"/>
+              </a:rPr>
+              <a:t>những người đã được phẫu thuật để loại bỏ khối u của họ</a:t>
+            </a:r>
+            <a:endParaRPr lang="en-VN" sz="2800" dirty="0">
+              <a:latin typeface="Times New Roman" panose="02020603050405020304" pitchFamily="18" charset="0"/>
+              <a:cs typeface="Times New Roman" panose="02020603050405020304" pitchFamily="18" charset="0"/>
+            </a:endParaRPr>
+          </a:p>
+          <a:p>
+            <a:r>
+              <a:rPr lang="en-US" sz="2800" dirty="0" err="1">
+                <a:latin typeface="Times New Roman" panose="02020603050405020304" pitchFamily="18" charset="0"/>
+                <a:cs typeface="Times New Roman" panose="02020603050405020304" pitchFamily="18" charset="0"/>
+              </a:rPr>
+              <a:t>Kết</a:t>
             </a:r>
             <a:r>
               <a:rPr lang="en-US" sz="2800" dirty="0">
                 <a:latin typeface="Times New Roman" panose="02020603050405020304" pitchFamily="18" charset="0"/>
                 <a:cs typeface="Times New Roman" panose="02020603050405020304" pitchFamily="18" charset="0"/>
               </a:rPr>
-              <a:t>dataset </a:t>
+              <a:t> </a:t>
             </a:r>
             <a:r>
               <a:rPr lang="en-US" sz="2800" dirty="0" err="1">
                 <a:latin typeface="Times New Roman" panose="02020603050405020304" pitchFamily="18" charset="0"/>
                 <a:cs typeface="Times New Roman" panose="02020603050405020304" pitchFamily="18" charset="0"/>
               </a:rPr>
-              <a:t>này</a:t>
+              <a:t>quả</a:t>
             </a:r>
             <a:r>
               <a:rPr lang="en-US" sz="2800" dirty="0">
                 <a:latin typeface="Times New Roman" panose="02020603050405020304" pitchFamily="18" charset="0"/>
                 <a:cs typeface="Times New Roman" panose="02020603050405020304" pitchFamily="18" charset="0"/>
               </a:rPr>
+              <a:t> </a:t>
+            </a:r>
+            <a:r>
+              <a:rPr lang="en-US" sz="2800" dirty="0" err="1">
+                <a:latin typeface="Times New Roman" panose="02020603050405020304" pitchFamily="18" charset="0"/>
+                <a:cs typeface="Times New Roman" panose="02020603050405020304" pitchFamily="18" charset="0"/>
+              </a:rPr>
+              <a:t>cho</a:t>
+            </a:r>
+            <a:r>
+              <a:rPr lang="en-US" sz="2800" dirty="0">
+                <a:latin typeface="Times New Roman" panose="02020603050405020304" pitchFamily="18" charset="0"/>
+                <a:cs typeface="Times New Roman" panose="02020603050405020304" pitchFamily="18" charset="0"/>
+              </a:rPr>
+              <a:t> ra </a:t>
+            </a:r>
+            <a:r>
+              <a:rPr lang="en-US" sz="2800" dirty="0" err="1">
+                <a:latin typeface="Times New Roman" panose="02020603050405020304" pitchFamily="18" charset="0"/>
+                <a:cs typeface="Times New Roman" panose="02020603050405020304" pitchFamily="18" charset="0"/>
+              </a:rPr>
+              <a:t>một</a:t>
+            </a:r>
+            <a:r>
+              <a:rPr lang="en-US" sz="2800" dirty="0">
+                <a:latin typeface="Times New Roman" panose="02020603050405020304" pitchFamily="18" charset="0"/>
+                <a:cs typeface="Times New Roman" panose="02020603050405020304" pitchFamily="18" charset="0"/>
+              </a:rPr>
+              <a:t> </a:t>
+            </a:r>
+            <a:r>
+              <a:rPr lang="en-US" sz="2800" dirty="0" err="1">
+                <a:latin typeface="Times New Roman" panose="02020603050405020304" pitchFamily="18" charset="0"/>
+                <a:cs typeface="Times New Roman" panose="02020603050405020304" pitchFamily="18" charset="0"/>
+              </a:rPr>
+              <a:t>tập</a:t>
+            </a:r>
+            <a:r>
+              <a:rPr lang="en-US" sz="2800" dirty="0">
+                <a:latin typeface="Times New Roman" panose="02020603050405020304" pitchFamily="18" charset="0"/>
+                <a:cs typeface="Times New Roman" panose="02020603050405020304" pitchFamily="18" charset="0"/>
+              </a:rPr>
+              <a:t> </a:t>
+            </a:r>
+            <a:r>
+              <a:rPr lang="en-US" sz="2800" dirty="0" err="1">
+                <a:latin typeface="Times New Roman" panose="02020603050405020304" pitchFamily="18" charset="0"/>
+                <a:cs typeface="Times New Roman" panose="02020603050405020304" pitchFamily="18" charset="0"/>
+              </a:rPr>
+              <a:t>luật</a:t>
+            </a:r>
+            <a:r>
+              <a:rPr lang="en-US" sz="2800" dirty="0">
+                <a:latin typeface="Times New Roman" panose="02020603050405020304" pitchFamily="18" charset="0"/>
+                <a:cs typeface="Times New Roman" panose="02020603050405020304" pitchFamily="18" charset="0"/>
+              </a:rPr>
+              <a:t> </a:t>
+            </a:r>
+            <a:r>
+              <a:rPr lang="en-US" sz="2800" dirty="0" err="1">
+                <a:latin typeface="Times New Roman" panose="02020603050405020304" pitchFamily="18" charset="0"/>
+                <a:cs typeface="Times New Roman" panose="02020603050405020304" pitchFamily="18" charset="0"/>
+              </a:rPr>
+              <a:t>đơn</a:t>
+            </a:r>
+            <a:r>
+              <a:rPr lang="en-US" sz="2800" dirty="0">
+                <a:latin typeface="Times New Roman" panose="02020603050405020304" pitchFamily="18" charset="0"/>
+                <a:cs typeface="Times New Roman" panose="02020603050405020304" pitchFamily="18" charset="0"/>
+              </a:rPr>
+              <a:t> </a:t>
+            </a:r>
+            <a:r>
+              <a:rPr lang="en-US" sz="2800" dirty="0" err="1">
+                <a:latin typeface="Times New Roman" panose="02020603050405020304" pitchFamily="18" charset="0"/>
+                <a:cs typeface="Times New Roman" panose="02020603050405020304" pitchFamily="18" charset="0"/>
+              </a:rPr>
+              <a:t>giản</a:t>
+            </a:r>
+            <a:r>
+              <a:rPr lang="en-US" sz="2800" dirty="0">
+                <a:latin typeface="Times New Roman" panose="02020603050405020304" pitchFamily="18" charset="0"/>
+                <a:cs typeface="Times New Roman" panose="02020603050405020304" pitchFamily="18" charset="0"/>
+              </a:rPr>
+              <a:t>, </a:t>
+            </a:r>
+            <a:r>
+              <a:rPr lang="en-US" sz="2800" dirty="0" err="1">
+                <a:latin typeface="Times New Roman" panose="02020603050405020304" pitchFamily="18" charset="0"/>
+                <a:cs typeface="Times New Roman" panose="02020603050405020304" pitchFamily="18" charset="0"/>
+              </a:rPr>
+              <a:t>dễ</a:t>
+            </a:r>
+            <a:r>
+              <a:rPr lang="en-US" sz="2800" dirty="0">
+                <a:latin typeface="Times New Roman" panose="02020603050405020304" pitchFamily="18" charset="0"/>
+                <a:cs typeface="Times New Roman" panose="02020603050405020304" pitchFamily="18" charset="0"/>
+              </a:rPr>
+              <a:t> </a:t>
+            </a:r>
+            <a:r>
+              <a:rPr lang="en-US" sz="2800" dirty="0" err="1">
+                <a:latin typeface="Times New Roman" panose="02020603050405020304" pitchFamily="18" charset="0"/>
+                <a:cs typeface="Times New Roman" panose="02020603050405020304" pitchFamily="18" charset="0"/>
+              </a:rPr>
+              <a:t>hiểu</a:t>
+            </a:r>
+            <a:r>
+              <a:rPr lang="en-US" sz="2800" dirty="0">
+                <a:latin typeface="Times New Roman" panose="02020603050405020304" pitchFamily="18" charset="0"/>
+                <a:cs typeface="Times New Roman" panose="02020603050405020304" pitchFamily="18" charset="0"/>
+              </a:rPr>
               <a:t>.</a:t>
             </a:r>
-          </a:p>
-          <a:p>
-            <a:r>
-              <a:rPr lang="en-US" sz="2800" dirty="0">
-                <a:latin typeface="Times New Roman" panose="02020603050405020304" pitchFamily="18" charset="0"/>
-                <a:cs typeface="Times New Roman" panose="02020603050405020304" pitchFamily="18" charset="0"/>
-              </a:rPr>
-              <a:t>Naive Bayes: </a:t>
-            </a:r>
-            <a:r>
-              <a:rPr lang="en-US" sz="2800" dirty="0" err="1">
-                <a:latin typeface="Times New Roman" panose="02020603050405020304" pitchFamily="18" charset="0"/>
-                <a:cs typeface="Times New Roman" panose="02020603050405020304" pitchFamily="18" charset="0"/>
-              </a:rPr>
-              <a:t>đối</a:t>
-            </a:r>
-            <a:r>
-              <a:rPr lang="en-US" sz="2800" dirty="0">
-                <a:latin typeface="Times New Roman" panose="02020603050405020304" pitchFamily="18" charset="0"/>
-                <a:cs typeface="Times New Roman" panose="02020603050405020304" pitchFamily="18" charset="0"/>
-              </a:rPr>
-              <a:t> </a:t>
-            </a:r>
-            <a:r>
-              <a:rPr lang="en-US" sz="2800" dirty="0" err="1">
-                <a:latin typeface="Times New Roman" panose="02020603050405020304" pitchFamily="18" charset="0"/>
-                <a:cs typeface="Times New Roman" panose="02020603050405020304" pitchFamily="18" charset="0"/>
-              </a:rPr>
-              <a:t>với</a:t>
-            </a:r>
-            <a:r>
-              <a:rPr lang="en-US" sz="2800" dirty="0">
-                <a:latin typeface="Times New Roman" panose="02020603050405020304" pitchFamily="18" charset="0"/>
-                <a:cs typeface="Times New Roman" panose="02020603050405020304" pitchFamily="18" charset="0"/>
-              </a:rPr>
-              <a:t> dataset </a:t>
-            </a:r>
-            <a:r>
-              <a:rPr lang="en-US" sz="2800" dirty="0" err="1">
-                <a:latin typeface="Times New Roman" panose="02020603050405020304" pitchFamily="18" charset="0"/>
-                <a:cs typeface="Times New Roman" panose="02020603050405020304" pitchFamily="18" charset="0"/>
-              </a:rPr>
-              <a:t>có</a:t>
-            </a:r>
-            <a:r>
-              <a:rPr lang="en-US" sz="2800" dirty="0">
-                <a:latin typeface="Times New Roman" panose="02020603050405020304" pitchFamily="18" charset="0"/>
-                <a:cs typeface="Times New Roman" panose="02020603050405020304" pitchFamily="18" charset="0"/>
-              </a:rPr>
-              <a:t> </a:t>
-            </a:r>
-            <a:r>
-              <a:rPr lang="en-US" sz="2800" dirty="0" err="1">
-                <a:latin typeface="Times New Roman" panose="02020603050405020304" pitchFamily="18" charset="0"/>
-                <a:cs typeface="Times New Roman" panose="02020603050405020304" pitchFamily="18" charset="0"/>
-              </a:rPr>
-              <a:t>vẻ</a:t>
-            </a:r>
-            <a:r>
-              <a:rPr lang="en-US" sz="2800" dirty="0">
-                <a:latin typeface="Times New Roman" panose="02020603050405020304" pitchFamily="18" charset="0"/>
-                <a:cs typeface="Times New Roman" panose="02020603050405020304" pitchFamily="18" charset="0"/>
-              </a:rPr>
-              <a:t> </a:t>
-            </a:r>
-            <a:r>
-              <a:rPr lang="en-US" sz="2800" dirty="0" err="1">
-                <a:latin typeface="Times New Roman" panose="02020603050405020304" pitchFamily="18" charset="0"/>
-                <a:cs typeface="Times New Roman" panose="02020603050405020304" pitchFamily="18" charset="0"/>
-              </a:rPr>
-              <a:t>sẽ</a:t>
-            </a:r>
-            <a:r>
-              <a:rPr lang="en-US" sz="2800" dirty="0">
-                <a:latin typeface="Times New Roman" panose="02020603050405020304" pitchFamily="18" charset="0"/>
-                <a:cs typeface="Times New Roman" panose="02020603050405020304" pitchFamily="18" charset="0"/>
-              </a:rPr>
-              <a:t> </a:t>
-            </a:r>
-            <a:r>
-              <a:rPr lang="en-US" sz="2800" dirty="0" err="1">
-                <a:latin typeface="Times New Roman" panose="02020603050405020304" pitchFamily="18" charset="0"/>
-                <a:cs typeface="Times New Roman" panose="02020603050405020304" pitchFamily="18" charset="0"/>
-              </a:rPr>
-              <a:t>gặp</a:t>
-            </a:r>
-            <a:r>
-              <a:rPr lang="en-US" sz="2800" dirty="0">
-                <a:latin typeface="Times New Roman" panose="02020603050405020304" pitchFamily="18" charset="0"/>
-                <a:cs typeface="Times New Roman" panose="02020603050405020304" pitchFamily="18" charset="0"/>
-              </a:rPr>
-              <a:t> </a:t>
-            </a:r>
-            <a:r>
-              <a:rPr lang="en-US" sz="2800" dirty="0" err="1">
-                <a:latin typeface="Times New Roman" panose="02020603050405020304" pitchFamily="18" charset="0"/>
-                <a:cs typeface="Times New Roman" panose="02020603050405020304" pitchFamily="18" charset="0"/>
-              </a:rPr>
-              <a:t>phải</a:t>
-            </a:r>
-            <a:r>
-              <a:rPr lang="en-US" sz="2800" dirty="0">
-                <a:latin typeface="Times New Roman" panose="02020603050405020304" pitchFamily="18" charset="0"/>
-                <a:cs typeface="Times New Roman" panose="02020603050405020304" pitchFamily="18" charset="0"/>
-              </a:rPr>
-              <a:t> </a:t>
-            </a:r>
-            <a:r>
-              <a:rPr lang="en-US" sz="2800" dirty="0" err="1">
-                <a:latin typeface="Times New Roman" panose="02020603050405020304" pitchFamily="18" charset="0"/>
-                <a:cs typeface="Times New Roman" panose="02020603050405020304" pitchFamily="18" charset="0"/>
-              </a:rPr>
-              <a:t>một</a:t>
-            </a:r>
-            <a:r>
-              <a:rPr lang="en-US" sz="2800" dirty="0">
-                <a:latin typeface="Times New Roman" panose="02020603050405020304" pitchFamily="18" charset="0"/>
-                <a:cs typeface="Times New Roman" panose="02020603050405020304" pitchFamily="18" charset="0"/>
-              </a:rPr>
-              <a:t> </a:t>
-            </a:r>
-            <a:r>
-              <a:rPr lang="en-US" sz="2800" dirty="0" err="1">
-                <a:latin typeface="Times New Roman" panose="02020603050405020304" pitchFamily="18" charset="0"/>
-                <a:cs typeface="Times New Roman" panose="02020603050405020304" pitchFamily="18" charset="0"/>
-              </a:rPr>
-              <a:t>số</a:t>
-            </a:r>
-            <a:r>
-              <a:rPr lang="en-US" sz="2800" dirty="0">
-                <a:latin typeface="Times New Roman" panose="02020603050405020304" pitchFamily="18" charset="0"/>
-                <a:cs typeface="Times New Roman" panose="02020603050405020304" pitchFamily="18" charset="0"/>
-              </a:rPr>
-              <a:t> </a:t>
-            </a:r>
-            <a:r>
-              <a:rPr lang="en-US" sz="2800" dirty="0" err="1">
-                <a:latin typeface="Times New Roman" panose="02020603050405020304" pitchFamily="18" charset="0"/>
-                <a:cs typeface="Times New Roman" panose="02020603050405020304" pitchFamily="18" charset="0"/>
-              </a:rPr>
-              <a:t>ngoại</a:t>
-            </a:r>
-            <a:r>
-              <a:rPr lang="en-US" sz="2800" dirty="0">
-                <a:latin typeface="Times New Roman" panose="02020603050405020304" pitchFamily="18" charset="0"/>
-                <a:cs typeface="Times New Roman" panose="02020603050405020304" pitchFamily="18" charset="0"/>
-              </a:rPr>
-              <a:t> </a:t>
-            </a:r>
-            <a:r>
-              <a:rPr lang="en-US" sz="2800" dirty="0" err="1">
-                <a:latin typeface="Times New Roman" panose="02020603050405020304" pitchFamily="18" charset="0"/>
-                <a:cs typeface="Times New Roman" panose="02020603050405020304" pitchFamily="18" charset="0"/>
-              </a:rPr>
-              <a:t>lệ</a:t>
-            </a:r>
-            <a:r>
-              <a:rPr lang="en-US" sz="2800" dirty="0">
-                <a:latin typeface="Times New Roman" panose="02020603050405020304" pitchFamily="18" charset="0"/>
-                <a:cs typeface="Times New Roman" panose="02020603050405020304" pitchFamily="18" charset="0"/>
-              </a:rPr>
-              <a:t> </a:t>
-            </a:r>
-            <a:r>
-              <a:rPr lang="en-US" sz="2800" dirty="0" err="1">
-                <a:latin typeface="Times New Roman" panose="02020603050405020304" pitchFamily="18" charset="0"/>
-                <a:cs typeface="Times New Roman" panose="02020603050405020304" pitchFamily="18" charset="0"/>
-              </a:rPr>
-              <a:t>dẫn</a:t>
-            </a:r>
-            <a:r>
-              <a:rPr lang="en-US" sz="2800" dirty="0">
-                <a:latin typeface="Times New Roman" panose="02020603050405020304" pitchFamily="18" charset="0"/>
-                <a:cs typeface="Times New Roman" panose="02020603050405020304" pitchFamily="18" charset="0"/>
-              </a:rPr>
-              <a:t> </a:t>
-            </a:r>
-            <a:r>
-              <a:rPr lang="en-US" sz="2800" dirty="0" err="1">
-                <a:latin typeface="Times New Roman" panose="02020603050405020304" pitchFamily="18" charset="0"/>
-                <a:cs typeface="Times New Roman" panose="02020603050405020304" pitchFamily="18" charset="0"/>
-              </a:rPr>
-              <a:t>đến</a:t>
-            </a:r>
-            <a:r>
-              <a:rPr lang="en-US" sz="2800" dirty="0">
-                <a:latin typeface="Times New Roman" panose="02020603050405020304" pitchFamily="18" charset="0"/>
-                <a:cs typeface="Times New Roman" panose="02020603050405020304" pitchFamily="18" charset="0"/>
-              </a:rPr>
-              <a:t> </a:t>
-            </a:r>
-            <a:r>
-              <a:rPr lang="en-US" sz="2800" dirty="0" err="1">
-                <a:latin typeface="Times New Roman" panose="02020603050405020304" pitchFamily="18" charset="0"/>
-                <a:cs typeface="Times New Roman" panose="02020603050405020304" pitchFamily="18" charset="0"/>
-              </a:rPr>
-              <a:t>Độ</a:t>
-            </a:r>
-            <a:r>
-              <a:rPr lang="en-US" sz="2800" dirty="0">
-                <a:latin typeface="Times New Roman" panose="02020603050405020304" pitchFamily="18" charset="0"/>
-                <a:cs typeface="Times New Roman" panose="02020603050405020304" pitchFamily="18" charset="0"/>
-              </a:rPr>
-              <a:t> </a:t>
-            </a:r>
-            <a:r>
-              <a:rPr lang="en-US" sz="2800" dirty="0" err="1">
-                <a:latin typeface="Times New Roman" panose="02020603050405020304" pitchFamily="18" charset="0"/>
-                <a:cs typeface="Times New Roman" panose="02020603050405020304" pitchFamily="18" charset="0"/>
-              </a:rPr>
-              <a:t>chính</a:t>
-            </a:r>
-            <a:r>
-              <a:rPr lang="en-US" sz="2800" dirty="0">
-                <a:latin typeface="Times New Roman" panose="02020603050405020304" pitchFamily="18" charset="0"/>
-                <a:cs typeface="Times New Roman" panose="02020603050405020304" pitchFamily="18" charset="0"/>
-              </a:rPr>
-              <a:t> </a:t>
-            </a:r>
-            <a:r>
-              <a:rPr lang="en-US" sz="2800" dirty="0" err="1">
-                <a:latin typeface="Times New Roman" panose="02020603050405020304" pitchFamily="18" charset="0"/>
-                <a:cs typeface="Times New Roman" panose="02020603050405020304" pitchFamily="18" charset="0"/>
-              </a:rPr>
-              <a:t>xác</a:t>
-            </a:r>
-            <a:r>
-              <a:rPr lang="en-US" sz="2800" dirty="0">
-                <a:latin typeface="Times New Roman" panose="02020603050405020304" pitchFamily="18" charset="0"/>
-                <a:cs typeface="Times New Roman" panose="02020603050405020304" pitchFamily="18" charset="0"/>
-              </a:rPr>
-              <a:t> </a:t>
-            </a:r>
-            <a:r>
-              <a:rPr lang="en-US" sz="2800" dirty="0" err="1">
-                <a:latin typeface="Times New Roman" panose="02020603050405020304" pitchFamily="18" charset="0"/>
-                <a:cs typeface="Times New Roman" panose="02020603050405020304" pitchFamily="18" charset="0"/>
-              </a:rPr>
-              <a:t>thấp</a:t>
-            </a:r>
-            <a:r>
-              <a:rPr lang="en-US" sz="2800" dirty="0">
-                <a:latin typeface="Times New Roman" panose="02020603050405020304" pitchFamily="18" charset="0"/>
-                <a:cs typeface="Times New Roman" panose="02020603050405020304" pitchFamily="18" charset="0"/>
-              </a:rPr>
-              <a:t> </a:t>
-            </a:r>
-            <a:r>
-              <a:rPr lang="en-US" sz="2800" dirty="0" err="1">
-                <a:latin typeface="Times New Roman" panose="02020603050405020304" pitchFamily="18" charset="0"/>
-                <a:cs typeface="Times New Roman" panose="02020603050405020304" pitchFamily="18" charset="0"/>
-              </a:rPr>
-              <a:t>khi</a:t>
-            </a:r>
-            <a:r>
-              <a:rPr lang="en-US" sz="2800" dirty="0">
-                <a:latin typeface="Times New Roman" panose="02020603050405020304" pitchFamily="18" charset="0"/>
-                <a:cs typeface="Times New Roman" panose="02020603050405020304" pitchFamily="18" charset="0"/>
-              </a:rPr>
-              <a:t> </a:t>
-            </a:r>
-            <a:r>
-              <a:rPr lang="en-US" sz="2800" dirty="0" err="1">
-                <a:latin typeface="Times New Roman" panose="02020603050405020304" pitchFamily="18" charset="0"/>
-                <a:cs typeface="Times New Roman" panose="02020603050405020304" pitchFamily="18" charset="0"/>
-              </a:rPr>
-              <a:t>lặp</a:t>
-            </a:r>
-            <a:r>
-              <a:rPr lang="en-US" sz="2800" dirty="0">
-                <a:latin typeface="Times New Roman" panose="02020603050405020304" pitchFamily="18" charset="0"/>
-                <a:cs typeface="Times New Roman" panose="02020603050405020304" pitchFamily="18" charset="0"/>
-              </a:rPr>
-              <a:t> qua 10 </a:t>
-            </a:r>
-            <a:r>
-              <a:rPr lang="en-US" sz="2800" dirty="0" err="1">
-                <a:latin typeface="Times New Roman" panose="02020603050405020304" pitchFamily="18" charset="0"/>
-                <a:cs typeface="Times New Roman" panose="02020603050405020304" pitchFamily="18" charset="0"/>
-              </a:rPr>
-              <a:t>lần</a:t>
-            </a:r>
-            <a:r>
-              <a:rPr lang="en-US" sz="2800" dirty="0">
-                <a:latin typeface="Times New Roman" panose="02020603050405020304" pitchFamily="18" charset="0"/>
-                <a:cs typeface="Times New Roman" panose="02020603050405020304" pitchFamily="18" charset="0"/>
-              </a:rPr>
-              <a:t> </a:t>
-            </a:r>
-            <a:r>
-              <a:rPr lang="en-US" sz="2800" dirty="0" err="1">
-                <a:latin typeface="Times New Roman" panose="02020603050405020304" pitchFamily="18" charset="0"/>
-                <a:cs typeface="Times New Roman" panose="02020603050405020304" pitchFamily="18" charset="0"/>
-              </a:rPr>
-              <a:t>lặp</a:t>
-            </a:r>
-            <a:r>
-              <a:rPr lang="en-US" sz="2800" dirty="0">
-                <a:latin typeface="Times New Roman" panose="02020603050405020304" pitchFamily="18" charset="0"/>
-                <a:cs typeface="Times New Roman" panose="02020603050405020304" pitchFamily="18" charset="0"/>
-              </a:rPr>
-              <a:t>.</a:t>
-            </a:r>
-          </a:p>
-          <a:p>
-            <a:endParaRPr lang="en-VN" dirty="0"/>
+            <a:endParaRPr lang="en-VN" sz="2800" dirty="0">
+              <a:latin typeface="Times New Roman" panose="02020603050405020304" pitchFamily="18" charset="0"/>
+              <a:cs typeface="Times New Roman" panose="02020603050405020304" pitchFamily="18" charset="0"/>
+            </a:endParaRPr>
+          </a:p>
+          <a:p>
+            <a:r>
+              <a:rPr lang="en-VN" sz="2800" dirty="0">
+                <a:latin typeface="Times New Roman" panose="02020603050405020304" pitchFamily="18" charset="0"/>
+                <a:cs typeface="Times New Roman" panose="02020603050405020304" pitchFamily="18" charset="0"/>
+              </a:rPr>
+              <a:t>Giải thuật cho kết quả không quá chính xác, đạt tổng trung bình qua </a:t>
+            </a:r>
+            <a:r>
+              <a:rPr lang="en-VN" sz="2800" dirty="0">
+                <a:solidFill>
+                  <a:srgbClr val="FF0000"/>
+                </a:solidFill>
+                <a:latin typeface="Times New Roman" panose="02020603050405020304" pitchFamily="18" charset="0"/>
+                <a:cs typeface="Times New Roman" panose="02020603050405020304" pitchFamily="18" charset="0"/>
+              </a:rPr>
+              <a:t>10</a:t>
+            </a:r>
+            <a:r>
+              <a:rPr lang="en-VN" sz="2800" dirty="0">
+                <a:latin typeface="Times New Roman" panose="02020603050405020304" pitchFamily="18" charset="0"/>
+                <a:cs typeface="Times New Roman" panose="02020603050405020304" pitchFamily="18" charset="0"/>
+              </a:rPr>
+              <a:t> lần lặp chỉ </a:t>
+            </a:r>
+            <a:r>
+              <a:rPr lang="en-VN" sz="2800" dirty="0">
+                <a:solidFill>
+                  <a:srgbClr val="FF0000"/>
+                </a:solidFill>
+                <a:latin typeface="Times New Roman" panose="02020603050405020304" pitchFamily="18" charset="0"/>
+                <a:cs typeface="Times New Roman" panose="02020603050405020304" pitchFamily="18" charset="0"/>
+              </a:rPr>
+              <a:t>57.293%</a:t>
+            </a:r>
+            <a:endParaRPr lang="en-US" sz="2800" dirty="0">
+              <a:solidFill>
+                <a:srgbClr val="FF0000"/>
+              </a:solidFill>
+              <a:latin typeface="Times New Roman" panose="02020603050405020304" pitchFamily="18" charset="0"/>
+              <a:cs typeface="Times New Roman" panose="02020603050405020304" pitchFamily="18" charset="0"/>
+            </a:endParaRPr>
           </a:p>
         </p:txBody>
       </p:sp>
@@ -16989,7 +17509,7 @@
         </p:nvSpPr>
         <p:spPr>
           <a:xfrm>
-            <a:off x="1371600" y="2286001"/>
+            <a:off x="1295400" y="1081978"/>
             <a:ext cx="9601200" cy="903514"/>
           </a:xfrm>
         </p:spPr>
@@ -16999,6 +17519,9 @@
           </a:bodyPr>
           <a:lstStyle/>
           <a:p>
+            <a:pPr marL="0" indent="0" algn="ctr">
+              <a:buNone/>
+            </a:pPr>
             <a:r>
               <a:rPr lang="en-VN" sz="5000" dirty="0">
                 <a:latin typeface="Times New Roman" panose="02020603050405020304" pitchFamily="18" charset="0"/>
@@ -17049,6 +17572,53 @@
           </a:p>
         </p:txBody>
       </p:sp>
+      <p:pic>
+        <p:nvPicPr>
+          <p:cNvPr id="1026" name="Picture 2" descr="Thank You For Watching ! by Yousuf Althlathini ✪ on Dribbble">
+            <a:extLst>
+              <a:ext uri="{FF2B5EF4-FFF2-40B4-BE49-F238E27FC236}">
+                <a16:creationId xmlns:a16="http://schemas.microsoft.com/office/drawing/2014/main" id="{F1553378-554C-2942-B860-A53909F3B365}"/>
+              </a:ext>
+            </a:extLst>
+          </p:cNvPr>
+          <p:cNvPicPr>
+            <a:picLocks noChangeAspect="1" noChangeArrowheads="1"/>
+          </p:cNvPicPr>
+          <p:nvPr/>
+        </p:nvPicPr>
+        <p:blipFill>
+          <a:blip r:embed="rId2">
+            <a:extLst>
+              <a:ext uri="{28A0092B-C50C-407E-A947-70E740481C1C}">
+                <a14:useLocalDpi xmlns:a14="http://schemas.microsoft.com/office/drawing/2010/main" val="0"/>
+              </a:ext>
+            </a:extLst>
+          </a:blip>
+          <a:srcRect/>
+          <a:stretch>
+            <a:fillRect/>
+          </a:stretch>
+        </p:blipFill>
+        <p:spPr bwMode="auto">
+          <a:xfrm>
+            <a:off x="2854713" y="2197100"/>
+            <a:ext cx="6813394" cy="3490022"/>
+          </a:xfrm>
+          <a:prstGeom prst="rect">
+            <a:avLst/>
+          </a:prstGeom>
+          <a:noFill/>
+          <a:extLst>
+            <a:ext uri="{909E8E84-426E-40DD-AFC4-6F175D3DCCD1}">
+              <a14:hiddenFill xmlns:a14="http://schemas.microsoft.com/office/drawing/2010/main">
+                <a:solidFill>
+                  <a:srgbClr val="FFFFFF"/>
+                </a:solidFill>
+              </a14:hiddenFill>
+            </a:ext>
+          </a:extLst>
+        </p:spPr>
+      </p:pic>
     </p:spTree>
     <p:extLst>
       <p:ext uri="{BB962C8B-B14F-4D97-AF65-F5344CB8AC3E}">
@@ -17157,9 +17727,11 @@
           <a:p>
             <a:r>
               <a:rPr lang="en-VN" sz="2800" dirty="0">
-                <a:highlight>
-                  <a:srgbClr val="FFFF00"/>
-                </a:highlight>
+                <a:solidFill>
+                  <a:schemeClr val="accent6">
+                    <a:lumMod val="75000"/>
+                  </a:schemeClr>
+                </a:solidFill>
                 <a:latin typeface="Times New Roman" panose="02020603050405020304" pitchFamily="18" charset="0"/>
                 <a:cs typeface="Times New Roman" panose="02020603050405020304" pitchFamily="18" charset="0"/>
               </a:rPr>
@@ -18149,7 +18721,7 @@
         <p:spPr>
           <a:xfrm>
             <a:off x="1371600" y="262393"/>
-            <a:ext cx="5116286" cy="646331"/>
+            <a:ext cx="5116286" cy="369332"/>
           </a:xfrm>
           <a:prstGeom prst="rect">
             <a:avLst/>
@@ -18164,17 +18736,16 @@
           <a:p>
             <a:r>
               <a:rPr lang="en-VN" dirty="0">
-                <a:highlight>
-                  <a:srgbClr val="FFFF00"/>
-                </a:highlight>
+                <a:solidFill>
+                  <a:schemeClr val="accent6">
+                    <a:lumMod val="75000"/>
+                  </a:schemeClr>
+                </a:solidFill>
                 <a:latin typeface="Times New Roman" panose="02020603050405020304" pitchFamily="18" charset="0"/>
                 <a:cs typeface="Times New Roman" panose="02020603050405020304" pitchFamily="18" charset="0"/>
               </a:rPr>
               <a:t>2. MINH HỌA GIẢI THUẬT THÔNG QUA VÍ DỤ</a:t>
             </a:r>
-          </a:p>
-          <a:p>
-            <a:endParaRPr lang="en-VN" dirty="0"/>
           </a:p>
         </p:txBody>
       </p:sp>

--- a/Real_Breast_Cancer_Data.pptx
+++ b/Real_Breast_Cancer_Data.pptx
@@ -221,7 +221,7 @@
           <a:p>
             <a:fld id="{87C8057C-AC8D-6847-BFD8-121BC93F553F}" type="datetimeFigureOut">
               <a:rPr lang="en-VN" smtClean="0"/>
-              <a:t>04/12/2021</a:t>
+              <a:t>07/12/2021</a:t>
             </a:fld>
             <a:endParaRPr lang="en-VN"/>
           </a:p>
@@ -742,7 +742,7 @@
           <a:p>
             <a:fld id="{A97AC5BA-2E03-8644-88FC-037C2E86DA60}" type="datetime1">
               <a:rPr lang="en-US" smtClean="0"/>
-              <a:t>12/4/21</a:t>
+              <a:t>12/7/21</a:t>
             </a:fld>
             <a:endParaRPr lang="en-US" dirty="0"/>
           </a:p>
@@ -1084,7 +1084,7 @@
           <a:p>
             <a:fld id="{88682902-5FA5-FA49-8528-0C48ABCE3D04}" type="datetime1">
               <a:rPr lang="en-US" smtClean="0"/>
-              <a:t>12/4/21</a:t>
+              <a:t>12/7/21</a:t>
             </a:fld>
             <a:endParaRPr lang="en-US" dirty="0"/>
           </a:p>
@@ -1275,7 +1275,7 @@
           <a:p>
             <a:fld id="{082BD979-C7C1-FF46-82A5-9B49E4FB18EC}" type="datetime1">
               <a:rPr lang="en-US" smtClean="0"/>
-              <a:t>12/4/21</a:t>
+              <a:t>12/7/21</a:t>
             </a:fld>
             <a:endParaRPr lang="en-US" dirty="0"/>
           </a:p>
@@ -1456,7 +1456,7 @@
           <a:p>
             <a:fld id="{2027B067-ABB4-B443-9099-FC6F8F97E09E}" type="datetime1">
               <a:rPr lang="en-US" smtClean="0"/>
-              <a:t>12/4/21</a:t>
+              <a:t>12/7/21</a:t>
             </a:fld>
             <a:endParaRPr lang="en-US" dirty="0"/>
           </a:p>
@@ -1744,7 +1744,7 @@
           <a:p>
             <a:fld id="{454AAEF1-0B9F-EE4C-B333-F34ED8B9E551}" type="datetime1">
               <a:rPr lang="en-US" smtClean="0"/>
-              <a:t>12/4/21</a:t>
+              <a:t>12/7/21</a:t>
             </a:fld>
             <a:endParaRPr lang="en-US" dirty="0"/>
           </a:p>
@@ -2150,7 +2150,7 @@
           <a:p>
             <a:fld id="{9960AECA-E13D-544B-BA00-5C4C59035A9B}" type="datetime1">
               <a:rPr lang="en-US" smtClean="0"/>
-              <a:t>12/4/21</a:t>
+              <a:t>12/7/21</a:t>
             </a:fld>
             <a:endParaRPr lang="en-US" dirty="0"/>
           </a:p>
@@ -2638,7 +2638,7 @@
           <a:p>
             <a:fld id="{2B9A5A59-C87D-5B42-A718-2A638155DD12}" type="datetime1">
               <a:rPr lang="en-US" smtClean="0"/>
-              <a:t>12/4/21</a:t>
+              <a:t>12/7/21</a:t>
             </a:fld>
             <a:endParaRPr lang="en-US" dirty="0"/>
           </a:p>
@@ -2767,7 +2767,7 @@
           <a:p>
             <a:fld id="{AFAA1513-271C-8145-9F26-B686442A40B7}" type="datetime1">
               <a:rPr lang="en-US" smtClean="0"/>
-              <a:t>12/4/21</a:t>
+              <a:t>12/7/21</a:t>
             </a:fld>
             <a:endParaRPr lang="en-US" dirty="0"/>
           </a:p>
@@ -2873,7 +2873,7 @@
           <a:p>
             <a:fld id="{1CA85B93-5863-234E-837D-78E4CDEC6270}" type="datetime1">
               <a:rPr lang="en-US" smtClean="0"/>
-              <a:t>12/4/21</a:t>
+              <a:t>12/7/21</a:t>
             </a:fld>
             <a:endParaRPr lang="en-US" dirty="0"/>
           </a:p>
@@ -3230,7 +3230,7 @@
           <a:p>
             <a:fld id="{7ED6BAA0-D6F3-3D4F-865B-45497E674F38}" type="datetime1">
               <a:rPr lang="en-US" smtClean="0"/>
-              <a:t>12/4/21</a:t>
+              <a:t>12/7/21</a:t>
             </a:fld>
             <a:endParaRPr lang="en-US" dirty="0"/>
           </a:p>
@@ -3630,7 +3630,7 @@
           <a:p>
             <a:fld id="{3E310CA9-C150-2B49-A118-62329625EF81}" type="datetime1">
               <a:rPr lang="en-US" smtClean="0"/>
-              <a:t>12/4/21</a:t>
+              <a:t>12/7/21</a:t>
             </a:fld>
             <a:endParaRPr lang="en-US" dirty="0"/>
           </a:p>
@@ -3920,7 +3920,7 @@
           <a:p>
             <a:fld id="{F312DB9E-3987-DB42-BF30-95B6BFFDF741}" type="datetime1">
               <a:rPr lang="en-US" smtClean="0"/>
-              <a:t>12/4/21</a:t>
+              <a:t>12/7/21</a:t>
             </a:fld>
             <a:endParaRPr lang="en-US" dirty="0"/>
           </a:p>
@@ -4753,6 +4753,9 @@
           <a:p>
             <a:r>
               <a:rPr lang="en-US" sz="2600" dirty="0">
+                <a:solidFill>
+                  <a:schemeClr val="accent5"/>
+                </a:solidFill>
                 <a:latin typeface="Times New Roman" panose="02020603050405020304" pitchFamily="18" charset="0"/>
                 <a:cs typeface="Times New Roman" panose="02020603050405020304" pitchFamily="18" charset="0"/>
               </a:rPr>
@@ -5793,10 +5796,17 @@
                 <a:latin typeface="Times New Roman" panose="02020603050405020304" pitchFamily="18" charset="0"/>
                 <a:cs typeface="Times New Roman" panose="02020603050405020304" pitchFamily="18" charset="0"/>
               </a:rPr>
-              <a:t>0.049 bits</a:t>
-            </a:r>
-          </a:p>
-          <a:p>
+              <a:t>0.049 bits &gt; 0.016 bits</a:t>
+            </a:r>
+          </a:p>
+          <a:p>
+            <a:r>
+              <a:rPr lang="en-US" sz="2600" dirty="0">
+                <a:latin typeface="Times New Roman" panose="02020603050405020304" pitchFamily="18" charset="0"/>
+                <a:cs typeface="Times New Roman" panose="02020603050405020304" pitchFamily="18" charset="0"/>
+              </a:rPr>
+              <a:t>=&gt; </a:t>
+            </a:r>
             <a:r>
               <a:rPr lang="en-US" sz="2600" dirty="0" err="1">
                 <a:latin typeface="Times New Roman" panose="02020603050405020304" pitchFamily="18" charset="0"/>
@@ -8449,6 +8459,11 @@
           <a:p>
             <a:r>
               <a:rPr lang="en-VN" sz="2800" dirty="0">
+                <a:solidFill>
+                  <a:schemeClr val="accent6">
+                    <a:lumMod val="75000"/>
+                  </a:schemeClr>
+                </a:solidFill>
                 <a:latin typeface="Times New Roman" panose="02020603050405020304" pitchFamily="18" charset="0"/>
                 <a:cs typeface="Times New Roman" panose="02020603050405020304" pitchFamily="18" charset="0"/>
               </a:rPr>
@@ -8456,6 +8471,11 @@
             </a:r>
             <a:r>
               <a:rPr lang="en-US" sz="2800" dirty="0">
+                <a:solidFill>
+                  <a:schemeClr val="accent6">
+                    <a:lumMod val="75000"/>
+                  </a:schemeClr>
+                </a:solidFill>
                 <a:latin typeface="Times New Roman" panose="02020603050405020304" pitchFamily="18" charset="0"/>
                 <a:cs typeface="Times New Roman" panose="02020603050405020304" pitchFamily="18" charset="0"/>
               </a:rPr>
@@ -8536,6 +8556,11 @@
           <a:p>
             <a:r>
               <a:rPr lang="en-US" sz="2200" dirty="0">
+                <a:solidFill>
+                  <a:schemeClr val="accent5">
+                    <a:lumMod val="75000"/>
+                  </a:schemeClr>
+                </a:solidFill>
                 <a:latin typeface="Times New Roman" panose="02020603050405020304" pitchFamily="18" charset="0"/>
                 <a:cs typeface="Times New Roman" panose="02020603050405020304" pitchFamily="18" charset="0"/>
               </a:rPr>
@@ -8616,6 +8641,11 @@
           <a:p>
             <a:r>
               <a:rPr lang="en-US" sz="2200" dirty="0">
+                <a:solidFill>
+                  <a:schemeClr val="accent5">
+                    <a:lumMod val="75000"/>
+                  </a:schemeClr>
+                </a:solidFill>
                 <a:latin typeface="Times New Roman" panose="02020603050405020304" pitchFamily="18" charset="0"/>
                 <a:cs typeface="Times New Roman" panose="02020603050405020304" pitchFamily="18" charset="0"/>
               </a:rPr>
@@ -9458,6 +9488,11 @@
           <a:p>
             <a:r>
               <a:rPr lang="en-US" sz="2600" dirty="0" err="1">
+                <a:solidFill>
+                  <a:schemeClr val="accent5">
+                    <a:lumMod val="75000"/>
+                  </a:schemeClr>
+                </a:solidFill>
                 <a:latin typeface="Times New Roman" panose="02020603050405020304" pitchFamily="18" charset="0"/>
                 <a:cs typeface="Times New Roman" panose="02020603050405020304" pitchFamily="18" charset="0"/>
               </a:rPr>
@@ -9465,6 +9500,11 @@
             </a:r>
             <a:r>
               <a:rPr lang="en-US" sz="2600" dirty="0">
+                <a:solidFill>
+                  <a:schemeClr val="accent5">
+                    <a:lumMod val="75000"/>
+                  </a:schemeClr>
+                </a:solidFill>
                 <a:latin typeface="Times New Roman" panose="02020603050405020304" pitchFamily="18" charset="0"/>
                 <a:cs typeface="Times New Roman" panose="02020603050405020304" pitchFamily="18" charset="0"/>
               </a:rPr>
@@ -15157,7 +15197,7 @@
         <p:spPr>
           <a:xfrm>
             <a:off x="1211607" y="493444"/>
-            <a:ext cx="9601200" cy="3632242"/>
+            <a:ext cx="9601200" cy="4205540"/>
           </a:xfrm>
         </p:spPr>
         <p:txBody>
@@ -15307,7 +15347,17 @@
                 <a:latin typeface="Times New Roman" panose="02020603050405020304" pitchFamily="18" charset="0"/>
                 <a:cs typeface="Times New Roman" panose="02020603050405020304" pitchFamily="18" charset="0"/>
               </a:rPr>
-              <a:t>để cân bằng lại dữ liệu.</a:t>
+              <a:t>để cân bằng lại dữ liệu với tham số random_state = </a:t>
+            </a:r>
+            <a:r>
+              <a:rPr lang="en-VN" sz="2800" dirty="0">
+                <a:solidFill>
+                  <a:srgbClr val="FF0000"/>
+                </a:solidFill>
+                <a:latin typeface="Times New Roman" panose="02020603050405020304" pitchFamily="18" charset="0"/>
+                <a:cs typeface="Times New Roman" panose="02020603050405020304" pitchFamily="18" charset="0"/>
+              </a:rPr>
+              <a:t>102</a:t>
             </a:r>
           </a:p>
         </p:txBody>
@@ -15355,7 +15405,7 @@
         </p:nvSpPr>
         <p:spPr>
           <a:xfrm>
-            <a:off x="1948207" y="4338981"/>
+            <a:off x="1948207" y="4698984"/>
             <a:ext cx="3603170" cy="523220"/>
           </a:xfrm>
           <a:prstGeom prst="rect">
@@ -15401,13 +15451,13 @@
           <p:nvPr>
             <p:extLst>
               <p:ext uri="{D42A27DB-BD31-4B8C-83A1-F6EECF244321}">
-                <p14:modId xmlns:p14="http://schemas.microsoft.com/office/powerpoint/2010/main" val="2738628607"/>
+                <p14:modId xmlns:p14="http://schemas.microsoft.com/office/powerpoint/2010/main" val="1875218129"/>
               </p:ext>
             </p:extLst>
           </p:nvPr>
         </p:nvGraphicFramePr>
         <p:xfrm>
-          <a:off x="1948207" y="5013942"/>
+          <a:off x="1948207" y="5354302"/>
           <a:ext cx="8864600" cy="1371600"/>
         </p:xfrm>
         <a:graphic>
@@ -15460,7 +15510,19 @@
                     <a:p>
                       <a:r>
                         <a:rPr lang="en-VN" sz="2400" dirty="0"/>
-                        <a:t>Phân phối trước khi xử lý</a:t>
+                        <a:t>Phân phối </a:t>
+                      </a:r>
+                      <a:r>
+                        <a:rPr lang="en-VN" sz="2400" dirty="0">
+                          <a:solidFill>
+                            <a:srgbClr val="92D050"/>
+                          </a:solidFill>
+                        </a:rPr>
+                        <a:t>trước</a:t>
+                      </a:r>
+                      <a:r>
+                        <a:rPr lang="en-VN" sz="2400" dirty="0"/>
+                        <a:t> khi xử lý</a:t>
                       </a:r>
                     </a:p>
                   </a:txBody>
@@ -15477,7 +15539,19 @@
                       </a:r>
                       <a:r>
                         <a:rPr lang="en-VN" sz="2400" dirty="0"/>
-                        <a:t>hân phối sau khi xử lý</a:t>
+                        <a:t>hân phối </a:t>
+                      </a:r>
+                      <a:r>
+                        <a:rPr lang="en-VN" sz="2400" dirty="0">
+                          <a:solidFill>
+                            <a:srgbClr val="92D050"/>
+                          </a:solidFill>
+                        </a:rPr>
+                        <a:t>sau</a:t>
+                      </a:r>
+                      <a:r>
+                        <a:rPr lang="en-VN" sz="2400" dirty="0"/>
+                        <a:t> khi xử lý</a:t>
                       </a:r>
                     </a:p>
                   </a:txBody>
@@ -16551,10 +16625,10 @@
       </p:sp>
       <p:pic>
         <p:nvPicPr>
-          <p:cNvPr id="9" name="Picture 8">
+          <p:cNvPr id="5" name="Picture 4">
             <a:extLst>
               <a:ext uri="{FF2B5EF4-FFF2-40B4-BE49-F238E27FC236}">
-                <a16:creationId xmlns:a16="http://schemas.microsoft.com/office/drawing/2014/main" id="{37660C76-70D2-DF43-B52D-DC9A88FE4B2B}"/>
+                <a16:creationId xmlns:a16="http://schemas.microsoft.com/office/drawing/2014/main" id="{475DB9D6-2A8A-DB40-99DA-03195947E4CA}"/>
               </a:ext>
             </a:extLst>
           </p:cNvPr>
@@ -16571,8 +16645,8 @@
         </p:blipFill>
         <p:spPr>
           <a:xfrm>
-            <a:off x="859970" y="566057"/>
-            <a:ext cx="11190516" cy="5508168"/>
+            <a:off x="783770" y="161055"/>
+            <a:ext cx="11234059" cy="5913170"/>
           </a:xfrm>
           <a:prstGeom prst="rect">
             <a:avLst/>
@@ -16961,7 +17035,7 @@
                 <a:latin typeface="Times New Roman" panose="02020603050405020304" pitchFamily="18" charset="0"/>
                 <a:cs typeface="Times New Roman" panose="02020603050405020304" pitchFamily="18" charset="0"/>
               </a:rPr>
-              <a:t>57.293%</a:t>
+              <a:t>55.0%</a:t>
             </a:r>
             <a:endParaRPr lang="en-US" sz="2800" dirty="0">
               <a:solidFill>
@@ -17029,7 +17103,7 @@
                 <a:latin typeface="Times New Roman" panose="02020603050405020304" pitchFamily="18" charset="0"/>
                 <a:cs typeface="Times New Roman" panose="02020603050405020304" pitchFamily="18" charset="0"/>
               </a:rPr>
-              <a:t>41.46%</a:t>
+              <a:t>41.458%</a:t>
             </a:r>
             <a:endParaRPr lang="en-US" sz="2800" dirty="0">
               <a:solidFill>
@@ -17398,7 +17472,7 @@
                 <a:latin typeface="Times New Roman" panose="02020603050405020304" pitchFamily="18" charset="0"/>
                 <a:cs typeface="Times New Roman" panose="02020603050405020304" pitchFamily="18" charset="0"/>
               </a:rPr>
-              <a:t> lần lặp chỉ </a:t>
+              <a:t> lần lặp là khoảng  </a:t>
             </a:r>
             <a:r>
               <a:rPr lang="en-VN" sz="2800" dirty="0">
@@ -17408,7 +17482,7 @@
                 <a:latin typeface="Times New Roman" panose="02020603050405020304" pitchFamily="18" charset="0"/>
                 <a:cs typeface="Times New Roman" panose="02020603050405020304" pitchFamily="18" charset="0"/>
               </a:rPr>
-              <a:t>57.293%</a:t>
+              <a:t>55%</a:t>
             </a:r>
             <a:endParaRPr lang="en-US" sz="2800" dirty="0">
               <a:solidFill>
@@ -17911,7 +17985,10 @@
           </a:bodyPr>
           <a:lstStyle/>
           <a:p>
-            <a:pPr fontAlgn="base"/>
+            <a:pPr marL="457200" indent="-457200" fontAlgn="base">
+              <a:buFont typeface="+mj-lt"/>
+              <a:buAutoNum type="arabicPeriod"/>
+            </a:pPr>
             <a:r>
               <a:rPr lang="vi-VN" dirty="0">
                 <a:latin typeface="Times New Roman" panose="02020603050405020304" pitchFamily="18" charset="0"/>
@@ -17921,7 +17998,10 @@
             </a:r>
           </a:p>
           <a:p>
-            <a:pPr fontAlgn="base"/>
+            <a:pPr marL="457200" indent="-457200" fontAlgn="base">
+              <a:buFont typeface="+mj-lt"/>
+              <a:buAutoNum type="arabicPeriod"/>
+            </a:pPr>
             <a:r>
               <a:rPr lang="vi-VN" dirty="0">
                 <a:latin typeface="Times New Roman" panose="02020603050405020304" pitchFamily="18" charset="0"/>
@@ -17931,7 +18011,10 @@
             </a:r>
           </a:p>
           <a:p>
-            <a:pPr fontAlgn="base"/>
+            <a:pPr marL="457200" indent="-457200" fontAlgn="base">
+              <a:buFont typeface="+mj-lt"/>
+              <a:buAutoNum type="arabicPeriod"/>
+            </a:pPr>
             <a:r>
               <a:rPr lang="vi-VN" dirty="0">
                 <a:latin typeface="Times New Roman" panose="02020603050405020304" pitchFamily="18" charset="0"/>
@@ -17941,7 +18024,10 @@
             </a:r>
           </a:p>
           <a:p>
-            <a:pPr fontAlgn="base"/>
+            <a:pPr marL="457200" indent="-457200" fontAlgn="base">
+              <a:buFont typeface="+mj-lt"/>
+              <a:buAutoNum type="arabicPeriod"/>
+            </a:pPr>
             <a:r>
               <a:rPr lang="vi-VN" dirty="0">
                 <a:latin typeface="Times New Roman" panose="02020603050405020304" pitchFamily="18" charset="0"/>
@@ -17951,7 +18037,10 @@
             </a:r>
           </a:p>
           <a:p>
-            <a:pPr fontAlgn="base"/>
+            <a:pPr marL="457200" indent="-457200" fontAlgn="base">
+              <a:buFont typeface="+mj-lt"/>
+              <a:buAutoNum type="arabicPeriod"/>
+            </a:pPr>
             <a:r>
               <a:rPr lang="vi-VN" dirty="0">
                 <a:latin typeface="Times New Roman" panose="02020603050405020304" pitchFamily="18" charset="0"/>
@@ -17961,7 +18050,10 @@
             </a:r>
           </a:p>
           <a:p>
-            <a:pPr fontAlgn="base"/>
+            <a:pPr marL="457200" indent="-457200" fontAlgn="base">
+              <a:buFont typeface="+mj-lt"/>
+              <a:buAutoNum type="arabicPeriod"/>
+            </a:pPr>
             <a:r>
               <a:rPr lang="en-US" dirty="0">
                 <a:latin typeface="Times New Roman" panose="02020603050405020304" pitchFamily="18" charset="0"/>
@@ -17978,7 +18070,10 @@
             </a:r>
           </a:p>
           <a:p>
-            <a:pPr fontAlgn="base"/>
+            <a:pPr marL="457200" indent="-457200" fontAlgn="base">
+              <a:buFont typeface="+mj-lt"/>
+              <a:buAutoNum type="arabicPeriod"/>
+            </a:pPr>
             <a:r>
               <a:rPr lang="vi-VN" dirty="0">
                 <a:latin typeface="Times New Roman" panose="02020603050405020304" pitchFamily="18" charset="0"/>
@@ -17988,7 +18083,10 @@
             </a:r>
           </a:p>
           <a:p>
-            <a:pPr fontAlgn="base"/>
+            <a:pPr marL="457200" indent="-457200" fontAlgn="base">
+              <a:buFont typeface="+mj-lt"/>
+              <a:buAutoNum type="arabicPeriod"/>
+            </a:pPr>
             <a:r>
               <a:rPr lang="vi-VN" dirty="0">
                 <a:latin typeface="Times New Roman" panose="02020603050405020304" pitchFamily="18" charset="0"/>
@@ -17998,7 +18096,10 @@
             </a:r>
           </a:p>
           <a:p>
-            <a:pPr fontAlgn="base"/>
+            <a:pPr marL="457200" indent="-457200" fontAlgn="base">
+              <a:buFont typeface="+mj-lt"/>
+              <a:buAutoNum type="arabicPeriod"/>
+            </a:pPr>
             <a:r>
               <a:rPr lang="vi-VN" dirty="0">
                 <a:latin typeface="Times New Roman" panose="02020603050405020304" pitchFamily="18" charset="0"/>
@@ -18008,7 +18109,10 @@
             </a:r>
           </a:p>
           <a:p>
-            <a:pPr fontAlgn="base"/>
+            <a:pPr marL="457200" indent="-457200" fontAlgn="base">
+              <a:buFont typeface="+mj-lt"/>
+              <a:buAutoNum type="arabicPeriod"/>
+            </a:pPr>
             <a:r>
               <a:rPr lang="vi-VN" dirty="0">
                 <a:latin typeface="Times New Roman" panose="02020603050405020304" pitchFamily="18" charset="0"/>
@@ -18018,7 +18122,10 @@
             </a:r>
           </a:p>
           <a:p>
-            <a:pPr fontAlgn="base"/>
+            <a:pPr marL="457200" indent="-457200" fontAlgn="base">
+              <a:buFont typeface="+mj-lt"/>
+              <a:buAutoNum type="arabicPeriod"/>
+            </a:pPr>
             <a:r>
               <a:rPr lang="vi-VN" dirty="0">
                 <a:latin typeface="Times New Roman" panose="02020603050405020304" pitchFamily="18" charset="0"/>
@@ -18028,7 +18135,10 @@
             </a:r>
           </a:p>
           <a:p>
-            <a:pPr fontAlgn="base"/>
+            <a:pPr marL="457200" indent="-457200" fontAlgn="base">
+              <a:buFont typeface="+mj-lt"/>
+              <a:buAutoNum type="arabicPeriod"/>
+            </a:pPr>
             <a:r>
               <a:rPr lang="vi-VN" dirty="0">
                 <a:latin typeface="Times New Roman" panose="02020603050405020304" pitchFamily="18" charset="0"/>
@@ -18038,7 +18148,10 @@
             </a:r>
           </a:p>
           <a:p>
-            <a:pPr fontAlgn="base"/>
+            <a:pPr marL="457200" indent="-457200" fontAlgn="base">
+              <a:buFont typeface="+mj-lt"/>
+              <a:buAutoNum type="arabicPeriod"/>
+            </a:pPr>
             <a:r>
               <a:rPr lang="vi-VN" dirty="0">
                 <a:solidFill>
@@ -18618,7 +18731,7 @@
         </p:nvSpPr>
         <p:spPr>
           <a:xfrm>
-            <a:off x="1371599" y="5535385"/>
+            <a:off x="1707136" y="6027432"/>
             <a:ext cx="8251371" cy="664028"/>
           </a:xfrm>
         </p:spPr>
@@ -18721,7 +18834,7 @@
         <p:spPr>
           <a:xfrm>
             <a:off x="1371600" y="262393"/>
-            <a:ext cx="5116286" cy="369332"/>
+            <a:ext cx="8101136" cy="523220"/>
           </a:xfrm>
           <a:prstGeom prst="rect">
             <a:avLst/>
@@ -18735,7 +18848,7 @@
           <a:lstStyle/>
           <a:p>
             <a:r>
-              <a:rPr lang="en-VN" dirty="0">
+              <a:rPr lang="en-VN" sz="2800" dirty="0">
                 <a:solidFill>
                   <a:schemeClr val="accent6">
                     <a:lumMod val="75000"/>
@@ -18749,36 +18862,6 @@
           </a:p>
         </p:txBody>
       </p:sp>
-      <p:pic>
-        <p:nvPicPr>
-          <p:cNvPr id="4" name="Picture 3">
-            <a:extLst>
-              <a:ext uri="{FF2B5EF4-FFF2-40B4-BE49-F238E27FC236}">
-                <a16:creationId xmlns:a16="http://schemas.microsoft.com/office/drawing/2014/main" id="{97BD8BE7-BC2D-7948-8388-48B69F6B2F44}"/>
-              </a:ext>
-            </a:extLst>
-          </p:cNvPr>
-          <p:cNvPicPr>
-            <a:picLocks noChangeAspect="1"/>
-          </p:cNvPicPr>
-          <p:nvPr/>
-        </p:nvPicPr>
-        <p:blipFill>
-          <a:blip r:embed="rId2"/>
-          <a:stretch>
-            <a:fillRect/>
-          </a:stretch>
-        </p:blipFill>
-        <p:spPr>
-          <a:xfrm>
-            <a:off x="1371599" y="794657"/>
-            <a:ext cx="6814457" cy="4572000"/>
-          </a:xfrm>
-          <a:prstGeom prst="rect">
-            <a:avLst/>
-          </a:prstGeom>
-        </p:spPr>
-      </p:pic>
       <p:sp>
         <p:nvSpPr>
           <p:cNvPr id="6" name="TextBox 5">
@@ -18825,7 +18908,7 @@
         </p:nvSpPr>
         <p:spPr>
           <a:xfrm>
-            <a:off x="8806543" y="1099457"/>
+            <a:off x="10237850" y="1213519"/>
             <a:ext cx="1632857" cy="1077218"/>
           </a:xfrm>
           <a:prstGeom prst="rect">
@@ -18840,18 +18923,4986 @@
           <a:lstStyle/>
           <a:p>
             <a:r>
+              <a:rPr lang="en-VN" sz="3200" u="sng" dirty="0"/>
+              <a:t>Alive</a:t>
+            </a:r>
+            <a:r>
               <a:rPr lang="en-VN" sz="3200" dirty="0"/>
-              <a:t>Alive : 1</a:t>
-            </a:r>
-          </a:p>
-          <a:p>
+              <a:t> : 1</a:t>
+            </a:r>
+          </a:p>
+          <a:p>
+            <a:r>
+              <a:rPr lang="en-VN" sz="3200" u="sng" dirty="0"/>
+              <a:t>Dead</a:t>
+            </a:r>
             <a:r>
               <a:rPr lang="en-VN" sz="3200" dirty="0"/>
-              <a:t>Dead: 0</a:t>
+              <a:t>: 0</a:t>
             </a:r>
           </a:p>
         </p:txBody>
       </p:sp>
+      <p:graphicFrame>
+        <p:nvGraphicFramePr>
+          <p:cNvPr id="2" name="Table 1"/>
+          <p:cNvGraphicFramePr>
+            <a:graphicFrameLocks noGrp="1"/>
+          </p:cNvGraphicFramePr>
+          <p:nvPr>
+            <p:extLst>
+              <p:ext uri="{D42A27DB-BD31-4B8C-83A1-F6EECF244321}">
+                <p14:modId xmlns:p14="http://schemas.microsoft.com/office/powerpoint/2010/main" val="3692177230"/>
+              </p:ext>
+            </p:extLst>
+          </p:nvPr>
+        </p:nvGraphicFramePr>
+        <p:xfrm>
+          <a:off x="1263013" y="1109639"/>
+          <a:ext cx="8882472" cy="4704816"/>
+        </p:xfrm>
+        <a:graphic>
+          <a:graphicData uri="http://schemas.openxmlformats.org/drawingml/2006/table">
+            <a:tbl>
+              <a:tblPr firstRow="1" firstCol="1" bandRow="1"/>
+              <a:tblGrid>
+                <a:gridCol w="1480095">
+                  <a:extLst>
+                    <a:ext uri="{9D8B030D-6E8A-4147-A177-3AD203B41FA5}">
+                      <a16:colId xmlns:a16="http://schemas.microsoft.com/office/drawing/2014/main" val="4162485256"/>
+                    </a:ext>
+                  </a:extLst>
+                </a:gridCol>
+                <a:gridCol w="1480095">
+                  <a:extLst>
+                    <a:ext uri="{9D8B030D-6E8A-4147-A177-3AD203B41FA5}">
+                      <a16:colId xmlns:a16="http://schemas.microsoft.com/office/drawing/2014/main" val="3475637771"/>
+                    </a:ext>
+                  </a:extLst>
+                </a:gridCol>
+                <a:gridCol w="1480095">
+                  <a:extLst>
+                    <a:ext uri="{9D8B030D-6E8A-4147-A177-3AD203B41FA5}">
+                      <a16:colId xmlns:a16="http://schemas.microsoft.com/office/drawing/2014/main" val="619202364"/>
+                    </a:ext>
+                  </a:extLst>
+                </a:gridCol>
+                <a:gridCol w="1480095">
+                  <a:extLst>
+                    <a:ext uri="{9D8B030D-6E8A-4147-A177-3AD203B41FA5}">
+                      <a16:colId xmlns:a16="http://schemas.microsoft.com/office/drawing/2014/main" val="3140362404"/>
+                    </a:ext>
+                  </a:extLst>
+                </a:gridCol>
+                <a:gridCol w="1481046">
+                  <a:extLst>
+                    <a:ext uri="{9D8B030D-6E8A-4147-A177-3AD203B41FA5}">
+                      <a16:colId xmlns:a16="http://schemas.microsoft.com/office/drawing/2014/main" val="969721065"/>
+                    </a:ext>
+                  </a:extLst>
+                </a:gridCol>
+                <a:gridCol w="1481046">
+                  <a:extLst>
+                    <a:ext uri="{9D8B030D-6E8A-4147-A177-3AD203B41FA5}">
+                      <a16:colId xmlns:a16="http://schemas.microsoft.com/office/drawing/2014/main" val="3049782912"/>
+                    </a:ext>
+                  </a:extLst>
+                </a:gridCol>
+              </a:tblGrid>
+              <a:tr h="392068">
+                <a:tc>
+                  <a:txBody>
+                    <a:bodyPr/>
+                    <a:lstStyle/>
+                    <a:p>
+                      <a:pPr>
+                        <a:lnSpc>
+                          <a:spcPct val="107000"/>
+                        </a:lnSpc>
+                        <a:spcAft>
+                          <a:spcPts val="0"/>
+                        </a:spcAft>
+                      </a:pPr>
+                      <a:r>
+                        <a:rPr lang="en-US" sz="1600">
+                          <a:solidFill>
+                            <a:srgbClr val="FFFFFF"/>
+                          </a:solidFill>
+                          <a:effectLst/>
+                          <a:latin typeface="Calibri" panose="020F0502020204030204" pitchFamily="34" charset="0"/>
+                          <a:ea typeface="Calibri" panose="020F0502020204030204" pitchFamily="34" charset="0"/>
+                          <a:cs typeface="Times New Roman" panose="02020603050405020304" pitchFamily="18" charset="0"/>
+                        </a:rPr>
+                        <a:t> </a:t>
+                      </a:r>
+                      <a:endParaRPr lang="en-US" sz="1600">
+                        <a:effectLst/>
+                        <a:latin typeface="Calibri" panose="020F0502020204030204" pitchFamily="34" charset="0"/>
+                        <a:ea typeface="Calibri" panose="020F0502020204030204" pitchFamily="34" charset="0"/>
+                        <a:cs typeface="Times New Roman" panose="02020603050405020304" pitchFamily="18" charset="0"/>
+                      </a:endParaRPr>
+                    </a:p>
+                  </a:txBody>
+                  <a:tcPr marL="68580" marR="68580" marT="0" marB="0">
+                    <a:lnL w="12700" cap="flat" cmpd="sng" algn="ctr">
+                      <a:solidFill>
+                        <a:srgbClr val="000000"/>
+                      </a:solidFill>
+                      <a:prstDash val="solid"/>
+                      <a:round/>
+                      <a:headEnd type="none" w="med" len="med"/>
+                      <a:tailEnd type="none" w="med" len="med"/>
+                    </a:lnL>
+                    <a:lnR w="12700" cap="flat" cmpd="sng" algn="ctr">
+                      <a:solidFill>
+                        <a:srgbClr val="000000"/>
+                      </a:solidFill>
+                      <a:prstDash val="solid"/>
+                      <a:round/>
+                      <a:headEnd type="none" w="med" len="med"/>
+                      <a:tailEnd type="none" w="med" len="med"/>
+                    </a:lnR>
+                    <a:lnT w="12700" cap="flat" cmpd="sng" algn="ctr">
+                      <a:solidFill>
+                        <a:srgbClr val="000000"/>
+                      </a:solidFill>
+                      <a:prstDash val="solid"/>
+                      <a:round/>
+                      <a:headEnd type="none" w="med" len="med"/>
+                      <a:tailEnd type="none" w="med" len="med"/>
+                    </a:lnT>
+                    <a:lnB w="12700" cap="flat" cmpd="sng" algn="ctr">
+                      <a:solidFill>
+                        <a:srgbClr val="000000"/>
+                      </a:solidFill>
+                      <a:prstDash val="solid"/>
+                      <a:round/>
+                      <a:headEnd type="none" w="med" len="med"/>
+                      <a:tailEnd type="none" w="med" len="med"/>
+                    </a:lnB>
+                    <a:solidFill>
+                      <a:srgbClr val="808080"/>
+                    </a:solidFill>
+                  </a:tcPr>
+                </a:tc>
+                <a:tc>
+                  <a:txBody>
+                    <a:bodyPr/>
+                    <a:lstStyle/>
+                    <a:p>
+                      <a:pPr algn="ctr">
+                        <a:lnSpc>
+                          <a:spcPct val="107000"/>
+                        </a:lnSpc>
+                        <a:spcAft>
+                          <a:spcPts val="0"/>
+                        </a:spcAft>
+                      </a:pPr>
+                      <a:r>
+                        <a:rPr lang="en-US" sz="1600" dirty="0">
+                          <a:solidFill>
+                            <a:srgbClr val="FFFFFF"/>
+                          </a:solidFill>
+                          <a:effectLst/>
+                          <a:latin typeface="Calibri" panose="020F0502020204030204" pitchFamily="34" charset="0"/>
+                          <a:ea typeface="Calibri" panose="020F0502020204030204" pitchFamily="34" charset="0"/>
+                          <a:cs typeface="Times New Roman" panose="02020603050405020304" pitchFamily="18" charset="0"/>
+                        </a:rPr>
+                        <a:t>Age</a:t>
+                      </a:r>
+                      <a:endParaRPr lang="en-US" sz="1600" dirty="0">
+                        <a:effectLst/>
+                        <a:latin typeface="Calibri" panose="020F0502020204030204" pitchFamily="34" charset="0"/>
+                        <a:ea typeface="Calibri" panose="020F0502020204030204" pitchFamily="34" charset="0"/>
+                        <a:cs typeface="Times New Roman" panose="02020603050405020304" pitchFamily="18" charset="0"/>
+                      </a:endParaRPr>
+                    </a:p>
+                  </a:txBody>
+                  <a:tcPr marL="68580" marR="68580" marT="0" marB="0" anchor="ctr">
+                    <a:lnL w="12700" cap="flat" cmpd="sng" algn="ctr">
+                      <a:solidFill>
+                        <a:srgbClr val="000000"/>
+                      </a:solidFill>
+                      <a:prstDash val="solid"/>
+                      <a:round/>
+                      <a:headEnd type="none" w="med" len="med"/>
+                      <a:tailEnd type="none" w="med" len="med"/>
+                    </a:lnL>
+                    <a:lnR w="12700" cap="flat" cmpd="sng" algn="ctr">
+                      <a:solidFill>
+                        <a:srgbClr val="000000"/>
+                      </a:solidFill>
+                      <a:prstDash val="solid"/>
+                      <a:round/>
+                      <a:headEnd type="none" w="med" len="med"/>
+                      <a:tailEnd type="none" w="med" len="med"/>
+                    </a:lnR>
+                    <a:lnT w="12700" cap="flat" cmpd="sng" algn="ctr">
+                      <a:solidFill>
+                        <a:srgbClr val="000000"/>
+                      </a:solidFill>
+                      <a:prstDash val="solid"/>
+                      <a:round/>
+                      <a:headEnd type="none" w="med" len="med"/>
+                      <a:tailEnd type="none" w="med" len="med"/>
+                    </a:lnT>
+                    <a:lnB w="12700" cap="flat" cmpd="sng" algn="ctr">
+                      <a:solidFill>
+                        <a:srgbClr val="000000"/>
+                      </a:solidFill>
+                      <a:prstDash val="solid"/>
+                      <a:round/>
+                      <a:headEnd type="none" w="med" len="med"/>
+                      <a:tailEnd type="none" w="med" len="med"/>
+                    </a:lnB>
+                    <a:solidFill>
+                      <a:srgbClr val="808080"/>
+                    </a:solidFill>
+                  </a:tcPr>
+                </a:tc>
+                <a:tc>
+                  <a:txBody>
+                    <a:bodyPr/>
+                    <a:lstStyle/>
+                    <a:p>
+                      <a:pPr algn="ctr">
+                        <a:lnSpc>
+                          <a:spcPct val="107000"/>
+                        </a:lnSpc>
+                        <a:spcAft>
+                          <a:spcPts val="0"/>
+                        </a:spcAft>
+                      </a:pPr>
+                      <a:r>
+                        <a:rPr lang="en-US" sz="1600" dirty="0">
+                          <a:solidFill>
+                            <a:srgbClr val="FFFFFF"/>
+                          </a:solidFill>
+                          <a:effectLst/>
+                          <a:latin typeface="Calibri" panose="020F0502020204030204" pitchFamily="34" charset="0"/>
+                          <a:ea typeface="Calibri" panose="020F0502020204030204" pitchFamily="34" charset="0"/>
+                          <a:cs typeface="Times New Roman" panose="02020603050405020304" pitchFamily="18" charset="0"/>
+                        </a:rPr>
+                        <a:t>Protein1</a:t>
+                      </a:r>
+                      <a:endParaRPr lang="en-US" sz="1600" dirty="0">
+                        <a:effectLst/>
+                        <a:latin typeface="Calibri" panose="020F0502020204030204" pitchFamily="34" charset="0"/>
+                        <a:ea typeface="Calibri" panose="020F0502020204030204" pitchFamily="34" charset="0"/>
+                        <a:cs typeface="Times New Roman" panose="02020603050405020304" pitchFamily="18" charset="0"/>
+                      </a:endParaRPr>
+                    </a:p>
+                  </a:txBody>
+                  <a:tcPr marL="68580" marR="68580" marT="0" marB="0" anchor="ctr">
+                    <a:lnL w="12700" cap="flat" cmpd="sng" algn="ctr">
+                      <a:solidFill>
+                        <a:srgbClr val="000000"/>
+                      </a:solidFill>
+                      <a:prstDash val="solid"/>
+                      <a:round/>
+                      <a:headEnd type="none" w="med" len="med"/>
+                      <a:tailEnd type="none" w="med" len="med"/>
+                    </a:lnL>
+                    <a:lnR w="12700" cap="flat" cmpd="sng" algn="ctr">
+                      <a:solidFill>
+                        <a:srgbClr val="000000"/>
+                      </a:solidFill>
+                      <a:prstDash val="solid"/>
+                      <a:round/>
+                      <a:headEnd type="none" w="med" len="med"/>
+                      <a:tailEnd type="none" w="med" len="med"/>
+                    </a:lnR>
+                    <a:lnT w="12700" cap="flat" cmpd="sng" algn="ctr">
+                      <a:solidFill>
+                        <a:srgbClr val="000000"/>
+                      </a:solidFill>
+                      <a:prstDash val="solid"/>
+                      <a:round/>
+                      <a:headEnd type="none" w="med" len="med"/>
+                      <a:tailEnd type="none" w="med" len="med"/>
+                    </a:lnT>
+                    <a:lnB w="12700" cap="flat" cmpd="sng" algn="ctr">
+                      <a:solidFill>
+                        <a:srgbClr val="000000"/>
+                      </a:solidFill>
+                      <a:prstDash val="solid"/>
+                      <a:round/>
+                      <a:headEnd type="none" w="med" len="med"/>
+                      <a:tailEnd type="none" w="med" len="med"/>
+                    </a:lnB>
+                    <a:solidFill>
+                      <a:srgbClr val="808080"/>
+                    </a:solidFill>
+                  </a:tcPr>
+                </a:tc>
+                <a:tc>
+                  <a:txBody>
+                    <a:bodyPr/>
+                    <a:lstStyle/>
+                    <a:p>
+                      <a:pPr algn="ctr">
+                        <a:lnSpc>
+                          <a:spcPct val="107000"/>
+                        </a:lnSpc>
+                        <a:spcAft>
+                          <a:spcPts val="0"/>
+                        </a:spcAft>
+                      </a:pPr>
+                      <a:r>
+                        <a:rPr lang="en-US" sz="1600" dirty="0">
+                          <a:solidFill>
+                            <a:srgbClr val="FFFFFF"/>
+                          </a:solidFill>
+                          <a:effectLst/>
+                          <a:latin typeface="Calibri" panose="020F0502020204030204" pitchFamily="34" charset="0"/>
+                          <a:ea typeface="Calibri" panose="020F0502020204030204" pitchFamily="34" charset="0"/>
+                          <a:cs typeface="Times New Roman" panose="02020603050405020304" pitchFamily="18" charset="0"/>
+                        </a:rPr>
+                        <a:t>Protein2</a:t>
+                      </a:r>
+                      <a:endParaRPr lang="en-US" sz="1600" dirty="0">
+                        <a:effectLst/>
+                        <a:latin typeface="Calibri" panose="020F0502020204030204" pitchFamily="34" charset="0"/>
+                        <a:ea typeface="Calibri" panose="020F0502020204030204" pitchFamily="34" charset="0"/>
+                        <a:cs typeface="Times New Roman" panose="02020603050405020304" pitchFamily="18" charset="0"/>
+                      </a:endParaRPr>
+                    </a:p>
+                  </a:txBody>
+                  <a:tcPr marL="68580" marR="68580" marT="0" marB="0" anchor="ctr">
+                    <a:lnL w="12700" cap="flat" cmpd="sng" algn="ctr">
+                      <a:solidFill>
+                        <a:srgbClr val="000000"/>
+                      </a:solidFill>
+                      <a:prstDash val="solid"/>
+                      <a:round/>
+                      <a:headEnd type="none" w="med" len="med"/>
+                      <a:tailEnd type="none" w="med" len="med"/>
+                    </a:lnL>
+                    <a:lnR w="12700" cap="flat" cmpd="sng" algn="ctr">
+                      <a:solidFill>
+                        <a:srgbClr val="000000"/>
+                      </a:solidFill>
+                      <a:prstDash val="solid"/>
+                      <a:round/>
+                      <a:headEnd type="none" w="med" len="med"/>
+                      <a:tailEnd type="none" w="med" len="med"/>
+                    </a:lnR>
+                    <a:lnT w="12700" cap="flat" cmpd="sng" algn="ctr">
+                      <a:solidFill>
+                        <a:srgbClr val="000000"/>
+                      </a:solidFill>
+                      <a:prstDash val="solid"/>
+                      <a:round/>
+                      <a:headEnd type="none" w="med" len="med"/>
+                      <a:tailEnd type="none" w="med" len="med"/>
+                    </a:lnT>
+                    <a:lnB w="12700" cap="flat" cmpd="sng" algn="ctr">
+                      <a:solidFill>
+                        <a:srgbClr val="000000"/>
+                      </a:solidFill>
+                      <a:prstDash val="solid"/>
+                      <a:round/>
+                      <a:headEnd type="none" w="med" len="med"/>
+                      <a:tailEnd type="none" w="med" len="med"/>
+                    </a:lnB>
+                    <a:solidFill>
+                      <a:srgbClr val="808080"/>
+                    </a:solidFill>
+                  </a:tcPr>
+                </a:tc>
+                <a:tc>
+                  <a:txBody>
+                    <a:bodyPr/>
+                    <a:lstStyle/>
+                    <a:p>
+                      <a:pPr algn="ctr">
+                        <a:lnSpc>
+                          <a:spcPct val="107000"/>
+                        </a:lnSpc>
+                        <a:spcAft>
+                          <a:spcPts val="0"/>
+                        </a:spcAft>
+                      </a:pPr>
+                      <a:r>
+                        <a:rPr lang="en-US" sz="1600">
+                          <a:solidFill>
+                            <a:srgbClr val="FFFFFF"/>
+                          </a:solidFill>
+                          <a:effectLst/>
+                          <a:latin typeface="Calibri" panose="020F0502020204030204" pitchFamily="34" charset="0"/>
+                          <a:ea typeface="Calibri" panose="020F0502020204030204" pitchFamily="34" charset="0"/>
+                          <a:cs typeface="Times New Roman" panose="02020603050405020304" pitchFamily="18" charset="0"/>
+                        </a:rPr>
+                        <a:t>Protein3</a:t>
+                      </a:r>
+                      <a:endParaRPr lang="en-US" sz="1600">
+                        <a:effectLst/>
+                        <a:latin typeface="Calibri" panose="020F0502020204030204" pitchFamily="34" charset="0"/>
+                        <a:ea typeface="Calibri" panose="020F0502020204030204" pitchFamily="34" charset="0"/>
+                        <a:cs typeface="Times New Roman" panose="02020603050405020304" pitchFamily="18" charset="0"/>
+                      </a:endParaRPr>
+                    </a:p>
+                  </a:txBody>
+                  <a:tcPr marL="68580" marR="68580" marT="0" marB="0" anchor="ctr">
+                    <a:lnL w="12700" cap="flat" cmpd="sng" algn="ctr">
+                      <a:solidFill>
+                        <a:srgbClr val="000000"/>
+                      </a:solidFill>
+                      <a:prstDash val="solid"/>
+                      <a:round/>
+                      <a:headEnd type="none" w="med" len="med"/>
+                      <a:tailEnd type="none" w="med" len="med"/>
+                    </a:lnL>
+                    <a:lnR w="12700" cap="flat" cmpd="sng" algn="ctr">
+                      <a:solidFill>
+                        <a:srgbClr val="000000"/>
+                      </a:solidFill>
+                      <a:prstDash val="solid"/>
+                      <a:round/>
+                      <a:headEnd type="none" w="med" len="med"/>
+                      <a:tailEnd type="none" w="med" len="med"/>
+                    </a:lnR>
+                    <a:lnT w="12700" cap="flat" cmpd="sng" algn="ctr">
+                      <a:solidFill>
+                        <a:srgbClr val="000000"/>
+                      </a:solidFill>
+                      <a:prstDash val="solid"/>
+                      <a:round/>
+                      <a:headEnd type="none" w="med" len="med"/>
+                      <a:tailEnd type="none" w="med" len="med"/>
+                    </a:lnT>
+                    <a:lnB w="12700" cap="flat" cmpd="sng" algn="ctr">
+                      <a:solidFill>
+                        <a:srgbClr val="000000"/>
+                      </a:solidFill>
+                      <a:prstDash val="solid"/>
+                      <a:round/>
+                      <a:headEnd type="none" w="med" len="med"/>
+                      <a:tailEnd type="none" w="med" len="med"/>
+                    </a:lnB>
+                    <a:solidFill>
+                      <a:srgbClr val="808080"/>
+                    </a:solidFill>
+                  </a:tcPr>
+                </a:tc>
+                <a:tc>
+                  <a:txBody>
+                    <a:bodyPr/>
+                    <a:lstStyle/>
+                    <a:p>
+                      <a:pPr algn="ctr">
+                        <a:lnSpc>
+                          <a:spcPct val="107000"/>
+                        </a:lnSpc>
+                        <a:spcAft>
+                          <a:spcPts val="0"/>
+                        </a:spcAft>
+                      </a:pPr>
+                      <a:r>
+                        <a:rPr lang="en-US" sz="1600">
+                          <a:solidFill>
+                            <a:srgbClr val="FFFFFF"/>
+                          </a:solidFill>
+                          <a:effectLst/>
+                          <a:latin typeface="Calibri" panose="020F0502020204030204" pitchFamily="34" charset="0"/>
+                          <a:ea typeface="Calibri" panose="020F0502020204030204" pitchFamily="34" charset="0"/>
+                          <a:cs typeface="Times New Roman" panose="02020603050405020304" pitchFamily="18" charset="0"/>
+                        </a:rPr>
+                        <a:t>Patient_Status</a:t>
+                      </a:r>
+                      <a:endParaRPr lang="en-US" sz="1600">
+                        <a:effectLst/>
+                        <a:latin typeface="Calibri" panose="020F0502020204030204" pitchFamily="34" charset="0"/>
+                        <a:ea typeface="Calibri" panose="020F0502020204030204" pitchFamily="34" charset="0"/>
+                        <a:cs typeface="Times New Roman" panose="02020603050405020304" pitchFamily="18" charset="0"/>
+                      </a:endParaRPr>
+                    </a:p>
+                  </a:txBody>
+                  <a:tcPr marL="68580" marR="68580" marT="0" marB="0" anchor="ctr">
+                    <a:lnL w="12700" cap="flat" cmpd="sng" algn="ctr">
+                      <a:solidFill>
+                        <a:srgbClr val="000000"/>
+                      </a:solidFill>
+                      <a:prstDash val="solid"/>
+                      <a:round/>
+                      <a:headEnd type="none" w="med" len="med"/>
+                      <a:tailEnd type="none" w="med" len="med"/>
+                    </a:lnL>
+                    <a:lnR w="12700" cap="flat" cmpd="sng" algn="ctr">
+                      <a:solidFill>
+                        <a:srgbClr val="000000"/>
+                      </a:solidFill>
+                      <a:prstDash val="solid"/>
+                      <a:round/>
+                      <a:headEnd type="none" w="med" len="med"/>
+                      <a:tailEnd type="none" w="med" len="med"/>
+                    </a:lnR>
+                    <a:lnT w="12700" cap="flat" cmpd="sng" algn="ctr">
+                      <a:solidFill>
+                        <a:srgbClr val="000000"/>
+                      </a:solidFill>
+                      <a:prstDash val="solid"/>
+                      <a:round/>
+                      <a:headEnd type="none" w="med" len="med"/>
+                      <a:tailEnd type="none" w="med" len="med"/>
+                    </a:lnT>
+                    <a:lnB w="12700" cap="flat" cmpd="sng" algn="ctr">
+                      <a:solidFill>
+                        <a:srgbClr val="000000"/>
+                      </a:solidFill>
+                      <a:prstDash val="solid"/>
+                      <a:round/>
+                      <a:headEnd type="none" w="med" len="med"/>
+                      <a:tailEnd type="none" w="med" len="med"/>
+                    </a:lnB>
+                    <a:solidFill>
+                      <a:srgbClr val="808080"/>
+                    </a:solidFill>
+                  </a:tcPr>
+                </a:tc>
+                <a:extLst>
+                  <a:ext uri="{0D108BD9-81ED-4DB2-BD59-A6C34878D82A}">
+                    <a16:rowId xmlns:a16="http://schemas.microsoft.com/office/drawing/2014/main" val="3332632375"/>
+                  </a:ext>
+                </a:extLst>
+              </a:tr>
+              <a:tr h="392068">
+                <a:tc>
+                  <a:txBody>
+                    <a:bodyPr/>
+                    <a:lstStyle/>
+                    <a:p>
+                      <a:pPr algn="ctr">
+                        <a:lnSpc>
+                          <a:spcPct val="107000"/>
+                        </a:lnSpc>
+                        <a:spcAft>
+                          <a:spcPts val="0"/>
+                        </a:spcAft>
+                      </a:pPr>
+                      <a:r>
+                        <a:rPr lang="en-US" sz="1600" dirty="0">
+                          <a:effectLst/>
+                          <a:latin typeface="Calibri" panose="020F0502020204030204" pitchFamily="34" charset="0"/>
+                          <a:ea typeface="Calibri" panose="020F0502020204030204" pitchFamily="34" charset="0"/>
+                          <a:cs typeface="Times New Roman" panose="02020603050405020304" pitchFamily="18" charset="0"/>
+                        </a:rPr>
+                        <a:t>0</a:t>
+                      </a:r>
+                    </a:p>
+                  </a:txBody>
+                  <a:tcPr marL="68580" marR="68580" marT="0" marB="0" anchor="ctr">
+                    <a:lnL w="12700" cap="flat" cmpd="sng" algn="ctr">
+                      <a:solidFill>
+                        <a:srgbClr val="000000"/>
+                      </a:solidFill>
+                      <a:prstDash val="solid"/>
+                      <a:round/>
+                      <a:headEnd type="none" w="med" len="med"/>
+                      <a:tailEnd type="none" w="med" len="med"/>
+                    </a:lnL>
+                    <a:lnR w="12700" cap="flat" cmpd="sng" algn="ctr">
+                      <a:solidFill>
+                        <a:srgbClr val="000000"/>
+                      </a:solidFill>
+                      <a:prstDash val="solid"/>
+                      <a:round/>
+                      <a:headEnd type="none" w="med" len="med"/>
+                      <a:tailEnd type="none" w="med" len="med"/>
+                    </a:lnR>
+                    <a:lnT w="12700" cap="flat" cmpd="sng" algn="ctr">
+                      <a:solidFill>
+                        <a:srgbClr val="000000"/>
+                      </a:solidFill>
+                      <a:prstDash val="solid"/>
+                      <a:round/>
+                      <a:headEnd type="none" w="med" len="med"/>
+                      <a:tailEnd type="none" w="med" len="med"/>
+                    </a:lnT>
+                    <a:lnB w="12700" cap="flat" cmpd="sng" algn="ctr">
+                      <a:solidFill>
+                        <a:srgbClr val="000000"/>
+                      </a:solidFill>
+                      <a:prstDash val="solid"/>
+                      <a:round/>
+                      <a:headEnd type="none" w="med" len="med"/>
+                      <a:tailEnd type="none" w="med" len="med"/>
+                    </a:lnB>
+                    <a:solidFill>
+                      <a:schemeClr val="bg1"/>
+                    </a:solidFill>
+                  </a:tcPr>
+                </a:tc>
+                <a:tc>
+                  <a:txBody>
+                    <a:bodyPr/>
+                    <a:lstStyle/>
+                    <a:p>
+                      <a:pPr algn="ctr">
+                        <a:lnSpc>
+                          <a:spcPct val="107000"/>
+                        </a:lnSpc>
+                        <a:spcAft>
+                          <a:spcPts val="0"/>
+                        </a:spcAft>
+                      </a:pPr>
+                      <a:r>
+                        <a:rPr lang="en-US" sz="1600" dirty="0">
+                          <a:effectLst/>
+                          <a:latin typeface="Calibri" panose="020F0502020204030204" pitchFamily="34" charset="0"/>
+                          <a:ea typeface="Calibri" panose="020F0502020204030204" pitchFamily="34" charset="0"/>
+                          <a:cs typeface="Times New Roman" panose="02020603050405020304" pitchFamily="18" charset="0"/>
+                        </a:rPr>
+                        <a:t>36.0</a:t>
+                      </a:r>
+                    </a:p>
+                  </a:txBody>
+                  <a:tcPr marL="68580" marR="68580" marT="0" marB="0" anchor="ctr">
+                    <a:lnL w="12700" cap="flat" cmpd="sng" algn="ctr">
+                      <a:solidFill>
+                        <a:srgbClr val="000000"/>
+                      </a:solidFill>
+                      <a:prstDash val="solid"/>
+                      <a:round/>
+                      <a:headEnd type="none" w="med" len="med"/>
+                      <a:tailEnd type="none" w="med" len="med"/>
+                    </a:lnL>
+                    <a:lnR w="12700" cap="flat" cmpd="sng" algn="ctr">
+                      <a:solidFill>
+                        <a:srgbClr val="000000"/>
+                      </a:solidFill>
+                      <a:prstDash val="solid"/>
+                      <a:round/>
+                      <a:headEnd type="none" w="med" len="med"/>
+                      <a:tailEnd type="none" w="med" len="med"/>
+                    </a:lnR>
+                    <a:lnT w="12700" cap="flat" cmpd="sng" algn="ctr">
+                      <a:solidFill>
+                        <a:srgbClr val="000000"/>
+                      </a:solidFill>
+                      <a:prstDash val="solid"/>
+                      <a:round/>
+                      <a:headEnd type="none" w="med" len="med"/>
+                      <a:tailEnd type="none" w="med" len="med"/>
+                    </a:lnT>
+                    <a:lnB w="12700" cap="flat" cmpd="sng" algn="ctr">
+                      <a:solidFill>
+                        <a:srgbClr val="000000"/>
+                      </a:solidFill>
+                      <a:prstDash val="solid"/>
+                      <a:round/>
+                      <a:headEnd type="none" w="med" len="med"/>
+                      <a:tailEnd type="none" w="med" len="med"/>
+                    </a:lnB>
+                    <a:solidFill>
+                      <a:schemeClr val="bg1"/>
+                    </a:solidFill>
+                  </a:tcPr>
+                </a:tc>
+                <a:tc>
+                  <a:txBody>
+                    <a:bodyPr/>
+                    <a:lstStyle/>
+                    <a:p>
+                      <a:pPr algn="ctr">
+                        <a:lnSpc>
+                          <a:spcPct val="107000"/>
+                        </a:lnSpc>
+                        <a:spcAft>
+                          <a:spcPts val="0"/>
+                        </a:spcAft>
+                      </a:pPr>
+                      <a:r>
+                        <a:rPr lang="en-US" sz="1600" dirty="0">
+                          <a:effectLst/>
+                          <a:latin typeface="Calibri" panose="020F0502020204030204" pitchFamily="34" charset="0"/>
+                          <a:ea typeface="Calibri" panose="020F0502020204030204" pitchFamily="34" charset="0"/>
+                          <a:cs typeface="Times New Roman" panose="02020603050405020304" pitchFamily="18" charset="0"/>
+                        </a:rPr>
+                        <a:t>0.080353</a:t>
+                      </a:r>
+                    </a:p>
+                  </a:txBody>
+                  <a:tcPr marL="68580" marR="68580" marT="0" marB="0" anchor="ctr">
+                    <a:lnL w="12700" cap="flat" cmpd="sng" algn="ctr">
+                      <a:solidFill>
+                        <a:srgbClr val="000000"/>
+                      </a:solidFill>
+                      <a:prstDash val="solid"/>
+                      <a:round/>
+                      <a:headEnd type="none" w="med" len="med"/>
+                      <a:tailEnd type="none" w="med" len="med"/>
+                    </a:lnL>
+                    <a:lnR w="12700" cap="flat" cmpd="sng" algn="ctr">
+                      <a:solidFill>
+                        <a:srgbClr val="000000"/>
+                      </a:solidFill>
+                      <a:prstDash val="solid"/>
+                      <a:round/>
+                      <a:headEnd type="none" w="med" len="med"/>
+                      <a:tailEnd type="none" w="med" len="med"/>
+                    </a:lnR>
+                    <a:lnT w="12700" cap="flat" cmpd="sng" algn="ctr">
+                      <a:solidFill>
+                        <a:srgbClr val="000000"/>
+                      </a:solidFill>
+                      <a:prstDash val="solid"/>
+                      <a:round/>
+                      <a:headEnd type="none" w="med" len="med"/>
+                      <a:tailEnd type="none" w="med" len="med"/>
+                    </a:lnT>
+                    <a:lnB w="12700" cap="flat" cmpd="sng" algn="ctr">
+                      <a:solidFill>
+                        <a:srgbClr val="000000"/>
+                      </a:solidFill>
+                      <a:prstDash val="solid"/>
+                      <a:round/>
+                      <a:headEnd type="none" w="med" len="med"/>
+                      <a:tailEnd type="none" w="med" len="med"/>
+                    </a:lnB>
+                    <a:solidFill>
+                      <a:schemeClr val="bg1"/>
+                    </a:solidFill>
+                  </a:tcPr>
+                </a:tc>
+                <a:tc>
+                  <a:txBody>
+                    <a:bodyPr/>
+                    <a:lstStyle/>
+                    <a:p>
+                      <a:pPr algn="ctr">
+                        <a:lnSpc>
+                          <a:spcPct val="107000"/>
+                        </a:lnSpc>
+                        <a:spcAft>
+                          <a:spcPts val="0"/>
+                        </a:spcAft>
+                      </a:pPr>
+                      <a:r>
+                        <a:rPr lang="en-US" sz="1600" dirty="0">
+                          <a:effectLst/>
+                          <a:latin typeface="Calibri" panose="020F0502020204030204" pitchFamily="34" charset="0"/>
+                          <a:ea typeface="Calibri" panose="020F0502020204030204" pitchFamily="34" charset="0"/>
+                          <a:cs typeface="Times New Roman" panose="02020603050405020304" pitchFamily="18" charset="0"/>
+                        </a:rPr>
+                        <a:t>0.42638</a:t>
+                      </a:r>
+                    </a:p>
+                  </a:txBody>
+                  <a:tcPr marL="68580" marR="68580" marT="0" marB="0" anchor="ctr">
+                    <a:lnL w="12700" cap="flat" cmpd="sng" algn="ctr">
+                      <a:solidFill>
+                        <a:srgbClr val="000000"/>
+                      </a:solidFill>
+                      <a:prstDash val="solid"/>
+                      <a:round/>
+                      <a:headEnd type="none" w="med" len="med"/>
+                      <a:tailEnd type="none" w="med" len="med"/>
+                    </a:lnL>
+                    <a:lnR w="12700" cap="flat" cmpd="sng" algn="ctr">
+                      <a:solidFill>
+                        <a:srgbClr val="000000"/>
+                      </a:solidFill>
+                      <a:prstDash val="solid"/>
+                      <a:round/>
+                      <a:headEnd type="none" w="med" len="med"/>
+                      <a:tailEnd type="none" w="med" len="med"/>
+                    </a:lnR>
+                    <a:lnT w="12700" cap="flat" cmpd="sng" algn="ctr">
+                      <a:solidFill>
+                        <a:srgbClr val="000000"/>
+                      </a:solidFill>
+                      <a:prstDash val="solid"/>
+                      <a:round/>
+                      <a:headEnd type="none" w="med" len="med"/>
+                      <a:tailEnd type="none" w="med" len="med"/>
+                    </a:lnT>
+                    <a:lnB w="12700" cap="flat" cmpd="sng" algn="ctr">
+                      <a:solidFill>
+                        <a:srgbClr val="000000"/>
+                      </a:solidFill>
+                      <a:prstDash val="solid"/>
+                      <a:round/>
+                      <a:headEnd type="none" w="med" len="med"/>
+                      <a:tailEnd type="none" w="med" len="med"/>
+                    </a:lnB>
+                    <a:solidFill>
+                      <a:schemeClr val="bg1"/>
+                    </a:solidFill>
+                  </a:tcPr>
+                </a:tc>
+                <a:tc>
+                  <a:txBody>
+                    <a:bodyPr/>
+                    <a:lstStyle/>
+                    <a:p>
+                      <a:pPr algn="ctr">
+                        <a:lnSpc>
+                          <a:spcPct val="107000"/>
+                        </a:lnSpc>
+                        <a:spcAft>
+                          <a:spcPts val="0"/>
+                        </a:spcAft>
+                      </a:pPr>
+                      <a:r>
+                        <a:rPr lang="en-US" sz="1600" dirty="0">
+                          <a:effectLst/>
+                          <a:latin typeface="Calibri" panose="020F0502020204030204" pitchFamily="34" charset="0"/>
+                          <a:ea typeface="Calibri" panose="020F0502020204030204" pitchFamily="34" charset="0"/>
+                          <a:cs typeface="Times New Roman" panose="02020603050405020304" pitchFamily="18" charset="0"/>
+                        </a:rPr>
+                        <a:t>0.547150</a:t>
+                      </a:r>
+                    </a:p>
+                  </a:txBody>
+                  <a:tcPr marL="68580" marR="68580" marT="0" marB="0" anchor="ctr">
+                    <a:lnL w="12700" cap="flat" cmpd="sng" algn="ctr">
+                      <a:solidFill>
+                        <a:srgbClr val="000000"/>
+                      </a:solidFill>
+                      <a:prstDash val="solid"/>
+                      <a:round/>
+                      <a:headEnd type="none" w="med" len="med"/>
+                      <a:tailEnd type="none" w="med" len="med"/>
+                    </a:lnL>
+                    <a:lnR w="12700" cap="flat" cmpd="sng" algn="ctr">
+                      <a:solidFill>
+                        <a:srgbClr val="000000"/>
+                      </a:solidFill>
+                      <a:prstDash val="solid"/>
+                      <a:round/>
+                      <a:headEnd type="none" w="med" len="med"/>
+                      <a:tailEnd type="none" w="med" len="med"/>
+                    </a:lnR>
+                    <a:lnT w="12700" cap="flat" cmpd="sng" algn="ctr">
+                      <a:solidFill>
+                        <a:srgbClr val="000000"/>
+                      </a:solidFill>
+                      <a:prstDash val="solid"/>
+                      <a:round/>
+                      <a:headEnd type="none" w="med" len="med"/>
+                      <a:tailEnd type="none" w="med" len="med"/>
+                    </a:lnT>
+                    <a:lnB w="12700" cap="flat" cmpd="sng" algn="ctr">
+                      <a:solidFill>
+                        <a:srgbClr val="000000"/>
+                      </a:solidFill>
+                      <a:prstDash val="solid"/>
+                      <a:round/>
+                      <a:headEnd type="none" w="med" len="med"/>
+                      <a:tailEnd type="none" w="med" len="med"/>
+                    </a:lnB>
+                    <a:solidFill>
+                      <a:schemeClr val="bg1"/>
+                    </a:solidFill>
+                  </a:tcPr>
+                </a:tc>
+                <a:tc>
+                  <a:txBody>
+                    <a:bodyPr/>
+                    <a:lstStyle/>
+                    <a:p>
+                      <a:pPr algn="ctr">
+                        <a:lnSpc>
+                          <a:spcPct val="107000"/>
+                        </a:lnSpc>
+                        <a:spcAft>
+                          <a:spcPts val="0"/>
+                        </a:spcAft>
+                      </a:pPr>
+                      <a:r>
+                        <a:rPr lang="en-US" sz="1600" dirty="0">
+                          <a:effectLst/>
+                          <a:latin typeface="Calibri" panose="020F0502020204030204" pitchFamily="34" charset="0"/>
+                          <a:ea typeface="Calibri" panose="020F0502020204030204" pitchFamily="34" charset="0"/>
+                          <a:cs typeface="Times New Roman" panose="02020603050405020304" pitchFamily="18" charset="0"/>
+                        </a:rPr>
+                        <a:t>1</a:t>
+                      </a:r>
+                    </a:p>
+                  </a:txBody>
+                  <a:tcPr marL="68580" marR="68580" marT="0" marB="0" anchor="ctr">
+                    <a:lnL w="12700" cap="flat" cmpd="sng" algn="ctr">
+                      <a:solidFill>
+                        <a:srgbClr val="000000"/>
+                      </a:solidFill>
+                      <a:prstDash val="solid"/>
+                      <a:round/>
+                      <a:headEnd type="none" w="med" len="med"/>
+                      <a:tailEnd type="none" w="med" len="med"/>
+                    </a:lnL>
+                    <a:lnR w="12700" cap="flat" cmpd="sng" algn="ctr">
+                      <a:solidFill>
+                        <a:srgbClr val="000000"/>
+                      </a:solidFill>
+                      <a:prstDash val="solid"/>
+                      <a:round/>
+                      <a:headEnd type="none" w="med" len="med"/>
+                      <a:tailEnd type="none" w="med" len="med"/>
+                    </a:lnR>
+                    <a:lnT w="12700" cap="flat" cmpd="sng" algn="ctr">
+                      <a:solidFill>
+                        <a:srgbClr val="000000"/>
+                      </a:solidFill>
+                      <a:prstDash val="solid"/>
+                      <a:round/>
+                      <a:headEnd type="none" w="med" len="med"/>
+                      <a:tailEnd type="none" w="med" len="med"/>
+                    </a:lnT>
+                    <a:lnB w="12700" cap="flat" cmpd="sng" algn="ctr">
+                      <a:solidFill>
+                        <a:srgbClr val="000000"/>
+                      </a:solidFill>
+                      <a:prstDash val="solid"/>
+                      <a:round/>
+                      <a:headEnd type="none" w="med" len="med"/>
+                      <a:tailEnd type="none" w="med" len="med"/>
+                    </a:lnB>
+                    <a:solidFill>
+                      <a:schemeClr val="bg1"/>
+                    </a:solidFill>
+                  </a:tcPr>
+                </a:tc>
+                <a:extLst>
+                  <a:ext uri="{0D108BD9-81ED-4DB2-BD59-A6C34878D82A}">
+                    <a16:rowId xmlns:a16="http://schemas.microsoft.com/office/drawing/2014/main" val="3372049700"/>
+                  </a:ext>
+                </a:extLst>
+              </a:tr>
+              <a:tr h="392068">
+                <a:tc>
+                  <a:txBody>
+                    <a:bodyPr/>
+                    <a:lstStyle/>
+                    <a:p>
+                      <a:pPr algn="ctr">
+                        <a:lnSpc>
+                          <a:spcPct val="107000"/>
+                        </a:lnSpc>
+                        <a:spcAft>
+                          <a:spcPts val="0"/>
+                        </a:spcAft>
+                      </a:pPr>
+                      <a:r>
+                        <a:rPr lang="en-US" sz="1600">
+                          <a:effectLst/>
+                          <a:latin typeface="Calibri" panose="020F0502020204030204" pitchFamily="34" charset="0"/>
+                          <a:ea typeface="Calibri" panose="020F0502020204030204" pitchFamily="34" charset="0"/>
+                          <a:cs typeface="Times New Roman" panose="02020603050405020304" pitchFamily="18" charset="0"/>
+                        </a:rPr>
+                        <a:t>1</a:t>
+                      </a:r>
+                    </a:p>
+                  </a:txBody>
+                  <a:tcPr marL="68580" marR="68580" marT="0" marB="0" anchor="ctr">
+                    <a:lnL w="12700" cap="flat" cmpd="sng" algn="ctr">
+                      <a:solidFill>
+                        <a:srgbClr val="000000"/>
+                      </a:solidFill>
+                      <a:prstDash val="solid"/>
+                      <a:round/>
+                      <a:headEnd type="none" w="med" len="med"/>
+                      <a:tailEnd type="none" w="med" len="med"/>
+                    </a:lnL>
+                    <a:lnR w="12700" cap="flat" cmpd="sng" algn="ctr">
+                      <a:solidFill>
+                        <a:srgbClr val="000000"/>
+                      </a:solidFill>
+                      <a:prstDash val="solid"/>
+                      <a:round/>
+                      <a:headEnd type="none" w="med" len="med"/>
+                      <a:tailEnd type="none" w="med" len="med"/>
+                    </a:lnR>
+                    <a:lnT w="12700" cap="flat" cmpd="sng" algn="ctr">
+                      <a:solidFill>
+                        <a:srgbClr val="000000"/>
+                      </a:solidFill>
+                      <a:prstDash val="solid"/>
+                      <a:round/>
+                      <a:headEnd type="none" w="med" len="med"/>
+                      <a:tailEnd type="none" w="med" len="med"/>
+                    </a:lnT>
+                    <a:lnB w="12700" cap="flat" cmpd="sng" algn="ctr">
+                      <a:solidFill>
+                        <a:srgbClr val="000000"/>
+                      </a:solidFill>
+                      <a:prstDash val="solid"/>
+                      <a:round/>
+                      <a:headEnd type="none" w="med" len="med"/>
+                      <a:tailEnd type="none" w="med" len="med"/>
+                    </a:lnB>
+                    <a:solidFill>
+                      <a:srgbClr val="FFFF00"/>
+                    </a:solidFill>
+                  </a:tcPr>
+                </a:tc>
+                <a:tc>
+                  <a:txBody>
+                    <a:bodyPr/>
+                    <a:lstStyle/>
+                    <a:p>
+                      <a:pPr algn="ctr">
+                        <a:lnSpc>
+                          <a:spcPct val="107000"/>
+                        </a:lnSpc>
+                        <a:spcAft>
+                          <a:spcPts val="0"/>
+                        </a:spcAft>
+                      </a:pPr>
+                      <a:r>
+                        <a:rPr lang="en-US" sz="1600">
+                          <a:effectLst/>
+                          <a:latin typeface="Calibri" panose="020F0502020204030204" pitchFamily="34" charset="0"/>
+                          <a:ea typeface="Calibri" panose="020F0502020204030204" pitchFamily="34" charset="0"/>
+                          <a:cs typeface="Times New Roman" panose="02020603050405020304" pitchFamily="18" charset="0"/>
+                        </a:rPr>
+                        <a:t>43.0</a:t>
+                      </a:r>
+                    </a:p>
+                  </a:txBody>
+                  <a:tcPr marL="68580" marR="68580" marT="0" marB="0" anchor="ctr">
+                    <a:lnL w="12700" cap="flat" cmpd="sng" algn="ctr">
+                      <a:solidFill>
+                        <a:srgbClr val="000000"/>
+                      </a:solidFill>
+                      <a:prstDash val="solid"/>
+                      <a:round/>
+                      <a:headEnd type="none" w="med" len="med"/>
+                      <a:tailEnd type="none" w="med" len="med"/>
+                    </a:lnL>
+                    <a:lnR w="12700" cap="flat" cmpd="sng" algn="ctr">
+                      <a:solidFill>
+                        <a:srgbClr val="000000"/>
+                      </a:solidFill>
+                      <a:prstDash val="solid"/>
+                      <a:round/>
+                      <a:headEnd type="none" w="med" len="med"/>
+                      <a:tailEnd type="none" w="med" len="med"/>
+                    </a:lnR>
+                    <a:lnT w="12700" cap="flat" cmpd="sng" algn="ctr">
+                      <a:solidFill>
+                        <a:srgbClr val="000000"/>
+                      </a:solidFill>
+                      <a:prstDash val="solid"/>
+                      <a:round/>
+                      <a:headEnd type="none" w="med" len="med"/>
+                      <a:tailEnd type="none" w="med" len="med"/>
+                    </a:lnT>
+                    <a:lnB w="12700" cap="flat" cmpd="sng" algn="ctr">
+                      <a:solidFill>
+                        <a:srgbClr val="000000"/>
+                      </a:solidFill>
+                      <a:prstDash val="solid"/>
+                      <a:round/>
+                      <a:headEnd type="none" w="med" len="med"/>
+                      <a:tailEnd type="none" w="med" len="med"/>
+                    </a:lnB>
+                    <a:solidFill>
+                      <a:srgbClr val="FFFF00"/>
+                    </a:solidFill>
+                  </a:tcPr>
+                </a:tc>
+                <a:tc>
+                  <a:txBody>
+                    <a:bodyPr/>
+                    <a:lstStyle/>
+                    <a:p>
+                      <a:pPr algn="ctr">
+                        <a:lnSpc>
+                          <a:spcPct val="107000"/>
+                        </a:lnSpc>
+                        <a:spcAft>
+                          <a:spcPts val="0"/>
+                        </a:spcAft>
+                      </a:pPr>
+                      <a:r>
+                        <a:rPr lang="en-US" sz="1600">
+                          <a:effectLst/>
+                          <a:latin typeface="Calibri" panose="020F0502020204030204" pitchFamily="34" charset="0"/>
+                          <a:ea typeface="Calibri" panose="020F0502020204030204" pitchFamily="34" charset="0"/>
+                          <a:cs typeface="Times New Roman" panose="02020603050405020304" pitchFamily="18" charset="0"/>
+                        </a:rPr>
+                        <a:t>-0.420320</a:t>
+                      </a:r>
+                    </a:p>
+                  </a:txBody>
+                  <a:tcPr marL="68580" marR="68580" marT="0" marB="0" anchor="ctr">
+                    <a:lnL w="12700" cap="flat" cmpd="sng" algn="ctr">
+                      <a:solidFill>
+                        <a:srgbClr val="000000"/>
+                      </a:solidFill>
+                      <a:prstDash val="solid"/>
+                      <a:round/>
+                      <a:headEnd type="none" w="med" len="med"/>
+                      <a:tailEnd type="none" w="med" len="med"/>
+                    </a:lnL>
+                    <a:lnR w="12700" cap="flat" cmpd="sng" algn="ctr">
+                      <a:solidFill>
+                        <a:srgbClr val="000000"/>
+                      </a:solidFill>
+                      <a:prstDash val="solid"/>
+                      <a:round/>
+                      <a:headEnd type="none" w="med" len="med"/>
+                      <a:tailEnd type="none" w="med" len="med"/>
+                    </a:lnR>
+                    <a:lnT w="12700" cap="flat" cmpd="sng" algn="ctr">
+                      <a:solidFill>
+                        <a:srgbClr val="000000"/>
+                      </a:solidFill>
+                      <a:prstDash val="solid"/>
+                      <a:round/>
+                      <a:headEnd type="none" w="med" len="med"/>
+                      <a:tailEnd type="none" w="med" len="med"/>
+                    </a:lnT>
+                    <a:lnB w="12700" cap="flat" cmpd="sng" algn="ctr">
+                      <a:solidFill>
+                        <a:srgbClr val="000000"/>
+                      </a:solidFill>
+                      <a:prstDash val="solid"/>
+                      <a:round/>
+                      <a:headEnd type="none" w="med" len="med"/>
+                      <a:tailEnd type="none" w="med" len="med"/>
+                    </a:lnB>
+                    <a:solidFill>
+                      <a:srgbClr val="FFFF00"/>
+                    </a:solidFill>
+                  </a:tcPr>
+                </a:tc>
+                <a:tc>
+                  <a:txBody>
+                    <a:bodyPr/>
+                    <a:lstStyle/>
+                    <a:p>
+                      <a:pPr algn="ctr">
+                        <a:lnSpc>
+                          <a:spcPct val="107000"/>
+                        </a:lnSpc>
+                        <a:spcAft>
+                          <a:spcPts val="0"/>
+                        </a:spcAft>
+                      </a:pPr>
+                      <a:r>
+                        <a:rPr lang="en-US" sz="1600" dirty="0">
+                          <a:effectLst/>
+                          <a:latin typeface="Calibri" panose="020F0502020204030204" pitchFamily="34" charset="0"/>
+                          <a:ea typeface="Calibri" panose="020F0502020204030204" pitchFamily="34" charset="0"/>
+                          <a:cs typeface="Times New Roman" panose="02020603050405020304" pitchFamily="18" charset="0"/>
+                        </a:rPr>
+                        <a:t>0.57807</a:t>
+                      </a:r>
+                    </a:p>
+                  </a:txBody>
+                  <a:tcPr marL="68580" marR="68580" marT="0" marB="0" anchor="ctr">
+                    <a:lnL w="12700" cap="flat" cmpd="sng" algn="ctr">
+                      <a:solidFill>
+                        <a:srgbClr val="000000"/>
+                      </a:solidFill>
+                      <a:prstDash val="solid"/>
+                      <a:round/>
+                      <a:headEnd type="none" w="med" len="med"/>
+                      <a:tailEnd type="none" w="med" len="med"/>
+                    </a:lnL>
+                    <a:lnR w="12700" cap="flat" cmpd="sng" algn="ctr">
+                      <a:solidFill>
+                        <a:srgbClr val="000000"/>
+                      </a:solidFill>
+                      <a:prstDash val="solid"/>
+                      <a:round/>
+                      <a:headEnd type="none" w="med" len="med"/>
+                      <a:tailEnd type="none" w="med" len="med"/>
+                    </a:lnR>
+                    <a:lnT w="12700" cap="flat" cmpd="sng" algn="ctr">
+                      <a:solidFill>
+                        <a:srgbClr val="000000"/>
+                      </a:solidFill>
+                      <a:prstDash val="solid"/>
+                      <a:round/>
+                      <a:headEnd type="none" w="med" len="med"/>
+                      <a:tailEnd type="none" w="med" len="med"/>
+                    </a:lnT>
+                    <a:lnB w="12700" cap="flat" cmpd="sng" algn="ctr">
+                      <a:solidFill>
+                        <a:srgbClr val="000000"/>
+                      </a:solidFill>
+                      <a:prstDash val="solid"/>
+                      <a:round/>
+                      <a:headEnd type="none" w="med" len="med"/>
+                      <a:tailEnd type="none" w="med" len="med"/>
+                    </a:lnB>
+                    <a:solidFill>
+                      <a:srgbClr val="FFFF00"/>
+                    </a:solidFill>
+                  </a:tcPr>
+                </a:tc>
+                <a:tc>
+                  <a:txBody>
+                    <a:bodyPr/>
+                    <a:lstStyle/>
+                    <a:p>
+                      <a:pPr algn="ctr">
+                        <a:lnSpc>
+                          <a:spcPct val="107000"/>
+                        </a:lnSpc>
+                        <a:spcAft>
+                          <a:spcPts val="0"/>
+                        </a:spcAft>
+                      </a:pPr>
+                      <a:r>
+                        <a:rPr lang="en-US" sz="1600" dirty="0">
+                          <a:effectLst/>
+                          <a:latin typeface="Calibri" panose="020F0502020204030204" pitchFamily="34" charset="0"/>
+                          <a:ea typeface="Calibri" panose="020F0502020204030204" pitchFamily="34" charset="0"/>
+                          <a:cs typeface="Times New Roman" panose="02020603050405020304" pitchFamily="18" charset="0"/>
+                        </a:rPr>
+                        <a:t>0.614470</a:t>
+                      </a:r>
+                    </a:p>
+                  </a:txBody>
+                  <a:tcPr marL="68580" marR="68580" marT="0" marB="0" anchor="ctr">
+                    <a:lnL w="12700" cap="flat" cmpd="sng" algn="ctr">
+                      <a:solidFill>
+                        <a:srgbClr val="000000"/>
+                      </a:solidFill>
+                      <a:prstDash val="solid"/>
+                      <a:round/>
+                      <a:headEnd type="none" w="med" len="med"/>
+                      <a:tailEnd type="none" w="med" len="med"/>
+                    </a:lnL>
+                    <a:lnR w="12700" cap="flat" cmpd="sng" algn="ctr">
+                      <a:solidFill>
+                        <a:srgbClr val="000000"/>
+                      </a:solidFill>
+                      <a:prstDash val="solid"/>
+                      <a:round/>
+                      <a:headEnd type="none" w="med" len="med"/>
+                      <a:tailEnd type="none" w="med" len="med"/>
+                    </a:lnR>
+                    <a:lnT w="12700" cap="flat" cmpd="sng" algn="ctr">
+                      <a:solidFill>
+                        <a:srgbClr val="000000"/>
+                      </a:solidFill>
+                      <a:prstDash val="solid"/>
+                      <a:round/>
+                      <a:headEnd type="none" w="med" len="med"/>
+                      <a:tailEnd type="none" w="med" len="med"/>
+                    </a:lnT>
+                    <a:lnB w="12700" cap="flat" cmpd="sng" algn="ctr">
+                      <a:solidFill>
+                        <a:srgbClr val="000000"/>
+                      </a:solidFill>
+                      <a:prstDash val="solid"/>
+                      <a:round/>
+                      <a:headEnd type="none" w="med" len="med"/>
+                      <a:tailEnd type="none" w="med" len="med"/>
+                    </a:lnB>
+                    <a:solidFill>
+                      <a:srgbClr val="FFFF00"/>
+                    </a:solidFill>
+                  </a:tcPr>
+                </a:tc>
+                <a:tc>
+                  <a:txBody>
+                    <a:bodyPr/>
+                    <a:lstStyle/>
+                    <a:p>
+                      <a:pPr algn="ctr">
+                        <a:lnSpc>
+                          <a:spcPct val="107000"/>
+                        </a:lnSpc>
+                        <a:spcAft>
+                          <a:spcPts val="0"/>
+                        </a:spcAft>
+                      </a:pPr>
+                      <a:r>
+                        <a:rPr lang="en-US" sz="1600" dirty="0">
+                          <a:effectLst/>
+                          <a:latin typeface="Calibri" panose="020F0502020204030204" pitchFamily="34" charset="0"/>
+                          <a:ea typeface="Calibri" panose="020F0502020204030204" pitchFamily="34" charset="0"/>
+                          <a:cs typeface="Times New Roman" panose="02020603050405020304" pitchFamily="18" charset="0"/>
+                        </a:rPr>
+                        <a:t>0</a:t>
+                      </a:r>
+                    </a:p>
+                  </a:txBody>
+                  <a:tcPr marL="68580" marR="68580" marT="0" marB="0" anchor="ctr">
+                    <a:lnL w="12700" cap="flat" cmpd="sng" algn="ctr">
+                      <a:solidFill>
+                        <a:srgbClr val="000000"/>
+                      </a:solidFill>
+                      <a:prstDash val="solid"/>
+                      <a:round/>
+                      <a:headEnd type="none" w="med" len="med"/>
+                      <a:tailEnd type="none" w="med" len="med"/>
+                    </a:lnL>
+                    <a:lnR w="12700" cap="flat" cmpd="sng" algn="ctr">
+                      <a:solidFill>
+                        <a:srgbClr val="000000"/>
+                      </a:solidFill>
+                      <a:prstDash val="solid"/>
+                      <a:round/>
+                      <a:headEnd type="none" w="med" len="med"/>
+                      <a:tailEnd type="none" w="med" len="med"/>
+                    </a:lnR>
+                    <a:lnT w="12700" cap="flat" cmpd="sng" algn="ctr">
+                      <a:solidFill>
+                        <a:srgbClr val="000000"/>
+                      </a:solidFill>
+                      <a:prstDash val="solid"/>
+                      <a:round/>
+                      <a:headEnd type="none" w="med" len="med"/>
+                      <a:tailEnd type="none" w="med" len="med"/>
+                    </a:lnT>
+                    <a:lnB w="12700" cap="flat" cmpd="sng" algn="ctr">
+                      <a:solidFill>
+                        <a:srgbClr val="000000"/>
+                      </a:solidFill>
+                      <a:prstDash val="solid"/>
+                      <a:round/>
+                      <a:headEnd type="none" w="med" len="med"/>
+                      <a:tailEnd type="none" w="med" len="med"/>
+                    </a:lnB>
+                    <a:solidFill>
+                      <a:srgbClr val="FFFF00"/>
+                    </a:solidFill>
+                  </a:tcPr>
+                </a:tc>
+                <a:extLst>
+                  <a:ext uri="{0D108BD9-81ED-4DB2-BD59-A6C34878D82A}">
+                    <a16:rowId xmlns:a16="http://schemas.microsoft.com/office/drawing/2014/main" val="1223701192"/>
+                  </a:ext>
+                </a:extLst>
+              </a:tr>
+              <a:tr h="392068">
+                <a:tc>
+                  <a:txBody>
+                    <a:bodyPr/>
+                    <a:lstStyle/>
+                    <a:p>
+                      <a:pPr algn="ctr">
+                        <a:lnSpc>
+                          <a:spcPct val="107000"/>
+                        </a:lnSpc>
+                        <a:spcAft>
+                          <a:spcPts val="0"/>
+                        </a:spcAft>
+                      </a:pPr>
+                      <a:r>
+                        <a:rPr lang="en-US" sz="1600" dirty="0">
+                          <a:effectLst/>
+                          <a:latin typeface="Calibri" panose="020F0502020204030204" pitchFamily="34" charset="0"/>
+                          <a:ea typeface="Calibri" panose="020F0502020204030204" pitchFamily="34" charset="0"/>
+                          <a:cs typeface="Times New Roman" panose="02020603050405020304" pitchFamily="18" charset="0"/>
+                        </a:rPr>
+                        <a:t>2</a:t>
+                      </a:r>
+                    </a:p>
+                  </a:txBody>
+                  <a:tcPr marL="68580" marR="68580" marT="0" marB="0" anchor="ctr">
+                    <a:lnL w="12700" cap="flat" cmpd="sng" algn="ctr">
+                      <a:solidFill>
+                        <a:srgbClr val="000000"/>
+                      </a:solidFill>
+                      <a:prstDash val="solid"/>
+                      <a:round/>
+                      <a:headEnd type="none" w="med" len="med"/>
+                      <a:tailEnd type="none" w="med" len="med"/>
+                    </a:lnL>
+                    <a:lnR w="12700" cap="flat" cmpd="sng" algn="ctr">
+                      <a:solidFill>
+                        <a:srgbClr val="000000"/>
+                      </a:solidFill>
+                      <a:prstDash val="solid"/>
+                      <a:round/>
+                      <a:headEnd type="none" w="med" len="med"/>
+                      <a:tailEnd type="none" w="med" len="med"/>
+                    </a:lnR>
+                    <a:lnT w="12700" cap="flat" cmpd="sng" algn="ctr">
+                      <a:solidFill>
+                        <a:srgbClr val="000000"/>
+                      </a:solidFill>
+                      <a:prstDash val="solid"/>
+                      <a:round/>
+                      <a:headEnd type="none" w="med" len="med"/>
+                      <a:tailEnd type="none" w="med" len="med"/>
+                    </a:lnT>
+                    <a:lnB w="12700" cap="flat" cmpd="sng" algn="ctr">
+                      <a:solidFill>
+                        <a:srgbClr val="000000"/>
+                      </a:solidFill>
+                      <a:prstDash val="solid"/>
+                      <a:round/>
+                      <a:headEnd type="none" w="med" len="med"/>
+                      <a:tailEnd type="none" w="med" len="med"/>
+                    </a:lnB>
+                    <a:solidFill>
+                      <a:schemeClr val="bg1"/>
+                    </a:solidFill>
+                  </a:tcPr>
+                </a:tc>
+                <a:tc>
+                  <a:txBody>
+                    <a:bodyPr/>
+                    <a:lstStyle/>
+                    <a:p>
+                      <a:pPr algn="ctr">
+                        <a:lnSpc>
+                          <a:spcPct val="107000"/>
+                        </a:lnSpc>
+                        <a:spcAft>
+                          <a:spcPts val="0"/>
+                        </a:spcAft>
+                      </a:pPr>
+                      <a:r>
+                        <a:rPr lang="en-US" sz="1600" dirty="0">
+                          <a:effectLst/>
+                          <a:latin typeface="Calibri" panose="020F0502020204030204" pitchFamily="34" charset="0"/>
+                          <a:ea typeface="Calibri" panose="020F0502020204030204" pitchFamily="34" charset="0"/>
+                          <a:cs typeface="Times New Roman" panose="02020603050405020304" pitchFamily="18" charset="0"/>
+                        </a:rPr>
+                        <a:t>69.0</a:t>
+                      </a:r>
+                    </a:p>
+                  </a:txBody>
+                  <a:tcPr marL="68580" marR="68580" marT="0" marB="0" anchor="ctr">
+                    <a:lnL w="12700" cap="flat" cmpd="sng" algn="ctr">
+                      <a:solidFill>
+                        <a:srgbClr val="000000"/>
+                      </a:solidFill>
+                      <a:prstDash val="solid"/>
+                      <a:round/>
+                      <a:headEnd type="none" w="med" len="med"/>
+                      <a:tailEnd type="none" w="med" len="med"/>
+                    </a:lnL>
+                    <a:lnR w="12700" cap="flat" cmpd="sng" algn="ctr">
+                      <a:solidFill>
+                        <a:srgbClr val="000000"/>
+                      </a:solidFill>
+                      <a:prstDash val="solid"/>
+                      <a:round/>
+                      <a:headEnd type="none" w="med" len="med"/>
+                      <a:tailEnd type="none" w="med" len="med"/>
+                    </a:lnR>
+                    <a:lnT w="12700" cap="flat" cmpd="sng" algn="ctr">
+                      <a:solidFill>
+                        <a:srgbClr val="000000"/>
+                      </a:solidFill>
+                      <a:prstDash val="solid"/>
+                      <a:round/>
+                      <a:headEnd type="none" w="med" len="med"/>
+                      <a:tailEnd type="none" w="med" len="med"/>
+                    </a:lnT>
+                    <a:lnB w="12700" cap="flat" cmpd="sng" algn="ctr">
+                      <a:solidFill>
+                        <a:srgbClr val="000000"/>
+                      </a:solidFill>
+                      <a:prstDash val="solid"/>
+                      <a:round/>
+                      <a:headEnd type="none" w="med" len="med"/>
+                      <a:tailEnd type="none" w="med" len="med"/>
+                    </a:lnB>
+                    <a:solidFill>
+                      <a:schemeClr val="bg1"/>
+                    </a:solidFill>
+                  </a:tcPr>
+                </a:tc>
+                <a:tc>
+                  <a:txBody>
+                    <a:bodyPr/>
+                    <a:lstStyle/>
+                    <a:p>
+                      <a:pPr algn="ctr">
+                        <a:lnSpc>
+                          <a:spcPct val="107000"/>
+                        </a:lnSpc>
+                        <a:spcAft>
+                          <a:spcPts val="0"/>
+                        </a:spcAft>
+                      </a:pPr>
+                      <a:r>
+                        <a:rPr lang="en-US" sz="1600">
+                          <a:effectLst/>
+                          <a:latin typeface="Calibri" panose="020F0502020204030204" pitchFamily="34" charset="0"/>
+                          <a:ea typeface="Calibri" panose="020F0502020204030204" pitchFamily="34" charset="0"/>
+                          <a:cs typeface="Times New Roman" panose="02020603050405020304" pitchFamily="18" charset="0"/>
+                        </a:rPr>
+                        <a:t>0.213980</a:t>
+                      </a:r>
+                    </a:p>
+                  </a:txBody>
+                  <a:tcPr marL="68580" marR="68580" marT="0" marB="0" anchor="ctr">
+                    <a:lnL w="12700" cap="flat" cmpd="sng" algn="ctr">
+                      <a:solidFill>
+                        <a:srgbClr val="000000"/>
+                      </a:solidFill>
+                      <a:prstDash val="solid"/>
+                      <a:round/>
+                      <a:headEnd type="none" w="med" len="med"/>
+                      <a:tailEnd type="none" w="med" len="med"/>
+                    </a:lnL>
+                    <a:lnR w="12700" cap="flat" cmpd="sng" algn="ctr">
+                      <a:solidFill>
+                        <a:srgbClr val="000000"/>
+                      </a:solidFill>
+                      <a:prstDash val="solid"/>
+                      <a:round/>
+                      <a:headEnd type="none" w="med" len="med"/>
+                      <a:tailEnd type="none" w="med" len="med"/>
+                    </a:lnR>
+                    <a:lnT w="12700" cap="flat" cmpd="sng" algn="ctr">
+                      <a:solidFill>
+                        <a:srgbClr val="000000"/>
+                      </a:solidFill>
+                      <a:prstDash val="solid"/>
+                      <a:round/>
+                      <a:headEnd type="none" w="med" len="med"/>
+                      <a:tailEnd type="none" w="med" len="med"/>
+                    </a:lnT>
+                    <a:lnB w="12700" cap="flat" cmpd="sng" algn="ctr">
+                      <a:solidFill>
+                        <a:srgbClr val="000000"/>
+                      </a:solidFill>
+                      <a:prstDash val="solid"/>
+                      <a:round/>
+                      <a:headEnd type="none" w="med" len="med"/>
+                      <a:tailEnd type="none" w="med" len="med"/>
+                    </a:lnB>
+                    <a:solidFill>
+                      <a:schemeClr val="bg1"/>
+                    </a:solidFill>
+                  </a:tcPr>
+                </a:tc>
+                <a:tc>
+                  <a:txBody>
+                    <a:bodyPr/>
+                    <a:lstStyle/>
+                    <a:p>
+                      <a:pPr algn="ctr">
+                        <a:lnSpc>
+                          <a:spcPct val="107000"/>
+                        </a:lnSpc>
+                        <a:spcAft>
+                          <a:spcPts val="0"/>
+                        </a:spcAft>
+                      </a:pPr>
+                      <a:r>
+                        <a:rPr lang="en-US" sz="1600">
+                          <a:effectLst/>
+                          <a:latin typeface="Calibri" panose="020F0502020204030204" pitchFamily="34" charset="0"/>
+                          <a:ea typeface="Calibri" panose="020F0502020204030204" pitchFamily="34" charset="0"/>
+                          <a:cs typeface="Times New Roman" panose="02020603050405020304" pitchFamily="18" charset="0"/>
+                        </a:rPr>
+                        <a:t>1.31140</a:t>
+                      </a:r>
+                    </a:p>
+                  </a:txBody>
+                  <a:tcPr marL="68580" marR="68580" marT="0" marB="0" anchor="ctr">
+                    <a:lnL w="12700" cap="flat" cmpd="sng" algn="ctr">
+                      <a:solidFill>
+                        <a:srgbClr val="000000"/>
+                      </a:solidFill>
+                      <a:prstDash val="solid"/>
+                      <a:round/>
+                      <a:headEnd type="none" w="med" len="med"/>
+                      <a:tailEnd type="none" w="med" len="med"/>
+                    </a:lnL>
+                    <a:lnR w="12700" cap="flat" cmpd="sng" algn="ctr">
+                      <a:solidFill>
+                        <a:srgbClr val="000000"/>
+                      </a:solidFill>
+                      <a:prstDash val="solid"/>
+                      <a:round/>
+                      <a:headEnd type="none" w="med" len="med"/>
+                      <a:tailEnd type="none" w="med" len="med"/>
+                    </a:lnR>
+                    <a:lnT w="12700" cap="flat" cmpd="sng" algn="ctr">
+                      <a:solidFill>
+                        <a:srgbClr val="000000"/>
+                      </a:solidFill>
+                      <a:prstDash val="solid"/>
+                      <a:round/>
+                      <a:headEnd type="none" w="med" len="med"/>
+                      <a:tailEnd type="none" w="med" len="med"/>
+                    </a:lnT>
+                    <a:lnB w="12700" cap="flat" cmpd="sng" algn="ctr">
+                      <a:solidFill>
+                        <a:srgbClr val="000000"/>
+                      </a:solidFill>
+                      <a:prstDash val="solid"/>
+                      <a:round/>
+                      <a:headEnd type="none" w="med" len="med"/>
+                      <a:tailEnd type="none" w="med" len="med"/>
+                    </a:lnB>
+                    <a:solidFill>
+                      <a:schemeClr val="bg1"/>
+                    </a:solidFill>
+                  </a:tcPr>
+                </a:tc>
+                <a:tc>
+                  <a:txBody>
+                    <a:bodyPr/>
+                    <a:lstStyle/>
+                    <a:p>
+                      <a:pPr algn="ctr">
+                        <a:lnSpc>
+                          <a:spcPct val="107000"/>
+                        </a:lnSpc>
+                        <a:spcAft>
+                          <a:spcPts val="0"/>
+                        </a:spcAft>
+                      </a:pPr>
+                      <a:r>
+                        <a:rPr lang="en-US" sz="1600" dirty="0">
+                          <a:effectLst/>
+                          <a:latin typeface="Calibri" panose="020F0502020204030204" pitchFamily="34" charset="0"/>
+                          <a:ea typeface="Calibri" panose="020F0502020204030204" pitchFamily="34" charset="0"/>
+                          <a:cs typeface="Times New Roman" panose="02020603050405020304" pitchFamily="18" charset="0"/>
+                        </a:rPr>
+                        <a:t>-0.327470</a:t>
+                      </a:r>
+                    </a:p>
+                  </a:txBody>
+                  <a:tcPr marL="68580" marR="68580" marT="0" marB="0" anchor="ctr">
+                    <a:lnL w="12700" cap="flat" cmpd="sng" algn="ctr">
+                      <a:solidFill>
+                        <a:srgbClr val="000000"/>
+                      </a:solidFill>
+                      <a:prstDash val="solid"/>
+                      <a:round/>
+                      <a:headEnd type="none" w="med" len="med"/>
+                      <a:tailEnd type="none" w="med" len="med"/>
+                    </a:lnL>
+                    <a:lnR w="12700" cap="flat" cmpd="sng" algn="ctr">
+                      <a:solidFill>
+                        <a:srgbClr val="000000"/>
+                      </a:solidFill>
+                      <a:prstDash val="solid"/>
+                      <a:round/>
+                      <a:headEnd type="none" w="med" len="med"/>
+                      <a:tailEnd type="none" w="med" len="med"/>
+                    </a:lnR>
+                    <a:lnT w="12700" cap="flat" cmpd="sng" algn="ctr">
+                      <a:solidFill>
+                        <a:srgbClr val="000000"/>
+                      </a:solidFill>
+                      <a:prstDash val="solid"/>
+                      <a:round/>
+                      <a:headEnd type="none" w="med" len="med"/>
+                      <a:tailEnd type="none" w="med" len="med"/>
+                    </a:lnT>
+                    <a:lnB w="12700" cap="flat" cmpd="sng" algn="ctr">
+                      <a:solidFill>
+                        <a:srgbClr val="000000"/>
+                      </a:solidFill>
+                      <a:prstDash val="solid"/>
+                      <a:round/>
+                      <a:headEnd type="none" w="med" len="med"/>
+                      <a:tailEnd type="none" w="med" len="med"/>
+                    </a:lnB>
+                    <a:solidFill>
+                      <a:schemeClr val="bg1"/>
+                    </a:solidFill>
+                  </a:tcPr>
+                </a:tc>
+                <a:tc>
+                  <a:txBody>
+                    <a:bodyPr/>
+                    <a:lstStyle/>
+                    <a:p>
+                      <a:pPr algn="ctr">
+                        <a:lnSpc>
+                          <a:spcPct val="107000"/>
+                        </a:lnSpc>
+                        <a:spcAft>
+                          <a:spcPts val="0"/>
+                        </a:spcAft>
+                      </a:pPr>
+                      <a:r>
+                        <a:rPr lang="en-US" sz="1600">
+                          <a:effectLst/>
+                          <a:latin typeface="Calibri" panose="020F0502020204030204" pitchFamily="34" charset="0"/>
+                          <a:ea typeface="Calibri" panose="020F0502020204030204" pitchFamily="34" charset="0"/>
+                          <a:cs typeface="Times New Roman" panose="02020603050405020304" pitchFamily="18" charset="0"/>
+                        </a:rPr>
+                        <a:t>1</a:t>
+                      </a:r>
+                    </a:p>
+                  </a:txBody>
+                  <a:tcPr marL="68580" marR="68580" marT="0" marB="0" anchor="ctr">
+                    <a:lnL w="12700" cap="flat" cmpd="sng" algn="ctr">
+                      <a:solidFill>
+                        <a:srgbClr val="000000"/>
+                      </a:solidFill>
+                      <a:prstDash val="solid"/>
+                      <a:round/>
+                      <a:headEnd type="none" w="med" len="med"/>
+                      <a:tailEnd type="none" w="med" len="med"/>
+                    </a:lnL>
+                    <a:lnR w="12700" cap="flat" cmpd="sng" algn="ctr">
+                      <a:solidFill>
+                        <a:srgbClr val="000000"/>
+                      </a:solidFill>
+                      <a:prstDash val="solid"/>
+                      <a:round/>
+                      <a:headEnd type="none" w="med" len="med"/>
+                      <a:tailEnd type="none" w="med" len="med"/>
+                    </a:lnR>
+                    <a:lnT w="12700" cap="flat" cmpd="sng" algn="ctr">
+                      <a:solidFill>
+                        <a:srgbClr val="000000"/>
+                      </a:solidFill>
+                      <a:prstDash val="solid"/>
+                      <a:round/>
+                      <a:headEnd type="none" w="med" len="med"/>
+                      <a:tailEnd type="none" w="med" len="med"/>
+                    </a:lnT>
+                    <a:lnB w="12700" cap="flat" cmpd="sng" algn="ctr">
+                      <a:solidFill>
+                        <a:srgbClr val="000000"/>
+                      </a:solidFill>
+                      <a:prstDash val="solid"/>
+                      <a:round/>
+                      <a:headEnd type="none" w="med" len="med"/>
+                      <a:tailEnd type="none" w="med" len="med"/>
+                    </a:lnB>
+                    <a:solidFill>
+                      <a:schemeClr val="bg1"/>
+                    </a:solidFill>
+                  </a:tcPr>
+                </a:tc>
+                <a:extLst>
+                  <a:ext uri="{0D108BD9-81ED-4DB2-BD59-A6C34878D82A}">
+                    <a16:rowId xmlns:a16="http://schemas.microsoft.com/office/drawing/2014/main" val="1402896337"/>
+                  </a:ext>
+                </a:extLst>
+              </a:tr>
+              <a:tr h="392068">
+                <a:tc>
+                  <a:txBody>
+                    <a:bodyPr/>
+                    <a:lstStyle/>
+                    <a:p>
+                      <a:pPr algn="ctr">
+                        <a:lnSpc>
+                          <a:spcPct val="107000"/>
+                        </a:lnSpc>
+                        <a:spcAft>
+                          <a:spcPts val="0"/>
+                        </a:spcAft>
+                      </a:pPr>
+                      <a:r>
+                        <a:rPr lang="en-US" sz="1600">
+                          <a:effectLst/>
+                          <a:latin typeface="Calibri" panose="020F0502020204030204" pitchFamily="34" charset="0"/>
+                          <a:ea typeface="Calibri" panose="020F0502020204030204" pitchFamily="34" charset="0"/>
+                          <a:cs typeface="Times New Roman" panose="02020603050405020304" pitchFamily="18" charset="0"/>
+                        </a:rPr>
+                        <a:t>3</a:t>
+                      </a:r>
+                    </a:p>
+                  </a:txBody>
+                  <a:tcPr marL="68580" marR="68580" marT="0" marB="0" anchor="ctr">
+                    <a:lnL w="12700" cap="flat" cmpd="sng" algn="ctr">
+                      <a:solidFill>
+                        <a:srgbClr val="000000"/>
+                      </a:solidFill>
+                      <a:prstDash val="solid"/>
+                      <a:round/>
+                      <a:headEnd type="none" w="med" len="med"/>
+                      <a:tailEnd type="none" w="med" len="med"/>
+                    </a:lnL>
+                    <a:lnR w="12700" cap="flat" cmpd="sng" algn="ctr">
+                      <a:solidFill>
+                        <a:srgbClr val="000000"/>
+                      </a:solidFill>
+                      <a:prstDash val="solid"/>
+                      <a:round/>
+                      <a:headEnd type="none" w="med" len="med"/>
+                      <a:tailEnd type="none" w="med" len="med"/>
+                    </a:lnR>
+                    <a:lnT w="12700" cap="flat" cmpd="sng" algn="ctr">
+                      <a:solidFill>
+                        <a:srgbClr val="000000"/>
+                      </a:solidFill>
+                      <a:prstDash val="solid"/>
+                      <a:round/>
+                      <a:headEnd type="none" w="med" len="med"/>
+                      <a:tailEnd type="none" w="med" len="med"/>
+                    </a:lnT>
+                    <a:lnB w="12700" cap="flat" cmpd="sng" algn="ctr">
+                      <a:solidFill>
+                        <a:srgbClr val="000000"/>
+                      </a:solidFill>
+                      <a:prstDash val="solid"/>
+                      <a:round/>
+                      <a:headEnd type="none" w="med" len="med"/>
+                      <a:tailEnd type="none" w="med" len="med"/>
+                    </a:lnB>
+                    <a:solidFill>
+                      <a:schemeClr val="bg1"/>
+                    </a:solidFill>
+                  </a:tcPr>
+                </a:tc>
+                <a:tc>
+                  <a:txBody>
+                    <a:bodyPr/>
+                    <a:lstStyle/>
+                    <a:p>
+                      <a:pPr algn="ctr">
+                        <a:lnSpc>
+                          <a:spcPct val="107000"/>
+                        </a:lnSpc>
+                        <a:spcAft>
+                          <a:spcPts val="0"/>
+                        </a:spcAft>
+                      </a:pPr>
+                      <a:r>
+                        <a:rPr lang="en-US" sz="1600" dirty="0">
+                          <a:effectLst/>
+                          <a:latin typeface="Calibri" panose="020F0502020204030204" pitchFamily="34" charset="0"/>
+                          <a:ea typeface="Calibri" panose="020F0502020204030204" pitchFamily="34" charset="0"/>
+                          <a:cs typeface="Times New Roman" panose="02020603050405020304" pitchFamily="18" charset="0"/>
+                        </a:rPr>
+                        <a:t>56.0</a:t>
+                      </a:r>
+                    </a:p>
+                  </a:txBody>
+                  <a:tcPr marL="68580" marR="68580" marT="0" marB="0" anchor="ctr">
+                    <a:lnL w="12700" cap="flat" cmpd="sng" algn="ctr">
+                      <a:solidFill>
+                        <a:srgbClr val="000000"/>
+                      </a:solidFill>
+                      <a:prstDash val="solid"/>
+                      <a:round/>
+                      <a:headEnd type="none" w="med" len="med"/>
+                      <a:tailEnd type="none" w="med" len="med"/>
+                    </a:lnL>
+                    <a:lnR w="12700" cap="flat" cmpd="sng" algn="ctr">
+                      <a:solidFill>
+                        <a:srgbClr val="000000"/>
+                      </a:solidFill>
+                      <a:prstDash val="solid"/>
+                      <a:round/>
+                      <a:headEnd type="none" w="med" len="med"/>
+                      <a:tailEnd type="none" w="med" len="med"/>
+                    </a:lnR>
+                    <a:lnT w="12700" cap="flat" cmpd="sng" algn="ctr">
+                      <a:solidFill>
+                        <a:srgbClr val="000000"/>
+                      </a:solidFill>
+                      <a:prstDash val="solid"/>
+                      <a:round/>
+                      <a:headEnd type="none" w="med" len="med"/>
+                      <a:tailEnd type="none" w="med" len="med"/>
+                    </a:lnT>
+                    <a:lnB w="12700" cap="flat" cmpd="sng" algn="ctr">
+                      <a:solidFill>
+                        <a:srgbClr val="000000"/>
+                      </a:solidFill>
+                      <a:prstDash val="solid"/>
+                      <a:round/>
+                      <a:headEnd type="none" w="med" len="med"/>
+                      <a:tailEnd type="none" w="med" len="med"/>
+                    </a:lnB>
+                    <a:solidFill>
+                      <a:schemeClr val="bg1"/>
+                    </a:solidFill>
+                  </a:tcPr>
+                </a:tc>
+                <a:tc>
+                  <a:txBody>
+                    <a:bodyPr/>
+                    <a:lstStyle/>
+                    <a:p>
+                      <a:pPr algn="ctr">
+                        <a:lnSpc>
+                          <a:spcPct val="107000"/>
+                        </a:lnSpc>
+                        <a:spcAft>
+                          <a:spcPts val="0"/>
+                        </a:spcAft>
+                      </a:pPr>
+                      <a:r>
+                        <a:rPr lang="en-US" sz="1600" dirty="0">
+                          <a:effectLst/>
+                          <a:latin typeface="Calibri" panose="020F0502020204030204" pitchFamily="34" charset="0"/>
+                          <a:ea typeface="Calibri" panose="020F0502020204030204" pitchFamily="34" charset="0"/>
+                          <a:cs typeface="Times New Roman" panose="02020603050405020304" pitchFamily="18" charset="0"/>
+                        </a:rPr>
+                        <a:t>0.345090</a:t>
+                      </a:r>
+                    </a:p>
+                  </a:txBody>
+                  <a:tcPr marL="68580" marR="68580" marT="0" marB="0" anchor="ctr">
+                    <a:lnL w="12700" cap="flat" cmpd="sng" algn="ctr">
+                      <a:solidFill>
+                        <a:srgbClr val="000000"/>
+                      </a:solidFill>
+                      <a:prstDash val="solid"/>
+                      <a:round/>
+                      <a:headEnd type="none" w="med" len="med"/>
+                      <a:tailEnd type="none" w="med" len="med"/>
+                    </a:lnL>
+                    <a:lnR w="12700" cap="flat" cmpd="sng" algn="ctr">
+                      <a:solidFill>
+                        <a:srgbClr val="000000"/>
+                      </a:solidFill>
+                      <a:prstDash val="solid"/>
+                      <a:round/>
+                      <a:headEnd type="none" w="med" len="med"/>
+                      <a:tailEnd type="none" w="med" len="med"/>
+                    </a:lnR>
+                    <a:lnT w="12700" cap="flat" cmpd="sng" algn="ctr">
+                      <a:solidFill>
+                        <a:srgbClr val="000000"/>
+                      </a:solidFill>
+                      <a:prstDash val="solid"/>
+                      <a:round/>
+                      <a:headEnd type="none" w="med" len="med"/>
+                      <a:tailEnd type="none" w="med" len="med"/>
+                    </a:lnT>
+                    <a:lnB w="12700" cap="flat" cmpd="sng" algn="ctr">
+                      <a:solidFill>
+                        <a:srgbClr val="000000"/>
+                      </a:solidFill>
+                      <a:prstDash val="solid"/>
+                      <a:round/>
+                      <a:headEnd type="none" w="med" len="med"/>
+                      <a:tailEnd type="none" w="med" len="med"/>
+                    </a:lnB>
+                    <a:solidFill>
+                      <a:schemeClr val="bg1"/>
+                    </a:solidFill>
+                  </a:tcPr>
+                </a:tc>
+                <a:tc>
+                  <a:txBody>
+                    <a:bodyPr/>
+                    <a:lstStyle/>
+                    <a:p>
+                      <a:pPr algn="ctr">
+                        <a:lnSpc>
+                          <a:spcPct val="107000"/>
+                        </a:lnSpc>
+                        <a:spcAft>
+                          <a:spcPts val="0"/>
+                        </a:spcAft>
+                      </a:pPr>
+                      <a:r>
+                        <a:rPr lang="en-US" sz="1600" dirty="0">
+                          <a:effectLst/>
+                          <a:latin typeface="Calibri" panose="020F0502020204030204" pitchFamily="34" charset="0"/>
+                          <a:ea typeface="Calibri" panose="020F0502020204030204" pitchFamily="34" charset="0"/>
+                          <a:cs typeface="Times New Roman" panose="02020603050405020304" pitchFamily="18" charset="0"/>
+                        </a:rPr>
+                        <a:t>-0.21147</a:t>
+                      </a:r>
+                    </a:p>
+                  </a:txBody>
+                  <a:tcPr marL="68580" marR="68580" marT="0" marB="0" anchor="ctr">
+                    <a:lnL w="12700" cap="flat" cmpd="sng" algn="ctr">
+                      <a:solidFill>
+                        <a:srgbClr val="000000"/>
+                      </a:solidFill>
+                      <a:prstDash val="solid"/>
+                      <a:round/>
+                      <a:headEnd type="none" w="med" len="med"/>
+                      <a:tailEnd type="none" w="med" len="med"/>
+                    </a:lnL>
+                    <a:lnR w="12700" cap="flat" cmpd="sng" algn="ctr">
+                      <a:solidFill>
+                        <a:srgbClr val="000000"/>
+                      </a:solidFill>
+                      <a:prstDash val="solid"/>
+                      <a:round/>
+                      <a:headEnd type="none" w="med" len="med"/>
+                      <a:tailEnd type="none" w="med" len="med"/>
+                    </a:lnR>
+                    <a:lnT w="12700" cap="flat" cmpd="sng" algn="ctr">
+                      <a:solidFill>
+                        <a:srgbClr val="000000"/>
+                      </a:solidFill>
+                      <a:prstDash val="solid"/>
+                      <a:round/>
+                      <a:headEnd type="none" w="med" len="med"/>
+                      <a:tailEnd type="none" w="med" len="med"/>
+                    </a:lnT>
+                    <a:lnB w="12700" cap="flat" cmpd="sng" algn="ctr">
+                      <a:solidFill>
+                        <a:srgbClr val="000000"/>
+                      </a:solidFill>
+                      <a:prstDash val="solid"/>
+                      <a:round/>
+                      <a:headEnd type="none" w="med" len="med"/>
+                      <a:tailEnd type="none" w="med" len="med"/>
+                    </a:lnB>
+                    <a:solidFill>
+                      <a:schemeClr val="bg1"/>
+                    </a:solidFill>
+                  </a:tcPr>
+                </a:tc>
+                <a:tc>
+                  <a:txBody>
+                    <a:bodyPr/>
+                    <a:lstStyle/>
+                    <a:p>
+                      <a:pPr algn="ctr">
+                        <a:lnSpc>
+                          <a:spcPct val="107000"/>
+                        </a:lnSpc>
+                        <a:spcAft>
+                          <a:spcPts val="0"/>
+                        </a:spcAft>
+                      </a:pPr>
+                      <a:r>
+                        <a:rPr lang="en-US" sz="1600">
+                          <a:effectLst/>
+                          <a:latin typeface="Calibri" panose="020F0502020204030204" pitchFamily="34" charset="0"/>
+                          <a:ea typeface="Calibri" panose="020F0502020204030204" pitchFamily="34" charset="0"/>
+                          <a:cs typeface="Times New Roman" panose="02020603050405020304" pitchFamily="18" charset="0"/>
+                        </a:rPr>
+                        <a:t>-0.193040</a:t>
+                      </a:r>
+                    </a:p>
+                  </a:txBody>
+                  <a:tcPr marL="68580" marR="68580" marT="0" marB="0" anchor="ctr">
+                    <a:lnL w="12700" cap="flat" cmpd="sng" algn="ctr">
+                      <a:solidFill>
+                        <a:srgbClr val="000000"/>
+                      </a:solidFill>
+                      <a:prstDash val="solid"/>
+                      <a:round/>
+                      <a:headEnd type="none" w="med" len="med"/>
+                      <a:tailEnd type="none" w="med" len="med"/>
+                    </a:lnL>
+                    <a:lnR w="12700" cap="flat" cmpd="sng" algn="ctr">
+                      <a:solidFill>
+                        <a:srgbClr val="000000"/>
+                      </a:solidFill>
+                      <a:prstDash val="solid"/>
+                      <a:round/>
+                      <a:headEnd type="none" w="med" len="med"/>
+                      <a:tailEnd type="none" w="med" len="med"/>
+                    </a:lnR>
+                    <a:lnT w="12700" cap="flat" cmpd="sng" algn="ctr">
+                      <a:solidFill>
+                        <a:srgbClr val="000000"/>
+                      </a:solidFill>
+                      <a:prstDash val="solid"/>
+                      <a:round/>
+                      <a:headEnd type="none" w="med" len="med"/>
+                      <a:tailEnd type="none" w="med" len="med"/>
+                    </a:lnT>
+                    <a:lnB w="12700" cap="flat" cmpd="sng" algn="ctr">
+                      <a:solidFill>
+                        <a:srgbClr val="000000"/>
+                      </a:solidFill>
+                      <a:prstDash val="solid"/>
+                      <a:round/>
+                      <a:headEnd type="none" w="med" len="med"/>
+                      <a:tailEnd type="none" w="med" len="med"/>
+                    </a:lnB>
+                    <a:solidFill>
+                      <a:schemeClr val="bg1"/>
+                    </a:solidFill>
+                  </a:tcPr>
+                </a:tc>
+                <a:tc>
+                  <a:txBody>
+                    <a:bodyPr/>
+                    <a:lstStyle/>
+                    <a:p>
+                      <a:pPr algn="ctr">
+                        <a:lnSpc>
+                          <a:spcPct val="107000"/>
+                        </a:lnSpc>
+                        <a:spcAft>
+                          <a:spcPts val="0"/>
+                        </a:spcAft>
+                      </a:pPr>
+                      <a:r>
+                        <a:rPr lang="en-US" sz="1600" dirty="0">
+                          <a:effectLst/>
+                          <a:latin typeface="Calibri" panose="020F0502020204030204" pitchFamily="34" charset="0"/>
+                          <a:ea typeface="Calibri" panose="020F0502020204030204" pitchFamily="34" charset="0"/>
+                          <a:cs typeface="Times New Roman" panose="02020603050405020304" pitchFamily="18" charset="0"/>
+                        </a:rPr>
+                        <a:t>1</a:t>
+                      </a:r>
+                    </a:p>
+                  </a:txBody>
+                  <a:tcPr marL="68580" marR="68580" marT="0" marB="0" anchor="ctr">
+                    <a:lnL w="12700" cap="flat" cmpd="sng" algn="ctr">
+                      <a:solidFill>
+                        <a:srgbClr val="000000"/>
+                      </a:solidFill>
+                      <a:prstDash val="solid"/>
+                      <a:round/>
+                      <a:headEnd type="none" w="med" len="med"/>
+                      <a:tailEnd type="none" w="med" len="med"/>
+                    </a:lnL>
+                    <a:lnR w="12700" cap="flat" cmpd="sng" algn="ctr">
+                      <a:solidFill>
+                        <a:srgbClr val="000000"/>
+                      </a:solidFill>
+                      <a:prstDash val="solid"/>
+                      <a:round/>
+                      <a:headEnd type="none" w="med" len="med"/>
+                      <a:tailEnd type="none" w="med" len="med"/>
+                    </a:lnR>
+                    <a:lnT w="12700" cap="flat" cmpd="sng" algn="ctr">
+                      <a:solidFill>
+                        <a:srgbClr val="000000"/>
+                      </a:solidFill>
+                      <a:prstDash val="solid"/>
+                      <a:round/>
+                      <a:headEnd type="none" w="med" len="med"/>
+                      <a:tailEnd type="none" w="med" len="med"/>
+                    </a:lnT>
+                    <a:lnB w="12700" cap="flat" cmpd="sng" algn="ctr">
+                      <a:solidFill>
+                        <a:srgbClr val="000000"/>
+                      </a:solidFill>
+                      <a:prstDash val="solid"/>
+                      <a:round/>
+                      <a:headEnd type="none" w="med" len="med"/>
+                      <a:tailEnd type="none" w="med" len="med"/>
+                    </a:lnB>
+                    <a:solidFill>
+                      <a:schemeClr val="bg1"/>
+                    </a:solidFill>
+                  </a:tcPr>
+                </a:tc>
+                <a:extLst>
+                  <a:ext uri="{0D108BD9-81ED-4DB2-BD59-A6C34878D82A}">
+                    <a16:rowId xmlns:a16="http://schemas.microsoft.com/office/drawing/2014/main" val="800281144"/>
+                  </a:ext>
+                </a:extLst>
+              </a:tr>
+              <a:tr h="392068">
+                <a:tc>
+                  <a:txBody>
+                    <a:bodyPr/>
+                    <a:lstStyle/>
+                    <a:p>
+                      <a:pPr algn="ctr">
+                        <a:lnSpc>
+                          <a:spcPct val="107000"/>
+                        </a:lnSpc>
+                        <a:spcAft>
+                          <a:spcPts val="0"/>
+                        </a:spcAft>
+                      </a:pPr>
+                      <a:r>
+                        <a:rPr lang="en-US" sz="1600">
+                          <a:effectLst/>
+                          <a:latin typeface="Calibri" panose="020F0502020204030204" pitchFamily="34" charset="0"/>
+                          <a:ea typeface="Calibri" panose="020F0502020204030204" pitchFamily="34" charset="0"/>
+                          <a:cs typeface="Times New Roman" panose="02020603050405020304" pitchFamily="18" charset="0"/>
+                        </a:rPr>
+                        <a:t>4</a:t>
+                      </a:r>
+                    </a:p>
+                  </a:txBody>
+                  <a:tcPr marL="68580" marR="68580" marT="0" marB="0" anchor="ctr">
+                    <a:lnL w="12700" cap="flat" cmpd="sng" algn="ctr">
+                      <a:solidFill>
+                        <a:srgbClr val="000000"/>
+                      </a:solidFill>
+                      <a:prstDash val="solid"/>
+                      <a:round/>
+                      <a:headEnd type="none" w="med" len="med"/>
+                      <a:tailEnd type="none" w="med" len="med"/>
+                    </a:lnL>
+                    <a:lnR w="12700" cap="flat" cmpd="sng" algn="ctr">
+                      <a:solidFill>
+                        <a:srgbClr val="000000"/>
+                      </a:solidFill>
+                      <a:prstDash val="solid"/>
+                      <a:round/>
+                      <a:headEnd type="none" w="med" len="med"/>
+                      <a:tailEnd type="none" w="med" len="med"/>
+                    </a:lnR>
+                    <a:lnT w="12700" cap="flat" cmpd="sng" algn="ctr">
+                      <a:solidFill>
+                        <a:srgbClr val="000000"/>
+                      </a:solidFill>
+                      <a:prstDash val="solid"/>
+                      <a:round/>
+                      <a:headEnd type="none" w="med" len="med"/>
+                      <a:tailEnd type="none" w="med" len="med"/>
+                    </a:lnT>
+                    <a:lnB w="12700" cap="flat" cmpd="sng" algn="ctr">
+                      <a:solidFill>
+                        <a:srgbClr val="000000"/>
+                      </a:solidFill>
+                      <a:prstDash val="solid"/>
+                      <a:round/>
+                      <a:headEnd type="none" w="med" len="med"/>
+                      <a:tailEnd type="none" w="med" len="med"/>
+                    </a:lnB>
+                    <a:solidFill>
+                      <a:srgbClr val="FFFF00"/>
+                    </a:solidFill>
+                  </a:tcPr>
+                </a:tc>
+                <a:tc>
+                  <a:txBody>
+                    <a:bodyPr/>
+                    <a:lstStyle/>
+                    <a:p>
+                      <a:pPr algn="ctr">
+                        <a:lnSpc>
+                          <a:spcPct val="107000"/>
+                        </a:lnSpc>
+                        <a:spcAft>
+                          <a:spcPts val="0"/>
+                        </a:spcAft>
+                      </a:pPr>
+                      <a:r>
+                        <a:rPr lang="en-US" sz="1600">
+                          <a:effectLst/>
+                          <a:latin typeface="Calibri" panose="020F0502020204030204" pitchFamily="34" charset="0"/>
+                          <a:ea typeface="Calibri" panose="020F0502020204030204" pitchFamily="34" charset="0"/>
+                          <a:cs typeface="Times New Roman" panose="02020603050405020304" pitchFamily="18" charset="0"/>
+                        </a:rPr>
+                        <a:t>56.0</a:t>
+                      </a:r>
+                    </a:p>
+                  </a:txBody>
+                  <a:tcPr marL="68580" marR="68580" marT="0" marB="0" anchor="ctr">
+                    <a:lnL w="12700" cap="flat" cmpd="sng" algn="ctr">
+                      <a:solidFill>
+                        <a:srgbClr val="000000"/>
+                      </a:solidFill>
+                      <a:prstDash val="solid"/>
+                      <a:round/>
+                      <a:headEnd type="none" w="med" len="med"/>
+                      <a:tailEnd type="none" w="med" len="med"/>
+                    </a:lnL>
+                    <a:lnR w="12700" cap="flat" cmpd="sng" algn="ctr">
+                      <a:solidFill>
+                        <a:srgbClr val="000000"/>
+                      </a:solidFill>
+                      <a:prstDash val="solid"/>
+                      <a:round/>
+                      <a:headEnd type="none" w="med" len="med"/>
+                      <a:tailEnd type="none" w="med" len="med"/>
+                    </a:lnR>
+                    <a:lnT w="12700" cap="flat" cmpd="sng" algn="ctr">
+                      <a:solidFill>
+                        <a:srgbClr val="000000"/>
+                      </a:solidFill>
+                      <a:prstDash val="solid"/>
+                      <a:round/>
+                      <a:headEnd type="none" w="med" len="med"/>
+                      <a:tailEnd type="none" w="med" len="med"/>
+                    </a:lnT>
+                    <a:lnB w="12700" cap="flat" cmpd="sng" algn="ctr">
+                      <a:solidFill>
+                        <a:srgbClr val="000000"/>
+                      </a:solidFill>
+                      <a:prstDash val="solid"/>
+                      <a:round/>
+                      <a:headEnd type="none" w="med" len="med"/>
+                      <a:tailEnd type="none" w="med" len="med"/>
+                    </a:lnB>
+                    <a:solidFill>
+                      <a:srgbClr val="FFFF00"/>
+                    </a:solidFill>
+                  </a:tcPr>
+                </a:tc>
+                <a:tc>
+                  <a:txBody>
+                    <a:bodyPr/>
+                    <a:lstStyle/>
+                    <a:p>
+                      <a:pPr algn="ctr">
+                        <a:lnSpc>
+                          <a:spcPct val="107000"/>
+                        </a:lnSpc>
+                        <a:spcAft>
+                          <a:spcPts val="0"/>
+                        </a:spcAft>
+                      </a:pPr>
+                      <a:r>
+                        <a:rPr lang="en-US" sz="1600" dirty="0">
+                          <a:effectLst/>
+                          <a:latin typeface="Calibri" panose="020F0502020204030204" pitchFamily="34" charset="0"/>
+                          <a:ea typeface="Calibri" panose="020F0502020204030204" pitchFamily="34" charset="0"/>
+                          <a:cs typeface="Times New Roman" panose="02020603050405020304" pitchFamily="18" charset="0"/>
+                        </a:rPr>
+                        <a:t>0.221550</a:t>
+                      </a:r>
+                    </a:p>
+                  </a:txBody>
+                  <a:tcPr marL="68580" marR="68580" marT="0" marB="0" anchor="ctr">
+                    <a:lnL w="12700" cap="flat" cmpd="sng" algn="ctr">
+                      <a:solidFill>
+                        <a:srgbClr val="000000"/>
+                      </a:solidFill>
+                      <a:prstDash val="solid"/>
+                      <a:round/>
+                      <a:headEnd type="none" w="med" len="med"/>
+                      <a:tailEnd type="none" w="med" len="med"/>
+                    </a:lnL>
+                    <a:lnR w="12700" cap="flat" cmpd="sng" algn="ctr">
+                      <a:solidFill>
+                        <a:srgbClr val="000000"/>
+                      </a:solidFill>
+                      <a:prstDash val="solid"/>
+                      <a:round/>
+                      <a:headEnd type="none" w="med" len="med"/>
+                      <a:tailEnd type="none" w="med" len="med"/>
+                    </a:lnR>
+                    <a:lnT w="12700" cap="flat" cmpd="sng" algn="ctr">
+                      <a:solidFill>
+                        <a:srgbClr val="000000"/>
+                      </a:solidFill>
+                      <a:prstDash val="solid"/>
+                      <a:round/>
+                      <a:headEnd type="none" w="med" len="med"/>
+                      <a:tailEnd type="none" w="med" len="med"/>
+                    </a:lnT>
+                    <a:lnB w="12700" cap="flat" cmpd="sng" algn="ctr">
+                      <a:solidFill>
+                        <a:srgbClr val="000000"/>
+                      </a:solidFill>
+                      <a:prstDash val="solid"/>
+                      <a:round/>
+                      <a:headEnd type="none" w="med" len="med"/>
+                      <a:tailEnd type="none" w="med" len="med"/>
+                    </a:lnB>
+                    <a:solidFill>
+                      <a:srgbClr val="FFFF00"/>
+                    </a:solidFill>
+                  </a:tcPr>
+                </a:tc>
+                <a:tc>
+                  <a:txBody>
+                    <a:bodyPr/>
+                    <a:lstStyle/>
+                    <a:p>
+                      <a:pPr algn="ctr">
+                        <a:lnSpc>
+                          <a:spcPct val="107000"/>
+                        </a:lnSpc>
+                        <a:spcAft>
+                          <a:spcPts val="0"/>
+                        </a:spcAft>
+                      </a:pPr>
+                      <a:r>
+                        <a:rPr lang="en-US" sz="1600" dirty="0">
+                          <a:effectLst/>
+                          <a:latin typeface="Calibri" panose="020F0502020204030204" pitchFamily="34" charset="0"/>
+                          <a:ea typeface="Calibri" panose="020F0502020204030204" pitchFamily="34" charset="0"/>
+                          <a:cs typeface="Times New Roman" panose="02020603050405020304" pitchFamily="18" charset="0"/>
+                        </a:rPr>
+                        <a:t>1.90680</a:t>
+                      </a:r>
+                    </a:p>
+                  </a:txBody>
+                  <a:tcPr marL="68580" marR="68580" marT="0" marB="0" anchor="ctr">
+                    <a:lnL w="12700" cap="flat" cmpd="sng" algn="ctr">
+                      <a:solidFill>
+                        <a:srgbClr val="000000"/>
+                      </a:solidFill>
+                      <a:prstDash val="solid"/>
+                      <a:round/>
+                      <a:headEnd type="none" w="med" len="med"/>
+                      <a:tailEnd type="none" w="med" len="med"/>
+                    </a:lnL>
+                    <a:lnR w="12700" cap="flat" cmpd="sng" algn="ctr">
+                      <a:solidFill>
+                        <a:srgbClr val="000000"/>
+                      </a:solidFill>
+                      <a:prstDash val="solid"/>
+                      <a:round/>
+                      <a:headEnd type="none" w="med" len="med"/>
+                      <a:tailEnd type="none" w="med" len="med"/>
+                    </a:lnR>
+                    <a:lnT w="12700" cap="flat" cmpd="sng" algn="ctr">
+                      <a:solidFill>
+                        <a:srgbClr val="000000"/>
+                      </a:solidFill>
+                      <a:prstDash val="solid"/>
+                      <a:round/>
+                      <a:headEnd type="none" w="med" len="med"/>
+                      <a:tailEnd type="none" w="med" len="med"/>
+                    </a:lnT>
+                    <a:lnB w="12700" cap="flat" cmpd="sng" algn="ctr">
+                      <a:solidFill>
+                        <a:srgbClr val="000000"/>
+                      </a:solidFill>
+                      <a:prstDash val="solid"/>
+                      <a:round/>
+                      <a:headEnd type="none" w="med" len="med"/>
+                      <a:tailEnd type="none" w="med" len="med"/>
+                    </a:lnB>
+                    <a:solidFill>
+                      <a:srgbClr val="FFFF00"/>
+                    </a:solidFill>
+                  </a:tcPr>
+                </a:tc>
+                <a:tc>
+                  <a:txBody>
+                    <a:bodyPr/>
+                    <a:lstStyle/>
+                    <a:p>
+                      <a:pPr algn="ctr">
+                        <a:lnSpc>
+                          <a:spcPct val="107000"/>
+                        </a:lnSpc>
+                        <a:spcAft>
+                          <a:spcPts val="0"/>
+                        </a:spcAft>
+                      </a:pPr>
+                      <a:r>
+                        <a:rPr lang="en-US" sz="1600" dirty="0">
+                          <a:effectLst/>
+                          <a:latin typeface="Calibri" panose="020F0502020204030204" pitchFamily="34" charset="0"/>
+                          <a:ea typeface="Calibri" panose="020F0502020204030204" pitchFamily="34" charset="0"/>
+                          <a:cs typeface="Times New Roman" panose="02020603050405020304" pitchFamily="18" charset="0"/>
+                        </a:rPr>
+                        <a:t>0.520450</a:t>
+                      </a:r>
+                    </a:p>
+                  </a:txBody>
+                  <a:tcPr marL="68580" marR="68580" marT="0" marB="0" anchor="ctr">
+                    <a:lnL w="12700" cap="flat" cmpd="sng" algn="ctr">
+                      <a:solidFill>
+                        <a:srgbClr val="000000"/>
+                      </a:solidFill>
+                      <a:prstDash val="solid"/>
+                      <a:round/>
+                      <a:headEnd type="none" w="med" len="med"/>
+                      <a:tailEnd type="none" w="med" len="med"/>
+                    </a:lnL>
+                    <a:lnR w="12700" cap="flat" cmpd="sng" algn="ctr">
+                      <a:solidFill>
+                        <a:srgbClr val="000000"/>
+                      </a:solidFill>
+                      <a:prstDash val="solid"/>
+                      <a:round/>
+                      <a:headEnd type="none" w="med" len="med"/>
+                      <a:tailEnd type="none" w="med" len="med"/>
+                    </a:lnR>
+                    <a:lnT w="12700" cap="flat" cmpd="sng" algn="ctr">
+                      <a:solidFill>
+                        <a:srgbClr val="000000"/>
+                      </a:solidFill>
+                      <a:prstDash val="solid"/>
+                      <a:round/>
+                      <a:headEnd type="none" w="med" len="med"/>
+                      <a:tailEnd type="none" w="med" len="med"/>
+                    </a:lnT>
+                    <a:lnB w="12700" cap="flat" cmpd="sng" algn="ctr">
+                      <a:solidFill>
+                        <a:srgbClr val="000000"/>
+                      </a:solidFill>
+                      <a:prstDash val="solid"/>
+                      <a:round/>
+                      <a:headEnd type="none" w="med" len="med"/>
+                      <a:tailEnd type="none" w="med" len="med"/>
+                    </a:lnB>
+                    <a:solidFill>
+                      <a:srgbClr val="FFFF00"/>
+                    </a:solidFill>
+                  </a:tcPr>
+                </a:tc>
+                <a:tc>
+                  <a:txBody>
+                    <a:bodyPr/>
+                    <a:lstStyle/>
+                    <a:p>
+                      <a:pPr algn="ctr">
+                        <a:lnSpc>
+                          <a:spcPct val="107000"/>
+                        </a:lnSpc>
+                        <a:spcAft>
+                          <a:spcPts val="0"/>
+                        </a:spcAft>
+                      </a:pPr>
+                      <a:r>
+                        <a:rPr lang="en-US" sz="1600" dirty="0">
+                          <a:effectLst/>
+                          <a:latin typeface="Calibri" panose="020F0502020204030204" pitchFamily="34" charset="0"/>
+                          <a:ea typeface="Calibri" panose="020F0502020204030204" pitchFamily="34" charset="0"/>
+                          <a:cs typeface="Times New Roman" panose="02020603050405020304" pitchFamily="18" charset="0"/>
+                        </a:rPr>
+                        <a:t>0</a:t>
+                      </a:r>
+                    </a:p>
+                  </a:txBody>
+                  <a:tcPr marL="68580" marR="68580" marT="0" marB="0" anchor="ctr">
+                    <a:lnL w="12700" cap="flat" cmpd="sng" algn="ctr">
+                      <a:solidFill>
+                        <a:srgbClr val="000000"/>
+                      </a:solidFill>
+                      <a:prstDash val="solid"/>
+                      <a:round/>
+                      <a:headEnd type="none" w="med" len="med"/>
+                      <a:tailEnd type="none" w="med" len="med"/>
+                    </a:lnL>
+                    <a:lnR w="12700" cap="flat" cmpd="sng" algn="ctr">
+                      <a:solidFill>
+                        <a:srgbClr val="000000"/>
+                      </a:solidFill>
+                      <a:prstDash val="solid"/>
+                      <a:round/>
+                      <a:headEnd type="none" w="med" len="med"/>
+                      <a:tailEnd type="none" w="med" len="med"/>
+                    </a:lnR>
+                    <a:lnT w="12700" cap="flat" cmpd="sng" algn="ctr">
+                      <a:solidFill>
+                        <a:srgbClr val="000000"/>
+                      </a:solidFill>
+                      <a:prstDash val="solid"/>
+                      <a:round/>
+                      <a:headEnd type="none" w="med" len="med"/>
+                      <a:tailEnd type="none" w="med" len="med"/>
+                    </a:lnT>
+                    <a:lnB w="12700" cap="flat" cmpd="sng" algn="ctr">
+                      <a:solidFill>
+                        <a:srgbClr val="000000"/>
+                      </a:solidFill>
+                      <a:prstDash val="solid"/>
+                      <a:round/>
+                      <a:headEnd type="none" w="med" len="med"/>
+                      <a:tailEnd type="none" w="med" len="med"/>
+                    </a:lnB>
+                    <a:solidFill>
+                      <a:srgbClr val="FFFF00"/>
+                    </a:solidFill>
+                  </a:tcPr>
+                </a:tc>
+                <a:extLst>
+                  <a:ext uri="{0D108BD9-81ED-4DB2-BD59-A6C34878D82A}">
+                    <a16:rowId xmlns:a16="http://schemas.microsoft.com/office/drawing/2014/main" val="425448260"/>
+                  </a:ext>
+                </a:extLst>
+              </a:tr>
+              <a:tr h="392068">
+                <a:tc>
+                  <a:txBody>
+                    <a:bodyPr/>
+                    <a:lstStyle/>
+                    <a:p>
+                      <a:pPr algn="ctr">
+                        <a:lnSpc>
+                          <a:spcPct val="107000"/>
+                        </a:lnSpc>
+                        <a:spcAft>
+                          <a:spcPts val="0"/>
+                        </a:spcAft>
+                      </a:pPr>
+                      <a:r>
+                        <a:rPr lang="en-US" sz="1600" dirty="0">
+                          <a:effectLst/>
+                          <a:latin typeface="Calibri" panose="020F0502020204030204" pitchFamily="34" charset="0"/>
+                          <a:ea typeface="Calibri" panose="020F0502020204030204" pitchFamily="34" charset="0"/>
+                          <a:cs typeface="Times New Roman" panose="02020603050405020304" pitchFamily="18" charset="0"/>
+                        </a:rPr>
+                        <a:t>5</a:t>
+                      </a:r>
+                    </a:p>
+                  </a:txBody>
+                  <a:tcPr marL="68580" marR="68580" marT="0" marB="0" anchor="ctr">
+                    <a:lnL w="12700" cap="flat" cmpd="sng" algn="ctr">
+                      <a:solidFill>
+                        <a:srgbClr val="000000"/>
+                      </a:solidFill>
+                      <a:prstDash val="solid"/>
+                      <a:round/>
+                      <a:headEnd type="none" w="med" len="med"/>
+                      <a:tailEnd type="none" w="med" len="med"/>
+                    </a:lnL>
+                    <a:lnR w="12700" cap="flat" cmpd="sng" algn="ctr">
+                      <a:solidFill>
+                        <a:srgbClr val="000000"/>
+                      </a:solidFill>
+                      <a:prstDash val="solid"/>
+                      <a:round/>
+                      <a:headEnd type="none" w="med" len="med"/>
+                      <a:tailEnd type="none" w="med" len="med"/>
+                    </a:lnR>
+                    <a:lnT w="12700" cap="flat" cmpd="sng" algn="ctr">
+                      <a:solidFill>
+                        <a:srgbClr val="000000"/>
+                      </a:solidFill>
+                      <a:prstDash val="solid"/>
+                      <a:round/>
+                      <a:headEnd type="none" w="med" len="med"/>
+                      <a:tailEnd type="none" w="med" len="med"/>
+                    </a:lnT>
+                    <a:lnB w="12700" cap="flat" cmpd="sng" algn="ctr">
+                      <a:solidFill>
+                        <a:srgbClr val="000000"/>
+                      </a:solidFill>
+                      <a:prstDash val="solid"/>
+                      <a:round/>
+                      <a:headEnd type="none" w="med" len="med"/>
+                      <a:tailEnd type="none" w="med" len="med"/>
+                    </a:lnB>
+                    <a:solidFill>
+                      <a:schemeClr val="bg1"/>
+                    </a:solidFill>
+                  </a:tcPr>
+                </a:tc>
+                <a:tc>
+                  <a:txBody>
+                    <a:bodyPr/>
+                    <a:lstStyle/>
+                    <a:p>
+                      <a:pPr algn="ctr">
+                        <a:lnSpc>
+                          <a:spcPct val="107000"/>
+                        </a:lnSpc>
+                        <a:spcAft>
+                          <a:spcPts val="0"/>
+                        </a:spcAft>
+                      </a:pPr>
+                      <a:r>
+                        <a:rPr lang="en-US" sz="1600">
+                          <a:effectLst/>
+                          <a:latin typeface="Calibri" panose="020F0502020204030204" pitchFamily="34" charset="0"/>
+                          <a:ea typeface="Calibri" panose="020F0502020204030204" pitchFamily="34" charset="0"/>
+                          <a:cs typeface="Times New Roman" panose="02020603050405020304" pitchFamily="18" charset="0"/>
+                        </a:rPr>
+                        <a:t>84.0</a:t>
+                      </a:r>
+                    </a:p>
+                  </a:txBody>
+                  <a:tcPr marL="68580" marR="68580" marT="0" marB="0" anchor="ctr">
+                    <a:lnL w="12700" cap="flat" cmpd="sng" algn="ctr">
+                      <a:solidFill>
+                        <a:srgbClr val="000000"/>
+                      </a:solidFill>
+                      <a:prstDash val="solid"/>
+                      <a:round/>
+                      <a:headEnd type="none" w="med" len="med"/>
+                      <a:tailEnd type="none" w="med" len="med"/>
+                    </a:lnL>
+                    <a:lnR w="12700" cap="flat" cmpd="sng" algn="ctr">
+                      <a:solidFill>
+                        <a:srgbClr val="000000"/>
+                      </a:solidFill>
+                      <a:prstDash val="solid"/>
+                      <a:round/>
+                      <a:headEnd type="none" w="med" len="med"/>
+                      <a:tailEnd type="none" w="med" len="med"/>
+                    </a:lnR>
+                    <a:lnT w="12700" cap="flat" cmpd="sng" algn="ctr">
+                      <a:solidFill>
+                        <a:srgbClr val="000000"/>
+                      </a:solidFill>
+                      <a:prstDash val="solid"/>
+                      <a:round/>
+                      <a:headEnd type="none" w="med" len="med"/>
+                      <a:tailEnd type="none" w="med" len="med"/>
+                    </a:lnT>
+                    <a:lnB w="12700" cap="flat" cmpd="sng" algn="ctr">
+                      <a:solidFill>
+                        <a:srgbClr val="000000"/>
+                      </a:solidFill>
+                      <a:prstDash val="solid"/>
+                      <a:round/>
+                      <a:headEnd type="none" w="med" len="med"/>
+                      <a:tailEnd type="none" w="med" len="med"/>
+                    </a:lnB>
+                    <a:solidFill>
+                      <a:schemeClr val="bg1"/>
+                    </a:solidFill>
+                  </a:tcPr>
+                </a:tc>
+                <a:tc>
+                  <a:txBody>
+                    <a:bodyPr/>
+                    <a:lstStyle/>
+                    <a:p>
+                      <a:pPr algn="ctr">
+                        <a:lnSpc>
+                          <a:spcPct val="107000"/>
+                        </a:lnSpc>
+                        <a:spcAft>
+                          <a:spcPts val="0"/>
+                        </a:spcAft>
+                      </a:pPr>
+                      <a:r>
+                        <a:rPr lang="en-US" sz="1600">
+                          <a:effectLst/>
+                          <a:latin typeface="Calibri" panose="020F0502020204030204" pitchFamily="34" charset="0"/>
+                          <a:ea typeface="Calibri" panose="020F0502020204030204" pitchFamily="34" charset="0"/>
+                          <a:cs typeface="Times New Roman" panose="02020603050405020304" pitchFamily="18" charset="0"/>
+                        </a:rPr>
+                        <a:t>-0.081872</a:t>
+                      </a:r>
+                    </a:p>
+                  </a:txBody>
+                  <a:tcPr marL="68580" marR="68580" marT="0" marB="0" anchor="ctr">
+                    <a:lnL w="12700" cap="flat" cmpd="sng" algn="ctr">
+                      <a:solidFill>
+                        <a:srgbClr val="000000"/>
+                      </a:solidFill>
+                      <a:prstDash val="solid"/>
+                      <a:round/>
+                      <a:headEnd type="none" w="med" len="med"/>
+                      <a:tailEnd type="none" w="med" len="med"/>
+                    </a:lnL>
+                    <a:lnR w="12700" cap="flat" cmpd="sng" algn="ctr">
+                      <a:solidFill>
+                        <a:srgbClr val="000000"/>
+                      </a:solidFill>
+                      <a:prstDash val="solid"/>
+                      <a:round/>
+                      <a:headEnd type="none" w="med" len="med"/>
+                      <a:tailEnd type="none" w="med" len="med"/>
+                    </a:lnR>
+                    <a:lnT w="12700" cap="flat" cmpd="sng" algn="ctr">
+                      <a:solidFill>
+                        <a:srgbClr val="000000"/>
+                      </a:solidFill>
+                      <a:prstDash val="solid"/>
+                      <a:round/>
+                      <a:headEnd type="none" w="med" len="med"/>
+                      <a:tailEnd type="none" w="med" len="med"/>
+                    </a:lnT>
+                    <a:lnB w="12700" cap="flat" cmpd="sng" algn="ctr">
+                      <a:solidFill>
+                        <a:srgbClr val="000000"/>
+                      </a:solidFill>
+                      <a:prstDash val="solid"/>
+                      <a:round/>
+                      <a:headEnd type="none" w="med" len="med"/>
+                      <a:tailEnd type="none" w="med" len="med"/>
+                    </a:lnB>
+                    <a:solidFill>
+                      <a:schemeClr val="bg1"/>
+                    </a:solidFill>
+                  </a:tcPr>
+                </a:tc>
+                <a:tc>
+                  <a:txBody>
+                    <a:bodyPr/>
+                    <a:lstStyle/>
+                    <a:p>
+                      <a:pPr algn="ctr">
+                        <a:lnSpc>
+                          <a:spcPct val="107000"/>
+                        </a:lnSpc>
+                        <a:spcAft>
+                          <a:spcPts val="0"/>
+                        </a:spcAft>
+                      </a:pPr>
+                      <a:r>
+                        <a:rPr lang="en-US" sz="1600">
+                          <a:effectLst/>
+                          <a:latin typeface="Calibri" panose="020F0502020204030204" pitchFamily="34" charset="0"/>
+                          <a:ea typeface="Calibri" panose="020F0502020204030204" pitchFamily="34" charset="0"/>
+                          <a:cs typeface="Times New Roman" panose="02020603050405020304" pitchFamily="18" charset="0"/>
+                        </a:rPr>
+                        <a:t>1.72410</a:t>
+                      </a:r>
+                    </a:p>
+                  </a:txBody>
+                  <a:tcPr marL="68580" marR="68580" marT="0" marB="0" anchor="ctr">
+                    <a:lnL w="12700" cap="flat" cmpd="sng" algn="ctr">
+                      <a:solidFill>
+                        <a:srgbClr val="000000"/>
+                      </a:solidFill>
+                      <a:prstDash val="solid"/>
+                      <a:round/>
+                      <a:headEnd type="none" w="med" len="med"/>
+                      <a:tailEnd type="none" w="med" len="med"/>
+                    </a:lnL>
+                    <a:lnR w="12700" cap="flat" cmpd="sng" algn="ctr">
+                      <a:solidFill>
+                        <a:srgbClr val="000000"/>
+                      </a:solidFill>
+                      <a:prstDash val="solid"/>
+                      <a:round/>
+                      <a:headEnd type="none" w="med" len="med"/>
+                      <a:tailEnd type="none" w="med" len="med"/>
+                    </a:lnR>
+                    <a:lnT w="12700" cap="flat" cmpd="sng" algn="ctr">
+                      <a:solidFill>
+                        <a:srgbClr val="000000"/>
+                      </a:solidFill>
+                      <a:prstDash val="solid"/>
+                      <a:round/>
+                      <a:headEnd type="none" w="med" len="med"/>
+                      <a:tailEnd type="none" w="med" len="med"/>
+                    </a:lnT>
+                    <a:lnB w="12700" cap="flat" cmpd="sng" algn="ctr">
+                      <a:solidFill>
+                        <a:srgbClr val="000000"/>
+                      </a:solidFill>
+                      <a:prstDash val="solid"/>
+                      <a:round/>
+                      <a:headEnd type="none" w="med" len="med"/>
+                      <a:tailEnd type="none" w="med" len="med"/>
+                    </a:lnB>
+                    <a:solidFill>
+                      <a:schemeClr val="bg1"/>
+                    </a:solidFill>
+                  </a:tcPr>
+                </a:tc>
+                <a:tc>
+                  <a:txBody>
+                    <a:bodyPr/>
+                    <a:lstStyle/>
+                    <a:p>
+                      <a:pPr algn="ctr">
+                        <a:lnSpc>
+                          <a:spcPct val="107000"/>
+                        </a:lnSpc>
+                        <a:spcAft>
+                          <a:spcPts val="0"/>
+                        </a:spcAft>
+                      </a:pPr>
+                      <a:r>
+                        <a:rPr lang="en-US" sz="1600">
+                          <a:effectLst/>
+                          <a:latin typeface="Calibri" panose="020F0502020204030204" pitchFamily="34" charset="0"/>
+                          <a:ea typeface="Calibri" panose="020F0502020204030204" pitchFamily="34" charset="0"/>
+                          <a:cs typeface="Times New Roman" panose="02020603050405020304" pitchFamily="18" charset="0"/>
+                        </a:rPr>
+                        <a:t>-0.057335</a:t>
+                      </a:r>
+                    </a:p>
+                  </a:txBody>
+                  <a:tcPr marL="68580" marR="68580" marT="0" marB="0" anchor="ctr">
+                    <a:lnL w="12700" cap="flat" cmpd="sng" algn="ctr">
+                      <a:solidFill>
+                        <a:srgbClr val="000000"/>
+                      </a:solidFill>
+                      <a:prstDash val="solid"/>
+                      <a:round/>
+                      <a:headEnd type="none" w="med" len="med"/>
+                      <a:tailEnd type="none" w="med" len="med"/>
+                    </a:lnL>
+                    <a:lnR w="12700" cap="flat" cmpd="sng" algn="ctr">
+                      <a:solidFill>
+                        <a:srgbClr val="000000"/>
+                      </a:solidFill>
+                      <a:prstDash val="solid"/>
+                      <a:round/>
+                      <a:headEnd type="none" w="med" len="med"/>
+                      <a:tailEnd type="none" w="med" len="med"/>
+                    </a:lnR>
+                    <a:lnT w="12700" cap="flat" cmpd="sng" algn="ctr">
+                      <a:solidFill>
+                        <a:srgbClr val="000000"/>
+                      </a:solidFill>
+                      <a:prstDash val="solid"/>
+                      <a:round/>
+                      <a:headEnd type="none" w="med" len="med"/>
+                      <a:tailEnd type="none" w="med" len="med"/>
+                    </a:lnT>
+                    <a:lnB w="12700" cap="flat" cmpd="sng" algn="ctr">
+                      <a:solidFill>
+                        <a:srgbClr val="000000"/>
+                      </a:solidFill>
+                      <a:prstDash val="solid"/>
+                      <a:round/>
+                      <a:headEnd type="none" w="med" len="med"/>
+                      <a:tailEnd type="none" w="med" len="med"/>
+                    </a:lnB>
+                    <a:solidFill>
+                      <a:schemeClr val="bg1"/>
+                    </a:solidFill>
+                  </a:tcPr>
+                </a:tc>
+                <a:tc>
+                  <a:txBody>
+                    <a:bodyPr/>
+                    <a:lstStyle/>
+                    <a:p>
+                      <a:pPr algn="ctr">
+                        <a:lnSpc>
+                          <a:spcPct val="107000"/>
+                        </a:lnSpc>
+                        <a:spcAft>
+                          <a:spcPts val="0"/>
+                        </a:spcAft>
+                      </a:pPr>
+                      <a:r>
+                        <a:rPr lang="en-US" sz="1600">
+                          <a:effectLst/>
+                          <a:latin typeface="Calibri" panose="020F0502020204030204" pitchFamily="34" charset="0"/>
+                          <a:ea typeface="Calibri" panose="020F0502020204030204" pitchFamily="34" charset="0"/>
+                          <a:cs typeface="Times New Roman" panose="02020603050405020304" pitchFamily="18" charset="0"/>
+                        </a:rPr>
+                        <a:t>1</a:t>
+                      </a:r>
+                    </a:p>
+                  </a:txBody>
+                  <a:tcPr marL="68580" marR="68580" marT="0" marB="0" anchor="ctr">
+                    <a:lnL w="12700" cap="flat" cmpd="sng" algn="ctr">
+                      <a:solidFill>
+                        <a:srgbClr val="000000"/>
+                      </a:solidFill>
+                      <a:prstDash val="solid"/>
+                      <a:round/>
+                      <a:headEnd type="none" w="med" len="med"/>
+                      <a:tailEnd type="none" w="med" len="med"/>
+                    </a:lnL>
+                    <a:lnR w="12700" cap="flat" cmpd="sng" algn="ctr">
+                      <a:solidFill>
+                        <a:srgbClr val="000000"/>
+                      </a:solidFill>
+                      <a:prstDash val="solid"/>
+                      <a:round/>
+                      <a:headEnd type="none" w="med" len="med"/>
+                      <a:tailEnd type="none" w="med" len="med"/>
+                    </a:lnR>
+                    <a:lnT w="12700" cap="flat" cmpd="sng" algn="ctr">
+                      <a:solidFill>
+                        <a:srgbClr val="000000"/>
+                      </a:solidFill>
+                      <a:prstDash val="solid"/>
+                      <a:round/>
+                      <a:headEnd type="none" w="med" len="med"/>
+                      <a:tailEnd type="none" w="med" len="med"/>
+                    </a:lnT>
+                    <a:lnB w="12700" cap="flat" cmpd="sng" algn="ctr">
+                      <a:solidFill>
+                        <a:srgbClr val="000000"/>
+                      </a:solidFill>
+                      <a:prstDash val="solid"/>
+                      <a:round/>
+                      <a:headEnd type="none" w="med" len="med"/>
+                      <a:tailEnd type="none" w="med" len="med"/>
+                    </a:lnB>
+                    <a:solidFill>
+                      <a:schemeClr val="bg1"/>
+                    </a:solidFill>
+                  </a:tcPr>
+                </a:tc>
+                <a:extLst>
+                  <a:ext uri="{0D108BD9-81ED-4DB2-BD59-A6C34878D82A}">
+                    <a16:rowId xmlns:a16="http://schemas.microsoft.com/office/drawing/2014/main" val="3049276819"/>
+                  </a:ext>
+                </a:extLst>
+              </a:tr>
+              <a:tr h="392068">
+                <a:tc>
+                  <a:txBody>
+                    <a:bodyPr/>
+                    <a:lstStyle/>
+                    <a:p>
+                      <a:pPr algn="ctr">
+                        <a:lnSpc>
+                          <a:spcPct val="107000"/>
+                        </a:lnSpc>
+                        <a:spcAft>
+                          <a:spcPts val="0"/>
+                        </a:spcAft>
+                      </a:pPr>
+                      <a:r>
+                        <a:rPr lang="en-US" sz="1600" dirty="0">
+                          <a:effectLst/>
+                          <a:latin typeface="Calibri" panose="020F0502020204030204" pitchFamily="34" charset="0"/>
+                          <a:ea typeface="Calibri" panose="020F0502020204030204" pitchFamily="34" charset="0"/>
+                          <a:cs typeface="Times New Roman" panose="02020603050405020304" pitchFamily="18" charset="0"/>
+                        </a:rPr>
+                        <a:t>6</a:t>
+                      </a:r>
+                    </a:p>
+                  </a:txBody>
+                  <a:tcPr marL="68580" marR="68580" marT="0" marB="0" anchor="ctr">
+                    <a:lnL w="12700" cap="flat" cmpd="sng" algn="ctr">
+                      <a:solidFill>
+                        <a:srgbClr val="000000"/>
+                      </a:solidFill>
+                      <a:prstDash val="solid"/>
+                      <a:round/>
+                      <a:headEnd type="none" w="med" len="med"/>
+                      <a:tailEnd type="none" w="med" len="med"/>
+                    </a:lnL>
+                    <a:lnR w="12700" cap="flat" cmpd="sng" algn="ctr">
+                      <a:solidFill>
+                        <a:srgbClr val="000000"/>
+                      </a:solidFill>
+                      <a:prstDash val="solid"/>
+                      <a:round/>
+                      <a:headEnd type="none" w="med" len="med"/>
+                      <a:tailEnd type="none" w="med" len="med"/>
+                    </a:lnR>
+                    <a:lnT w="12700" cap="flat" cmpd="sng" algn="ctr">
+                      <a:solidFill>
+                        <a:srgbClr val="000000"/>
+                      </a:solidFill>
+                      <a:prstDash val="solid"/>
+                      <a:round/>
+                      <a:headEnd type="none" w="med" len="med"/>
+                      <a:tailEnd type="none" w="med" len="med"/>
+                    </a:lnT>
+                    <a:lnB w="12700" cap="flat" cmpd="sng" algn="ctr">
+                      <a:solidFill>
+                        <a:srgbClr val="000000"/>
+                      </a:solidFill>
+                      <a:prstDash val="solid"/>
+                      <a:round/>
+                      <a:headEnd type="none" w="med" len="med"/>
+                      <a:tailEnd type="none" w="med" len="med"/>
+                    </a:lnB>
+                    <a:solidFill>
+                      <a:schemeClr val="bg1"/>
+                    </a:solidFill>
+                  </a:tcPr>
+                </a:tc>
+                <a:tc>
+                  <a:txBody>
+                    <a:bodyPr/>
+                    <a:lstStyle/>
+                    <a:p>
+                      <a:pPr algn="ctr">
+                        <a:lnSpc>
+                          <a:spcPct val="107000"/>
+                        </a:lnSpc>
+                        <a:spcAft>
+                          <a:spcPts val="0"/>
+                        </a:spcAft>
+                      </a:pPr>
+                      <a:r>
+                        <a:rPr lang="en-US" sz="1600" dirty="0">
+                          <a:effectLst/>
+                          <a:latin typeface="Calibri" panose="020F0502020204030204" pitchFamily="34" charset="0"/>
+                          <a:ea typeface="Calibri" panose="020F0502020204030204" pitchFamily="34" charset="0"/>
+                          <a:cs typeface="Times New Roman" panose="02020603050405020304" pitchFamily="18" charset="0"/>
+                        </a:rPr>
+                        <a:t>53.0</a:t>
+                      </a:r>
+                    </a:p>
+                  </a:txBody>
+                  <a:tcPr marL="68580" marR="68580" marT="0" marB="0" anchor="ctr">
+                    <a:lnL w="12700" cap="flat" cmpd="sng" algn="ctr">
+                      <a:solidFill>
+                        <a:srgbClr val="000000"/>
+                      </a:solidFill>
+                      <a:prstDash val="solid"/>
+                      <a:round/>
+                      <a:headEnd type="none" w="med" len="med"/>
+                      <a:tailEnd type="none" w="med" len="med"/>
+                    </a:lnL>
+                    <a:lnR w="12700" cap="flat" cmpd="sng" algn="ctr">
+                      <a:solidFill>
+                        <a:srgbClr val="000000"/>
+                      </a:solidFill>
+                      <a:prstDash val="solid"/>
+                      <a:round/>
+                      <a:headEnd type="none" w="med" len="med"/>
+                      <a:tailEnd type="none" w="med" len="med"/>
+                    </a:lnR>
+                    <a:lnT w="12700" cap="flat" cmpd="sng" algn="ctr">
+                      <a:solidFill>
+                        <a:srgbClr val="000000"/>
+                      </a:solidFill>
+                      <a:prstDash val="solid"/>
+                      <a:round/>
+                      <a:headEnd type="none" w="med" len="med"/>
+                      <a:tailEnd type="none" w="med" len="med"/>
+                    </a:lnT>
+                    <a:lnB w="12700" cap="flat" cmpd="sng" algn="ctr">
+                      <a:solidFill>
+                        <a:srgbClr val="000000"/>
+                      </a:solidFill>
+                      <a:prstDash val="solid"/>
+                      <a:round/>
+                      <a:headEnd type="none" w="med" len="med"/>
+                      <a:tailEnd type="none" w="med" len="med"/>
+                    </a:lnB>
+                    <a:solidFill>
+                      <a:schemeClr val="bg1"/>
+                    </a:solidFill>
+                  </a:tcPr>
+                </a:tc>
+                <a:tc>
+                  <a:txBody>
+                    <a:bodyPr/>
+                    <a:lstStyle/>
+                    <a:p>
+                      <a:pPr algn="ctr">
+                        <a:lnSpc>
+                          <a:spcPct val="107000"/>
+                        </a:lnSpc>
+                        <a:spcAft>
+                          <a:spcPts val="0"/>
+                        </a:spcAft>
+                      </a:pPr>
+                      <a:r>
+                        <a:rPr lang="en-US" sz="1600" dirty="0">
+                          <a:effectLst/>
+                          <a:latin typeface="Calibri" panose="020F0502020204030204" pitchFamily="34" charset="0"/>
+                          <a:ea typeface="Calibri" panose="020F0502020204030204" pitchFamily="34" charset="0"/>
+                          <a:cs typeface="Times New Roman" panose="02020603050405020304" pitchFamily="18" charset="0"/>
+                        </a:rPr>
+                        <a:t>-0.069535</a:t>
+                      </a:r>
+                    </a:p>
+                  </a:txBody>
+                  <a:tcPr marL="68580" marR="68580" marT="0" marB="0" anchor="ctr">
+                    <a:lnL w="12700" cap="flat" cmpd="sng" algn="ctr">
+                      <a:solidFill>
+                        <a:srgbClr val="000000"/>
+                      </a:solidFill>
+                      <a:prstDash val="solid"/>
+                      <a:round/>
+                      <a:headEnd type="none" w="med" len="med"/>
+                      <a:tailEnd type="none" w="med" len="med"/>
+                    </a:lnL>
+                    <a:lnR w="12700" cap="flat" cmpd="sng" algn="ctr">
+                      <a:solidFill>
+                        <a:srgbClr val="000000"/>
+                      </a:solidFill>
+                      <a:prstDash val="solid"/>
+                      <a:round/>
+                      <a:headEnd type="none" w="med" len="med"/>
+                      <a:tailEnd type="none" w="med" len="med"/>
+                    </a:lnR>
+                    <a:lnT w="12700" cap="flat" cmpd="sng" algn="ctr">
+                      <a:solidFill>
+                        <a:srgbClr val="000000"/>
+                      </a:solidFill>
+                      <a:prstDash val="solid"/>
+                      <a:round/>
+                      <a:headEnd type="none" w="med" len="med"/>
+                      <a:tailEnd type="none" w="med" len="med"/>
+                    </a:lnT>
+                    <a:lnB w="12700" cap="flat" cmpd="sng" algn="ctr">
+                      <a:solidFill>
+                        <a:srgbClr val="000000"/>
+                      </a:solidFill>
+                      <a:prstDash val="solid"/>
+                      <a:round/>
+                      <a:headEnd type="none" w="med" len="med"/>
+                      <a:tailEnd type="none" w="med" len="med"/>
+                    </a:lnB>
+                    <a:solidFill>
+                      <a:schemeClr val="bg1"/>
+                    </a:solidFill>
+                  </a:tcPr>
+                </a:tc>
+                <a:tc>
+                  <a:txBody>
+                    <a:bodyPr/>
+                    <a:lstStyle/>
+                    <a:p>
+                      <a:pPr algn="ctr">
+                        <a:lnSpc>
+                          <a:spcPct val="107000"/>
+                        </a:lnSpc>
+                        <a:spcAft>
+                          <a:spcPts val="0"/>
+                        </a:spcAft>
+                      </a:pPr>
+                      <a:r>
+                        <a:rPr lang="en-US" sz="1600">
+                          <a:effectLst/>
+                          <a:latin typeface="Calibri" panose="020F0502020204030204" pitchFamily="34" charset="0"/>
+                          <a:ea typeface="Calibri" panose="020F0502020204030204" pitchFamily="34" charset="0"/>
+                          <a:cs typeface="Times New Roman" panose="02020603050405020304" pitchFamily="18" charset="0"/>
+                        </a:rPr>
+                        <a:t>1.41830</a:t>
+                      </a:r>
+                    </a:p>
+                  </a:txBody>
+                  <a:tcPr marL="68580" marR="68580" marT="0" marB="0" anchor="ctr">
+                    <a:lnL w="12700" cap="flat" cmpd="sng" algn="ctr">
+                      <a:solidFill>
+                        <a:srgbClr val="000000"/>
+                      </a:solidFill>
+                      <a:prstDash val="solid"/>
+                      <a:round/>
+                      <a:headEnd type="none" w="med" len="med"/>
+                      <a:tailEnd type="none" w="med" len="med"/>
+                    </a:lnL>
+                    <a:lnR w="12700" cap="flat" cmpd="sng" algn="ctr">
+                      <a:solidFill>
+                        <a:srgbClr val="000000"/>
+                      </a:solidFill>
+                      <a:prstDash val="solid"/>
+                      <a:round/>
+                      <a:headEnd type="none" w="med" len="med"/>
+                      <a:tailEnd type="none" w="med" len="med"/>
+                    </a:lnR>
+                    <a:lnT w="12700" cap="flat" cmpd="sng" algn="ctr">
+                      <a:solidFill>
+                        <a:srgbClr val="000000"/>
+                      </a:solidFill>
+                      <a:prstDash val="solid"/>
+                      <a:round/>
+                      <a:headEnd type="none" w="med" len="med"/>
+                      <a:tailEnd type="none" w="med" len="med"/>
+                    </a:lnT>
+                    <a:lnB w="12700" cap="flat" cmpd="sng" algn="ctr">
+                      <a:solidFill>
+                        <a:srgbClr val="000000"/>
+                      </a:solidFill>
+                      <a:prstDash val="solid"/>
+                      <a:round/>
+                      <a:headEnd type="none" w="med" len="med"/>
+                      <a:tailEnd type="none" w="med" len="med"/>
+                    </a:lnB>
+                    <a:solidFill>
+                      <a:schemeClr val="bg1"/>
+                    </a:solidFill>
+                  </a:tcPr>
+                </a:tc>
+                <a:tc>
+                  <a:txBody>
+                    <a:bodyPr/>
+                    <a:lstStyle/>
+                    <a:p>
+                      <a:pPr algn="ctr">
+                        <a:lnSpc>
+                          <a:spcPct val="107000"/>
+                        </a:lnSpc>
+                        <a:spcAft>
+                          <a:spcPts val="0"/>
+                        </a:spcAft>
+                      </a:pPr>
+                      <a:r>
+                        <a:rPr lang="en-US" sz="1600">
+                          <a:effectLst/>
+                          <a:latin typeface="Calibri" panose="020F0502020204030204" pitchFamily="34" charset="0"/>
+                          <a:ea typeface="Calibri" panose="020F0502020204030204" pitchFamily="34" charset="0"/>
+                          <a:cs typeface="Times New Roman" panose="02020603050405020304" pitchFamily="18" charset="0"/>
+                        </a:rPr>
+                        <a:t>-0.361050</a:t>
+                      </a:r>
+                    </a:p>
+                  </a:txBody>
+                  <a:tcPr marL="68580" marR="68580" marT="0" marB="0" anchor="ctr">
+                    <a:lnL w="12700" cap="flat" cmpd="sng" algn="ctr">
+                      <a:solidFill>
+                        <a:srgbClr val="000000"/>
+                      </a:solidFill>
+                      <a:prstDash val="solid"/>
+                      <a:round/>
+                      <a:headEnd type="none" w="med" len="med"/>
+                      <a:tailEnd type="none" w="med" len="med"/>
+                    </a:lnL>
+                    <a:lnR w="12700" cap="flat" cmpd="sng" algn="ctr">
+                      <a:solidFill>
+                        <a:srgbClr val="000000"/>
+                      </a:solidFill>
+                      <a:prstDash val="solid"/>
+                      <a:round/>
+                      <a:headEnd type="none" w="med" len="med"/>
+                      <a:tailEnd type="none" w="med" len="med"/>
+                    </a:lnR>
+                    <a:lnT w="12700" cap="flat" cmpd="sng" algn="ctr">
+                      <a:solidFill>
+                        <a:srgbClr val="000000"/>
+                      </a:solidFill>
+                      <a:prstDash val="solid"/>
+                      <a:round/>
+                      <a:headEnd type="none" w="med" len="med"/>
+                      <a:tailEnd type="none" w="med" len="med"/>
+                    </a:lnT>
+                    <a:lnB w="12700" cap="flat" cmpd="sng" algn="ctr">
+                      <a:solidFill>
+                        <a:srgbClr val="000000"/>
+                      </a:solidFill>
+                      <a:prstDash val="solid"/>
+                      <a:round/>
+                      <a:headEnd type="none" w="med" len="med"/>
+                      <a:tailEnd type="none" w="med" len="med"/>
+                    </a:lnB>
+                    <a:solidFill>
+                      <a:schemeClr val="bg1"/>
+                    </a:solidFill>
+                  </a:tcPr>
+                </a:tc>
+                <a:tc>
+                  <a:txBody>
+                    <a:bodyPr/>
+                    <a:lstStyle/>
+                    <a:p>
+                      <a:pPr algn="ctr">
+                        <a:lnSpc>
+                          <a:spcPct val="107000"/>
+                        </a:lnSpc>
+                        <a:spcAft>
+                          <a:spcPts val="0"/>
+                        </a:spcAft>
+                      </a:pPr>
+                      <a:r>
+                        <a:rPr lang="en-US" sz="1600">
+                          <a:effectLst/>
+                          <a:latin typeface="Calibri" panose="020F0502020204030204" pitchFamily="34" charset="0"/>
+                          <a:ea typeface="Calibri" panose="020F0502020204030204" pitchFamily="34" charset="0"/>
+                          <a:cs typeface="Times New Roman" panose="02020603050405020304" pitchFamily="18" charset="0"/>
+                        </a:rPr>
+                        <a:t>1</a:t>
+                      </a:r>
+                    </a:p>
+                  </a:txBody>
+                  <a:tcPr marL="68580" marR="68580" marT="0" marB="0" anchor="ctr">
+                    <a:lnL w="12700" cap="flat" cmpd="sng" algn="ctr">
+                      <a:solidFill>
+                        <a:srgbClr val="000000"/>
+                      </a:solidFill>
+                      <a:prstDash val="solid"/>
+                      <a:round/>
+                      <a:headEnd type="none" w="med" len="med"/>
+                      <a:tailEnd type="none" w="med" len="med"/>
+                    </a:lnL>
+                    <a:lnR w="12700" cap="flat" cmpd="sng" algn="ctr">
+                      <a:solidFill>
+                        <a:srgbClr val="000000"/>
+                      </a:solidFill>
+                      <a:prstDash val="solid"/>
+                      <a:round/>
+                      <a:headEnd type="none" w="med" len="med"/>
+                      <a:tailEnd type="none" w="med" len="med"/>
+                    </a:lnR>
+                    <a:lnT w="12700" cap="flat" cmpd="sng" algn="ctr">
+                      <a:solidFill>
+                        <a:srgbClr val="000000"/>
+                      </a:solidFill>
+                      <a:prstDash val="solid"/>
+                      <a:round/>
+                      <a:headEnd type="none" w="med" len="med"/>
+                      <a:tailEnd type="none" w="med" len="med"/>
+                    </a:lnT>
+                    <a:lnB w="12700" cap="flat" cmpd="sng" algn="ctr">
+                      <a:solidFill>
+                        <a:srgbClr val="000000"/>
+                      </a:solidFill>
+                      <a:prstDash val="solid"/>
+                      <a:round/>
+                      <a:headEnd type="none" w="med" len="med"/>
+                      <a:tailEnd type="none" w="med" len="med"/>
+                    </a:lnB>
+                    <a:solidFill>
+                      <a:schemeClr val="bg1"/>
+                    </a:solidFill>
+                  </a:tcPr>
+                </a:tc>
+                <a:extLst>
+                  <a:ext uri="{0D108BD9-81ED-4DB2-BD59-A6C34878D82A}">
+                    <a16:rowId xmlns:a16="http://schemas.microsoft.com/office/drawing/2014/main" val="4033916263"/>
+                  </a:ext>
+                </a:extLst>
+              </a:tr>
+              <a:tr h="392068">
+                <a:tc>
+                  <a:txBody>
+                    <a:bodyPr/>
+                    <a:lstStyle/>
+                    <a:p>
+                      <a:pPr algn="ctr">
+                        <a:lnSpc>
+                          <a:spcPct val="107000"/>
+                        </a:lnSpc>
+                        <a:spcAft>
+                          <a:spcPts val="0"/>
+                        </a:spcAft>
+                      </a:pPr>
+                      <a:r>
+                        <a:rPr lang="en-US" sz="1600">
+                          <a:effectLst/>
+                          <a:latin typeface="Calibri" panose="020F0502020204030204" pitchFamily="34" charset="0"/>
+                          <a:ea typeface="Calibri" panose="020F0502020204030204" pitchFamily="34" charset="0"/>
+                          <a:cs typeface="Times New Roman" panose="02020603050405020304" pitchFamily="18" charset="0"/>
+                        </a:rPr>
+                        <a:t>8</a:t>
+                      </a:r>
+                    </a:p>
+                  </a:txBody>
+                  <a:tcPr marL="68580" marR="68580" marT="0" marB="0" anchor="ctr">
+                    <a:lnL w="12700" cap="flat" cmpd="sng" algn="ctr">
+                      <a:solidFill>
+                        <a:srgbClr val="000000"/>
+                      </a:solidFill>
+                      <a:prstDash val="solid"/>
+                      <a:round/>
+                      <a:headEnd type="none" w="med" len="med"/>
+                      <a:tailEnd type="none" w="med" len="med"/>
+                    </a:lnL>
+                    <a:lnR w="12700" cap="flat" cmpd="sng" algn="ctr">
+                      <a:solidFill>
+                        <a:srgbClr val="000000"/>
+                      </a:solidFill>
+                      <a:prstDash val="solid"/>
+                      <a:round/>
+                      <a:headEnd type="none" w="med" len="med"/>
+                      <a:tailEnd type="none" w="med" len="med"/>
+                    </a:lnR>
+                    <a:lnT w="12700" cap="flat" cmpd="sng" algn="ctr">
+                      <a:solidFill>
+                        <a:srgbClr val="000000"/>
+                      </a:solidFill>
+                      <a:prstDash val="solid"/>
+                      <a:round/>
+                      <a:headEnd type="none" w="med" len="med"/>
+                      <a:tailEnd type="none" w="med" len="med"/>
+                    </a:lnT>
+                    <a:lnB w="12700" cap="flat" cmpd="sng" algn="ctr">
+                      <a:solidFill>
+                        <a:srgbClr val="000000"/>
+                      </a:solidFill>
+                      <a:prstDash val="solid"/>
+                      <a:round/>
+                      <a:headEnd type="none" w="med" len="med"/>
+                      <a:tailEnd type="none" w="med" len="med"/>
+                    </a:lnB>
+                    <a:solidFill>
+                      <a:schemeClr val="bg1"/>
+                    </a:solidFill>
+                  </a:tcPr>
+                </a:tc>
+                <a:tc>
+                  <a:txBody>
+                    <a:bodyPr/>
+                    <a:lstStyle/>
+                    <a:p>
+                      <a:pPr algn="ctr">
+                        <a:lnSpc>
+                          <a:spcPct val="107000"/>
+                        </a:lnSpc>
+                        <a:spcAft>
+                          <a:spcPts val="0"/>
+                        </a:spcAft>
+                      </a:pPr>
+                      <a:r>
+                        <a:rPr lang="en-US" sz="1600">
+                          <a:effectLst/>
+                          <a:latin typeface="Calibri" panose="020F0502020204030204" pitchFamily="34" charset="0"/>
+                          <a:ea typeface="Calibri" panose="020F0502020204030204" pitchFamily="34" charset="0"/>
+                          <a:cs typeface="Times New Roman" panose="02020603050405020304" pitchFamily="18" charset="0"/>
+                        </a:rPr>
+                        <a:t>77.0</a:t>
+                      </a:r>
+                    </a:p>
+                  </a:txBody>
+                  <a:tcPr marL="68580" marR="68580" marT="0" marB="0" anchor="ctr">
+                    <a:lnL w="12700" cap="flat" cmpd="sng" algn="ctr">
+                      <a:solidFill>
+                        <a:srgbClr val="000000"/>
+                      </a:solidFill>
+                      <a:prstDash val="solid"/>
+                      <a:round/>
+                      <a:headEnd type="none" w="med" len="med"/>
+                      <a:tailEnd type="none" w="med" len="med"/>
+                    </a:lnL>
+                    <a:lnR w="12700" cap="flat" cmpd="sng" algn="ctr">
+                      <a:solidFill>
+                        <a:srgbClr val="000000"/>
+                      </a:solidFill>
+                      <a:prstDash val="solid"/>
+                      <a:round/>
+                      <a:headEnd type="none" w="med" len="med"/>
+                      <a:tailEnd type="none" w="med" len="med"/>
+                    </a:lnR>
+                    <a:lnT w="12700" cap="flat" cmpd="sng" algn="ctr">
+                      <a:solidFill>
+                        <a:srgbClr val="000000"/>
+                      </a:solidFill>
+                      <a:prstDash val="solid"/>
+                      <a:round/>
+                      <a:headEnd type="none" w="med" len="med"/>
+                      <a:tailEnd type="none" w="med" len="med"/>
+                    </a:lnT>
+                    <a:lnB w="12700" cap="flat" cmpd="sng" algn="ctr">
+                      <a:solidFill>
+                        <a:srgbClr val="000000"/>
+                      </a:solidFill>
+                      <a:prstDash val="solid"/>
+                      <a:round/>
+                      <a:headEnd type="none" w="med" len="med"/>
+                      <a:tailEnd type="none" w="med" len="med"/>
+                    </a:lnB>
+                    <a:solidFill>
+                      <a:schemeClr val="bg1"/>
+                    </a:solidFill>
+                  </a:tcPr>
+                </a:tc>
+                <a:tc>
+                  <a:txBody>
+                    <a:bodyPr/>
+                    <a:lstStyle/>
+                    <a:p>
+                      <a:pPr algn="ctr">
+                        <a:lnSpc>
+                          <a:spcPct val="107000"/>
+                        </a:lnSpc>
+                        <a:spcAft>
+                          <a:spcPts val="0"/>
+                        </a:spcAft>
+                      </a:pPr>
+                      <a:r>
+                        <a:rPr lang="en-US" sz="1600" dirty="0">
+                          <a:effectLst/>
+                          <a:latin typeface="Calibri" panose="020F0502020204030204" pitchFamily="34" charset="0"/>
+                          <a:ea typeface="Calibri" panose="020F0502020204030204" pitchFamily="34" charset="0"/>
+                          <a:cs typeface="Times New Roman" panose="02020603050405020304" pitchFamily="18" charset="0"/>
+                        </a:rPr>
+                        <a:t>-0.151750</a:t>
+                      </a:r>
+                    </a:p>
+                  </a:txBody>
+                  <a:tcPr marL="68580" marR="68580" marT="0" marB="0" anchor="ctr">
+                    <a:lnL w="12700" cap="flat" cmpd="sng" algn="ctr">
+                      <a:solidFill>
+                        <a:srgbClr val="000000"/>
+                      </a:solidFill>
+                      <a:prstDash val="solid"/>
+                      <a:round/>
+                      <a:headEnd type="none" w="med" len="med"/>
+                      <a:tailEnd type="none" w="med" len="med"/>
+                    </a:lnL>
+                    <a:lnR w="12700" cap="flat" cmpd="sng" algn="ctr">
+                      <a:solidFill>
+                        <a:srgbClr val="000000"/>
+                      </a:solidFill>
+                      <a:prstDash val="solid"/>
+                      <a:round/>
+                      <a:headEnd type="none" w="med" len="med"/>
+                      <a:tailEnd type="none" w="med" len="med"/>
+                    </a:lnR>
+                    <a:lnT w="12700" cap="flat" cmpd="sng" algn="ctr">
+                      <a:solidFill>
+                        <a:srgbClr val="000000"/>
+                      </a:solidFill>
+                      <a:prstDash val="solid"/>
+                      <a:round/>
+                      <a:headEnd type="none" w="med" len="med"/>
+                      <a:tailEnd type="none" w="med" len="med"/>
+                    </a:lnT>
+                    <a:lnB w="12700" cap="flat" cmpd="sng" algn="ctr">
+                      <a:solidFill>
+                        <a:srgbClr val="000000"/>
+                      </a:solidFill>
+                      <a:prstDash val="solid"/>
+                      <a:round/>
+                      <a:headEnd type="none" w="med" len="med"/>
+                      <a:tailEnd type="none" w="med" len="med"/>
+                    </a:lnB>
+                    <a:solidFill>
+                      <a:schemeClr val="bg1"/>
+                    </a:solidFill>
+                  </a:tcPr>
+                </a:tc>
+                <a:tc>
+                  <a:txBody>
+                    <a:bodyPr/>
+                    <a:lstStyle/>
+                    <a:p>
+                      <a:pPr algn="ctr">
+                        <a:lnSpc>
+                          <a:spcPct val="107000"/>
+                        </a:lnSpc>
+                        <a:spcAft>
+                          <a:spcPts val="0"/>
+                        </a:spcAft>
+                      </a:pPr>
+                      <a:r>
+                        <a:rPr lang="en-US" sz="1600" dirty="0">
+                          <a:effectLst/>
+                          <a:latin typeface="Calibri" panose="020F0502020204030204" pitchFamily="34" charset="0"/>
+                          <a:ea typeface="Calibri" panose="020F0502020204030204" pitchFamily="34" charset="0"/>
+                          <a:cs typeface="Times New Roman" panose="02020603050405020304" pitchFamily="18" charset="0"/>
+                        </a:rPr>
+                        <a:t>-0.66332</a:t>
+                      </a:r>
+                    </a:p>
+                  </a:txBody>
+                  <a:tcPr marL="68580" marR="68580" marT="0" marB="0" anchor="ctr">
+                    <a:lnL w="12700" cap="flat" cmpd="sng" algn="ctr">
+                      <a:solidFill>
+                        <a:srgbClr val="000000"/>
+                      </a:solidFill>
+                      <a:prstDash val="solid"/>
+                      <a:round/>
+                      <a:headEnd type="none" w="med" len="med"/>
+                      <a:tailEnd type="none" w="med" len="med"/>
+                    </a:lnL>
+                    <a:lnR w="12700" cap="flat" cmpd="sng" algn="ctr">
+                      <a:solidFill>
+                        <a:srgbClr val="000000"/>
+                      </a:solidFill>
+                      <a:prstDash val="solid"/>
+                      <a:round/>
+                      <a:headEnd type="none" w="med" len="med"/>
+                      <a:tailEnd type="none" w="med" len="med"/>
+                    </a:lnR>
+                    <a:lnT w="12700" cap="flat" cmpd="sng" algn="ctr">
+                      <a:solidFill>
+                        <a:srgbClr val="000000"/>
+                      </a:solidFill>
+                      <a:prstDash val="solid"/>
+                      <a:round/>
+                      <a:headEnd type="none" w="med" len="med"/>
+                      <a:tailEnd type="none" w="med" len="med"/>
+                    </a:lnT>
+                    <a:lnB w="12700" cap="flat" cmpd="sng" algn="ctr">
+                      <a:solidFill>
+                        <a:srgbClr val="000000"/>
+                      </a:solidFill>
+                      <a:prstDash val="solid"/>
+                      <a:round/>
+                      <a:headEnd type="none" w="med" len="med"/>
+                      <a:tailEnd type="none" w="med" len="med"/>
+                    </a:lnB>
+                    <a:solidFill>
+                      <a:schemeClr val="bg1"/>
+                    </a:solidFill>
+                  </a:tcPr>
+                </a:tc>
+                <a:tc>
+                  <a:txBody>
+                    <a:bodyPr/>
+                    <a:lstStyle/>
+                    <a:p>
+                      <a:pPr algn="ctr">
+                        <a:lnSpc>
+                          <a:spcPct val="107000"/>
+                        </a:lnSpc>
+                        <a:spcAft>
+                          <a:spcPts val="0"/>
+                        </a:spcAft>
+                      </a:pPr>
+                      <a:r>
+                        <a:rPr lang="en-US" sz="1600" dirty="0">
+                          <a:effectLst/>
+                          <a:latin typeface="Calibri" panose="020F0502020204030204" pitchFamily="34" charset="0"/>
+                          <a:ea typeface="Calibri" panose="020F0502020204030204" pitchFamily="34" charset="0"/>
+                          <a:cs typeface="Times New Roman" panose="02020603050405020304" pitchFamily="18" charset="0"/>
+                        </a:rPr>
+                        <a:t>1.189400</a:t>
+                      </a:r>
+                    </a:p>
+                  </a:txBody>
+                  <a:tcPr marL="68580" marR="68580" marT="0" marB="0" anchor="ctr">
+                    <a:lnL w="12700" cap="flat" cmpd="sng" algn="ctr">
+                      <a:solidFill>
+                        <a:srgbClr val="000000"/>
+                      </a:solidFill>
+                      <a:prstDash val="solid"/>
+                      <a:round/>
+                      <a:headEnd type="none" w="med" len="med"/>
+                      <a:tailEnd type="none" w="med" len="med"/>
+                    </a:lnL>
+                    <a:lnR w="12700" cap="flat" cmpd="sng" algn="ctr">
+                      <a:solidFill>
+                        <a:srgbClr val="000000"/>
+                      </a:solidFill>
+                      <a:prstDash val="solid"/>
+                      <a:round/>
+                      <a:headEnd type="none" w="med" len="med"/>
+                      <a:tailEnd type="none" w="med" len="med"/>
+                    </a:lnR>
+                    <a:lnT w="12700" cap="flat" cmpd="sng" algn="ctr">
+                      <a:solidFill>
+                        <a:srgbClr val="000000"/>
+                      </a:solidFill>
+                      <a:prstDash val="solid"/>
+                      <a:round/>
+                      <a:headEnd type="none" w="med" len="med"/>
+                      <a:tailEnd type="none" w="med" len="med"/>
+                    </a:lnT>
+                    <a:lnB w="12700" cap="flat" cmpd="sng" algn="ctr">
+                      <a:solidFill>
+                        <a:srgbClr val="000000"/>
+                      </a:solidFill>
+                      <a:prstDash val="solid"/>
+                      <a:round/>
+                      <a:headEnd type="none" w="med" len="med"/>
+                      <a:tailEnd type="none" w="med" len="med"/>
+                    </a:lnB>
+                    <a:solidFill>
+                      <a:schemeClr val="bg1"/>
+                    </a:solidFill>
+                  </a:tcPr>
+                </a:tc>
+                <a:tc>
+                  <a:txBody>
+                    <a:bodyPr/>
+                    <a:lstStyle/>
+                    <a:p>
+                      <a:pPr algn="ctr">
+                        <a:lnSpc>
+                          <a:spcPct val="107000"/>
+                        </a:lnSpc>
+                        <a:spcAft>
+                          <a:spcPts val="0"/>
+                        </a:spcAft>
+                      </a:pPr>
+                      <a:r>
+                        <a:rPr lang="en-US" sz="1600">
+                          <a:effectLst/>
+                          <a:latin typeface="Calibri" panose="020F0502020204030204" pitchFamily="34" charset="0"/>
+                          <a:ea typeface="Calibri" panose="020F0502020204030204" pitchFamily="34" charset="0"/>
+                          <a:cs typeface="Times New Roman" panose="02020603050405020304" pitchFamily="18" charset="0"/>
+                        </a:rPr>
+                        <a:t>1</a:t>
+                      </a:r>
+                    </a:p>
+                  </a:txBody>
+                  <a:tcPr marL="68580" marR="68580" marT="0" marB="0" anchor="ctr">
+                    <a:lnL w="12700" cap="flat" cmpd="sng" algn="ctr">
+                      <a:solidFill>
+                        <a:srgbClr val="000000"/>
+                      </a:solidFill>
+                      <a:prstDash val="solid"/>
+                      <a:round/>
+                      <a:headEnd type="none" w="med" len="med"/>
+                      <a:tailEnd type="none" w="med" len="med"/>
+                    </a:lnL>
+                    <a:lnR w="12700" cap="flat" cmpd="sng" algn="ctr">
+                      <a:solidFill>
+                        <a:srgbClr val="000000"/>
+                      </a:solidFill>
+                      <a:prstDash val="solid"/>
+                      <a:round/>
+                      <a:headEnd type="none" w="med" len="med"/>
+                      <a:tailEnd type="none" w="med" len="med"/>
+                    </a:lnR>
+                    <a:lnT w="12700" cap="flat" cmpd="sng" algn="ctr">
+                      <a:solidFill>
+                        <a:srgbClr val="000000"/>
+                      </a:solidFill>
+                      <a:prstDash val="solid"/>
+                      <a:round/>
+                      <a:headEnd type="none" w="med" len="med"/>
+                      <a:tailEnd type="none" w="med" len="med"/>
+                    </a:lnT>
+                    <a:lnB w="12700" cap="flat" cmpd="sng" algn="ctr">
+                      <a:solidFill>
+                        <a:srgbClr val="000000"/>
+                      </a:solidFill>
+                      <a:prstDash val="solid"/>
+                      <a:round/>
+                      <a:headEnd type="none" w="med" len="med"/>
+                      <a:tailEnd type="none" w="med" len="med"/>
+                    </a:lnB>
+                    <a:solidFill>
+                      <a:schemeClr val="bg1"/>
+                    </a:solidFill>
+                  </a:tcPr>
+                </a:tc>
+                <a:extLst>
+                  <a:ext uri="{0D108BD9-81ED-4DB2-BD59-A6C34878D82A}">
+                    <a16:rowId xmlns:a16="http://schemas.microsoft.com/office/drawing/2014/main" val="2036405721"/>
+                  </a:ext>
+                </a:extLst>
+              </a:tr>
+              <a:tr h="392068">
+                <a:tc>
+                  <a:txBody>
+                    <a:bodyPr/>
+                    <a:lstStyle/>
+                    <a:p>
+                      <a:pPr algn="ctr">
+                        <a:lnSpc>
+                          <a:spcPct val="107000"/>
+                        </a:lnSpc>
+                        <a:spcAft>
+                          <a:spcPts val="0"/>
+                        </a:spcAft>
+                      </a:pPr>
+                      <a:r>
+                        <a:rPr lang="en-US" sz="1600">
+                          <a:effectLst/>
+                          <a:latin typeface="Calibri" panose="020F0502020204030204" pitchFamily="34" charset="0"/>
+                          <a:ea typeface="Calibri" panose="020F0502020204030204" pitchFamily="34" charset="0"/>
+                          <a:cs typeface="Times New Roman" panose="02020603050405020304" pitchFamily="18" charset="0"/>
+                        </a:rPr>
+                        <a:t>9</a:t>
+                      </a:r>
+                    </a:p>
+                  </a:txBody>
+                  <a:tcPr marL="68580" marR="68580" marT="0" marB="0" anchor="ctr">
+                    <a:lnL w="12700" cap="flat" cmpd="sng" algn="ctr">
+                      <a:solidFill>
+                        <a:srgbClr val="000000"/>
+                      </a:solidFill>
+                      <a:prstDash val="solid"/>
+                      <a:round/>
+                      <a:headEnd type="none" w="med" len="med"/>
+                      <a:tailEnd type="none" w="med" len="med"/>
+                    </a:lnL>
+                    <a:lnR w="12700" cap="flat" cmpd="sng" algn="ctr">
+                      <a:solidFill>
+                        <a:srgbClr val="000000"/>
+                      </a:solidFill>
+                      <a:prstDash val="solid"/>
+                      <a:round/>
+                      <a:headEnd type="none" w="med" len="med"/>
+                      <a:tailEnd type="none" w="med" len="med"/>
+                    </a:lnR>
+                    <a:lnT w="12700" cap="flat" cmpd="sng" algn="ctr">
+                      <a:solidFill>
+                        <a:srgbClr val="000000"/>
+                      </a:solidFill>
+                      <a:prstDash val="solid"/>
+                      <a:round/>
+                      <a:headEnd type="none" w="med" len="med"/>
+                      <a:tailEnd type="none" w="med" len="med"/>
+                    </a:lnT>
+                    <a:lnB w="12700" cap="flat" cmpd="sng" algn="ctr">
+                      <a:solidFill>
+                        <a:srgbClr val="000000"/>
+                      </a:solidFill>
+                      <a:prstDash val="solid"/>
+                      <a:round/>
+                      <a:headEnd type="none" w="med" len="med"/>
+                      <a:tailEnd type="none" w="med" len="med"/>
+                    </a:lnB>
+                    <a:solidFill>
+                      <a:schemeClr val="bg1"/>
+                    </a:solidFill>
+                  </a:tcPr>
+                </a:tc>
+                <a:tc>
+                  <a:txBody>
+                    <a:bodyPr/>
+                    <a:lstStyle/>
+                    <a:p>
+                      <a:pPr algn="ctr">
+                        <a:lnSpc>
+                          <a:spcPct val="107000"/>
+                        </a:lnSpc>
+                        <a:spcAft>
+                          <a:spcPts val="0"/>
+                        </a:spcAft>
+                      </a:pPr>
+                      <a:r>
+                        <a:rPr lang="en-US" sz="1600">
+                          <a:effectLst/>
+                          <a:latin typeface="Calibri" panose="020F0502020204030204" pitchFamily="34" charset="0"/>
+                          <a:ea typeface="Calibri" panose="020F0502020204030204" pitchFamily="34" charset="0"/>
+                          <a:cs typeface="Times New Roman" panose="02020603050405020304" pitchFamily="18" charset="0"/>
+                        </a:rPr>
+                        <a:t>40.0</a:t>
+                      </a:r>
+                    </a:p>
+                  </a:txBody>
+                  <a:tcPr marL="68580" marR="68580" marT="0" marB="0" anchor="ctr">
+                    <a:lnL w="12700" cap="flat" cmpd="sng" algn="ctr">
+                      <a:solidFill>
+                        <a:srgbClr val="000000"/>
+                      </a:solidFill>
+                      <a:prstDash val="solid"/>
+                      <a:round/>
+                      <a:headEnd type="none" w="med" len="med"/>
+                      <a:tailEnd type="none" w="med" len="med"/>
+                    </a:lnL>
+                    <a:lnR w="12700" cap="flat" cmpd="sng" algn="ctr">
+                      <a:solidFill>
+                        <a:srgbClr val="000000"/>
+                      </a:solidFill>
+                      <a:prstDash val="solid"/>
+                      <a:round/>
+                      <a:headEnd type="none" w="med" len="med"/>
+                      <a:tailEnd type="none" w="med" len="med"/>
+                    </a:lnR>
+                    <a:lnT w="12700" cap="flat" cmpd="sng" algn="ctr">
+                      <a:solidFill>
+                        <a:srgbClr val="000000"/>
+                      </a:solidFill>
+                      <a:prstDash val="solid"/>
+                      <a:round/>
+                      <a:headEnd type="none" w="med" len="med"/>
+                      <a:tailEnd type="none" w="med" len="med"/>
+                    </a:lnT>
+                    <a:lnB w="12700" cap="flat" cmpd="sng" algn="ctr">
+                      <a:solidFill>
+                        <a:srgbClr val="000000"/>
+                      </a:solidFill>
+                      <a:prstDash val="solid"/>
+                      <a:round/>
+                      <a:headEnd type="none" w="med" len="med"/>
+                      <a:tailEnd type="none" w="med" len="med"/>
+                    </a:lnB>
+                    <a:solidFill>
+                      <a:schemeClr val="bg1"/>
+                    </a:solidFill>
+                  </a:tcPr>
+                </a:tc>
+                <a:tc>
+                  <a:txBody>
+                    <a:bodyPr/>
+                    <a:lstStyle/>
+                    <a:p>
+                      <a:pPr algn="ctr">
+                        <a:lnSpc>
+                          <a:spcPct val="107000"/>
+                        </a:lnSpc>
+                        <a:spcAft>
+                          <a:spcPts val="0"/>
+                        </a:spcAft>
+                      </a:pPr>
+                      <a:r>
+                        <a:rPr lang="en-US" sz="1600">
+                          <a:effectLst/>
+                          <a:latin typeface="Calibri" panose="020F0502020204030204" pitchFamily="34" charset="0"/>
+                          <a:ea typeface="Calibri" panose="020F0502020204030204" pitchFamily="34" charset="0"/>
+                          <a:cs typeface="Times New Roman" panose="02020603050405020304" pitchFamily="18" charset="0"/>
+                        </a:rPr>
+                        <a:t>-0.565700</a:t>
+                      </a:r>
+                    </a:p>
+                  </a:txBody>
+                  <a:tcPr marL="68580" marR="68580" marT="0" marB="0" anchor="ctr">
+                    <a:lnL w="12700" cap="flat" cmpd="sng" algn="ctr">
+                      <a:solidFill>
+                        <a:srgbClr val="000000"/>
+                      </a:solidFill>
+                      <a:prstDash val="solid"/>
+                      <a:round/>
+                      <a:headEnd type="none" w="med" len="med"/>
+                      <a:tailEnd type="none" w="med" len="med"/>
+                    </a:lnL>
+                    <a:lnR w="12700" cap="flat" cmpd="sng" algn="ctr">
+                      <a:solidFill>
+                        <a:srgbClr val="000000"/>
+                      </a:solidFill>
+                      <a:prstDash val="solid"/>
+                      <a:round/>
+                      <a:headEnd type="none" w="med" len="med"/>
+                      <a:tailEnd type="none" w="med" len="med"/>
+                    </a:lnR>
+                    <a:lnT w="12700" cap="flat" cmpd="sng" algn="ctr">
+                      <a:solidFill>
+                        <a:srgbClr val="000000"/>
+                      </a:solidFill>
+                      <a:prstDash val="solid"/>
+                      <a:round/>
+                      <a:headEnd type="none" w="med" len="med"/>
+                      <a:tailEnd type="none" w="med" len="med"/>
+                    </a:lnT>
+                    <a:lnB w="12700" cap="flat" cmpd="sng" algn="ctr">
+                      <a:solidFill>
+                        <a:srgbClr val="000000"/>
+                      </a:solidFill>
+                      <a:prstDash val="solid"/>
+                      <a:round/>
+                      <a:headEnd type="none" w="med" len="med"/>
+                      <a:tailEnd type="none" w="med" len="med"/>
+                    </a:lnB>
+                    <a:solidFill>
+                      <a:schemeClr val="bg1"/>
+                    </a:solidFill>
+                  </a:tcPr>
+                </a:tc>
+                <a:tc>
+                  <a:txBody>
+                    <a:bodyPr/>
+                    <a:lstStyle/>
+                    <a:p>
+                      <a:pPr algn="ctr">
+                        <a:lnSpc>
+                          <a:spcPct val="107000"/>
+                        </a:lnSpc>
+                        <a:spcAft>
+                          <a:spcPts val="0"/>
+                        </a:spcAft>
+                      </a:pPr>
+                      <a:r>
+                        <a:rPr lang="en-US" sz="1600" dirty="0">
+                          <a:effectLst/>
+                          <a:latin typeface="Calibri" panose="020F0502020204030204" pitchFamily="34" charset="0"/>
+                          <a:ea typeface="Calibri" panose="020F0502020204030204" pitchFamily="34" charset="0"/>
+                          <a:cs typeface="Times New Roman" panose="02020603050405020304" pitchFamily="18" charset="0"/>
+                        </a:rPr>
+                        <a:t>1.26680</a:t>
+                      </a:r>
+                    </a:p>
+                  </a:txBody>
+                  <a:tcPr marL="68580" marR="68580" marT="0" marB="0" anchor="ctr">
+                    <a:lnL w="12700" cap="flat" cmpd="sng" algn="ctr">
+                      <a:solidFill>
+                        <a:srgbClr val="000000"/>
+                      </a:solidFill>
+                      <a:prstDash val="solid"/>
+                      <a:round/>
+                      <a:headEnd type="none" w="med" len="med"/>
+                      <a:tailEnd type="none" w="med" len="med"/>
+                    </a:lnL>
+                    <a:lnR w="12700" cap="flat" cmpd="sng" algn="ctr">
+                      <a:solidFill>
+                        <a:srgbClr val="000000"/>
+                      </a:solidFill>
+                      <a:prstDash val="solid"/>
+                      <a:round/>
+                      <a:headEnd type="none" w="med" len="med"/>
+                      <a:tailEnd type="none" w="med" len="med"/>
+                    </a:lnR>
+                    <a:lnT w="12700" cap="flat" cmpd="sng" algn="ctr">
+                      <a:solidFill>
+                        <a:srgbClr val="000000"/>
+                      </a:solidFill>
+                      <a:prstDash val="solid"/>
+                      <a:round/>
+                      <a:headEnd type="none" w="med" len="med"/>
+                      <a:tailEnd type="none" w="med" len="med"/>
+                    </a:lnT>
+                    <a:lnB w="12700" cap="flat" cmpd="sng" algn="ctr">
+                      <a:solidFill>
+                        <a:srgbClr val="000000"/>
+                      </a:solidFill>
+                      <a:prstDash val="solid"/>
+                      <a:round/>
+                      <a:headEnd type="none" w="med" len="med"/>
+                      <a:tailEnd type="none" w="med" len="med"/>
+                    </a:lnB>
+                    <a:solidFill>
+                      <a:schemeClr val="bg1"/>
+                    </a:solidFill>
+                  </a:tcPr>
+                </a:tc>
+                <a:tc>
+                  <a:txBody>
+                    <a:bodyPr/>
+                    <a:lstStyle/>
+                    <a:p>
+                      <a:pPr algn="ctr">
+                        <a:lnSpc>
+                          <a:spcPct val="107000"/>
+                        </a:lnSpc>
+                        <a:spcAft>
+                          <a:spcPts val="0"/>
+                        </a:spcAft>
+                      </a:pPr>
+                      <a:r>
+                        <a:rPr lang="en-US" sz="1600" dirty="0">
+                          <a:effectLst/>
+                          <a:latin typeface="Calibri" panose="020F0502020204030204" pitchFamily="34" charset="0"/>
+                          <a:ea typeface="Calibri" panose="020F0502020204030204" pitchFamily="34" charset="0"/>
+                          <a:cs typeface="Times New Roman" panose="02020603050405020304" pitchFamily="18" charset="0"/>
+                        </a:rPr>
+                        <a:t>-0.293460</a:t>
+                      </a:r>
+                    </a:p>
+                  </a:txBody>
+                  <a:tcPr marL="68580" marR="68580" marT="0" marB="0" anchor="ctr">
+                    <a:lnL w="12700" cap="flat" cmpd="sng" algn="ctr">
+                      <a:solidFill>
+                        <a:srgbClr val="000000"/>
+                      </a:solidFill>
+                      <a:prstDash val="solid"/>
+                      <a:round/>
+                      <a:headEnd type="none" w="med" len="med"/>
+                      <a:tailEnd type="none" w="med" len="med"/>
+                    </a:lnL>
+                    <a:lnR w="12700" cap="flat" cmpd="sng" algn="ctr">
+                      <a:solidFill>
+                        <a:srgbClr val="000000"/>
+                      </a:solidFill>
+                      <a:prstDash val="solid"/>
+                      <a:round/>
+                      <a:headEnd type="none" w="med" len="med"/>
+                      <a:tailEnd type="none" w="med" len="med"/>
+                    </a:lnR>
+                    <a:lnT w="12700" cap="flat" cmpd="sng" algn="ctr">
+                      <a:solidFill>
+                        <a:srgbClr val="000000"/>
+                      </a:solidFill>
+                      <a:prstDash val="solid"/>
+                      <a:round/>
+                      <a:headEnd type="none" w="med" len="med"/>
+                      <a:tailEnd type="none" w="med" len="med"/>
+                    </a:lnT>
+                    <a:lnB w="12700" cap="flat" cmpd="sng" algn="ctr">
+                      <a:solidFill>
+                        <a:srgbClr val="000000"/>
+                      </a:solidFill>
+                      <a:prstDash val="solid"/>
+                      <a:round/>
+                      <a:headEnd type="none" w="med" len="med"/>
+                      <a:tailEnd type="none" w="med" len="med"/>
+                    </a:lnB>
+                    <a:solidFill>
+                      <a:schemeClr val="bg1"/>
+                    </a:solidFill>
+                  </a:tcPr>
+                </a:tc>
+                <a:tc>
+                  <a:txBody>
+                    <a:bodyPr/>
+                    <a:lstStyle/>
+                    <a:p>
+                      <a:pPr algn="ctr">
+                        <a:lnSpc>
+                          <a:spcPct val="107000"/>
+                        </a:lnSpc>
+                        <a:spcAft>
+                          <a:spcPts val="0"/>
+                        </a:spcAft>
+                      </a:pPr>
+                      <a:r>
+                        <a:rPr lang="en-US" sz="1600">
+                          <a:effectLst/>
+                          <a:latin typeface="Calibri" panose="020F0502020204030204" pitchFamily="34" charset="0"/>
+                          <a:ea typeface="Calibri" panose="020F0502020204030204" pitchFamily="34" charset="0"/>
+                          <a:cs typeface="Times New Roman" panose="02020603050405020304" pitchFamily="18" charset="0"/>
+                        </a:rPr>
+                        <a:t>1</a:t>
+                      </a:r>
+                    </a:p>
+                  </a:txBody>
+                  <a:tcPr marL="68580" marR="68580" marT="0" marB="0" anchor="ctr">
+                    <a:lnL w="12700" cap="flat" cmpd="sng" algn="ctr">
+                      <a:solidFill>
+                        <a:srgbClr val="000000"/>
+                      </a:solidFill>
+                      <a:prstDash val="solid"/>
+                      <a:round/>
+                      <a:headEnd type="none" w="med" len="med"/>
+                      <a:tailEnd type="none" w="med" len="med"/>
+                    </a:lnL>
+                    <a:lnR w="12700" cap="flat" cmpd="sng" algn="ctr">
+                      <a:solidFill>
+                        <a:srgbClr val="000000"/>
+                      </a:solidFill>
+                      <a:prstDash val="solid"/>
+                      <a:round/>
+                      <a:headEnd type="none" w="med" len="med"/>
+                      <a:tailEnd type="none" w="med" len="med"/>
+                    </a:lnR>
+                    <a:lnT w="12700" cap="flat" cmpd="sng" algn="ctr">
+                      <a:solidFill>
+                        <a:srgbClr val="000000"/>
+                      </a:solidFill>
+                      <a:prstDash val="solid"/>
+                      <a:round/>
+                      <a:headEnd type="none" w="med" len="med"/>
+                      <a:tailEnd type="none" w="med" len="med"/>
+                    </a:lnT>
+                    <a:lnB w="12700" cap="flat" cmpd="sng" algn="ctr">
+                      <a:solidFill>
+                        <a:srgbClr val="000000"/>
+                      </a:solidFill>
+                      <a:prstDash val="solid"/>
+                      <a:round/>
+                      <a:headEnd type="none" w="med" len="med"/>
+                      <a:tailEnd type="none" w="med" len="med"/>
+                    </a:lnB>
+                    <a:solidFill>
+                      <a:schemeClr val="bg1"/>
+                    </a:solidFill>
+                  </a:tcPr>
+                </a:tc>
+                <a:extLst>
+                  <a:ext uri="{0D108BD9-81ED-4DB2-BD59-A6C34878D82A}">
+                    <a16:rowId xmlns:a16="http://schemas.microsoft.com/office/drawing/2014/main" val="339207924"/>
+                  </a:ext>
+                </a:extLst>
+              </a:tr>
+              <a:tr h="392068">
+                <a:tc>
+                  <a:txBody>
+                    <a:bodyPr/>
+                    <a:lstStyle/>
+                    <a:p>
+                      <a:pPr algn="ctr">
+                        <a:lnSpc>
+                          <a:spcPct val="107000"/>
+                        </a:lnSpc>
+                        <a:spcAft>
+                          <a:spcPts val="0"/>
+                        </a:spcAft>
+                      </a:pPr>
+                      <a:r>
+                        <a:rPr lang="en-US" sz="1600">
+                          <a:effectLst/>
+                          <a:latin typeface="Calibri" panose="020F0502020204030204" pitchFamily="34" charset="0"/>
+                          <a:ea typeface="Calibri" panose="020F0502020204030204" pitchFamily="34" charset="0"/>
+                          <a:cs typeface="Times New Roman" panose="02020603050405020304" pitchFamily="18" charset="0"/>
+                        </a:rPr>
+                        <a:t>10</a:t>
+                      </a:r>
+                    </a:p>
+                  </a:txBody>
+                  <a:tcPr marL="68580" marR="68580" marT="0" marB="0" anchor="ctr">
+                    <a:lnL w="12700" cap="flat" cmpd="sng" algn="ctr">
+                      <a:solidFill>
+                        <a:srgbClr val="000000"/>
+                      </a:solidFill>
+                      <a:prstDash val="solid"/>
+                      <a:round/>
+                      <a:headEnd type="none" w="med" len="med"/>
+                      <a:tailEnd type="none" w="med" len="med"/>
+                    </a:lnL>
+                    <a:lnR w="12700" cap="flat" cmpd="sng" algn="ctr">
+                      <a:solidFill>
+                        <a:srgbClr val="000000"/>
+                      </a:solidFill>
+                      <a:prstDash val="solid"/>
+                      <a:round/>
+                      <a:headEnd type="none" w="med" len="med"/>
+                      <a:tailEnd type="none" w="med" len="med"/>
+                    </a:lnR>
+                    <a:lnT w="12700" cap="flat" cmpd="sng" algn="ctr">
+                      <a:solidFill>
+                        <a:srgbClr val="000000"/>
+                      </a:solidFill>
+                      <a:prstDash val="solid"/>
+                      <a:round/>
+                      <a:headEnd type="none" w="med" len="med"/>
+                      <a:tailEnd type="none" w="med" len="med"/>
+                    </a:lnT>
+                    <a:lnB w="12700" cap="flat" cmpd="sng" algn="ctr">
+                      <a:solidFill>
+                        <a:srgbClr val="000000"/>
+                      </a:solidFill>
+                      <a:prstDash val="solid"/>
+                      <a:round/>
+                      <a:headEnd type="none" w="med" len="med"/>
+                      <a:tailEnd type="none" w="med" len="med"/>
+                    </a:lnB>
+                    <a:solidFill>
+                      <a:schemeClr val="bg1"/>
+                    </a:solidFill>
+                  </a:tcPr>
+                </a:tc>
+                <a:tc>
+                  <a:txBody>
+                    <a:bodyPr/>
+                    <a:lstStyle/>
+                    <a:p>
+                      <a:pPr algn="ctr">
+                        <a:lnSpc>
+                          <a:spcPct val="107000"/>
+                        </a:lnSpc>
+                        <a:spcAft>
+                          <a:spcPts val="0"/>
+                        </a:spcAft>
+                      </a:pPr>
+                      <a:r>
+                        <a:rPr lang="en-US" sz="1600">
+                          <a:effectLst/>
+                          <a:latin typeface="Calibri" panose="020F0502020204030204" pitchFamily="34" charset="0"/>
+                          <a:ea typeface="Calibri" panose="020F0502020204030204" pitchFamily="34" charset="0"/>
+                          <a:cs typeface="Times New Roman" panose="02020603050405020304" pitchFamily="18" charset="0"/>
+                        </a:rPr>
+                        <a:t>71.0</a:t>
+                      </a:r>
+                    </a:p>
+                  </a:txBody>
+                  <a:tcPr marL="68580" marR="68580" marT="0" marB="0" anchor="ctr">
+                    <a:lnL w="12700" cap="flat" cmpd="sng" algn="ctr">
+                      <a:solidFill>
+                        <a:srgbClr val="000000"/>
+                      </a:solidFill>
+                      <a:prstDash val="solid"/>
+                      <a:round/>
+                      <a:headEnd type="none" w="med" len="med"/>
+                      <a:tailEnd type="none" w="med" len="med"/>
+                    </a:lnL>
+                    <a:lnR w="12700" cap="flat" cmpd="sng" algn="ctr">
+                      <a:solidFill>
+                        <a:srgbClr val="000000"/>
+                      </a:solidFill>
+                      <a:prstDash val="solid"/>
+                      <a:round/>
+                      <a:headEnd type="none" w="med" len="med"/>
+                      <a:tailEnd type="none" w="med" len="med"/>
+                    </a:lnR>
+                    <a:lnT w="12700" cap="flat" cmpd="sng" algn="ctr">
+                      <a:solidFill>
+                        <a:srgbClr val="000000"/>
+                      </a:solidFill>
+                      <a:prstDash val="solid"/>
+                      <a:round/>
+                      <a:headEnd type="none" w="med" len="med"/>
+                      <a:tailEnd type="none" w="med" len="med"/>
+                    </a:lnT>
+                    <a:lnB w="12700" cap="flat" cmpd="sng" algn="ctr">
+                      <a:solidFill>
+                        <a:srgbClr val="000000"/>
+                      </a:solidFill>
+                      <a:prstDash val="solid"/>
+                      <a:round/>
+                      <a:headEnd type="none" w="med" len="med"/>
+                      <a:tailEnd type="none" w="med" len="med"/>
+                    </a:lnB>
+                    <a:solidFill>
+                      <a:schemeClr val="bg1"/>
+                    </a:solidFill>
+                  </a:tcPr>
+                </a:tc>
+                <a:tc>
+                  <a:txBody>
+                    <a:bodyPr/>
+                    <a:lstStyle/>
+                    <a:p>
+                      <a:pPr algn="ctr">
+                        <a:lnSpc>
+                          <a:spcPct val="107000"/>
+                        </a:lnSpc>
+                        <a:spcAft>
+                          <a:spcPts val="0"/>
+                        </a:spcAft>
+                      </a:pPr>
+                      <a:r>
+                        <a:rPr lang="en-US" sz="1600">
+                          <a:effectLst/>
+                          <a:latin typeface="Calibri" panose="020F0502020204030204" pitchFamily="34" charset="0"/>
+                          <a:ea typeface="Calibri" panose="020F0502020204030204" pitchFamily="34" charset="0"/>
+                          <a:cs typeface="Times New Roman" panose="02020603050405020304" pitchFamily="18" charset="0"/>
+                        </a:rPr>
+                        <a:t>-0.223050</a:t>
+                      </a:r>
+                    </a:p>
+                  </a:txBody>
+                  <a:tcPr marL="68580" marR="68580" marT="0" marB="0" anchor="ctr">
+                    <a:lnL w="12700" cap="flat" cmpd="sng" algn="ctr">
+                      <a:solidFill>
+                        <a:srgbClr val="000000"/>
+                      </a:solidFill>
+                      <a:prstDash val="solid"/>
+                      <a:round/>
+                      <a:headEnd type="none" w="med" len="med"/>
+                      <a:tailEnd type="none" w="med" len="med"/>
+                    </a:lnL>
+                    <a:lnR w="12700" cap="flat" cmpd="sng" algn="ctr">
+                      <a:solidFill>
+                        <a:srgbClr val="000000"/>
+                      </a:solidFill>
+                      <a:prstDash val="solid"/>
+                      <a:round/>
+                      <a:headEnd type="none" w="med" len="med"/>
+                      <a:tailEnd type="none" w="med" len="med"/>
+                    </a:lnR>
+                    <a:lnT w="12700" cap="flat" cmpd="sng" algn="ctr">
+                      <a:solidFill>
+                        <a:srgbClr val="000000"/>
+                      </a:solidFill>
+                      <a:prstDash val="solid"/>
+                      <a:round/>
+                      <a:headEnd type="none" w="med" len="med"/>
+                      <a:tailEnd type="none" w="med" len="med"/>
+                    </a:lnT>
+                    <a:lnB w="12700" cap="flat" cmpd="sng" algn="ctr">
+                      <a:solidFill>
+                        <a:srgbClr val="000000"/>
+                      </a:solidFill>
+                      <a:prstDash val="solid"/>
+                      <a:round/>
+                      <a:headEnd type="none" w="med" len="med"/>
+                      <a:tailEnd type="none" w="med" len="med"/>
+                    </a:lnB>
+                    <a:solidFill>
+                      <a:schemeClr val="bg1"/>
+                    </a:solidFill>
+                  </a:tcPr>
+                </a:tc>
+                <a:tc>
+                  <a:txBody>
+                    <a:bodyPr/>
+                    <a:lstStyle/>
+                    <a:p>
+                      <a:pPr algn="ctr">
+                        <a:lnSpc>
+                          <a:spcPct val="107000"/>
+                        </a:lnSpc>
+                        <a:spcAft>
+                          <a:spcPts val="0"/>
+                        </a:spcAft>
+                      </a:pPr>
+                      <a:r>
+                        <a:rPr lang="en-US" sz="1600">
+                          <a:effectLst/>
+                          <a:latin typeface="Calibri" panose="020F0502020204030204" pitchFamily="34" charset="0"/>
+                          <a:ea typeface="Calibri" panose="020F0502020204030204" pitchFamily="34" charset="0"/>
+                          <a:cs typeface="Times New Roman" panose="02020603050405020304" pitchFamily="18" charset="0"/>
+                        </a:rPr>
+                        <a:t>0.50594</a:t>
+                      </a:r>
+                    </a:p>
+                  </a:txBody>
+                  <a:tcPr marL="68580" marR="68580" marT="0" marB="0" anchor="ctr">
+                    <a:lnL w="12700" cap="flat" cmpd="sng" algn="ctr">
+                      <a:solidFill>
+                        <a:srgbClr val="000000"/>
+                      </a:solidFill>
+                      <a:prstDash val="solid"/>
+                      <a:round/>
+                      <a:headEnd type="none" w="med" len="med"/>
+                      <a:tailEnd type="none" w="med" len="med"/>
+                    </a:lnL>
+                    <a:lnR w="12700" cap="flat" cmpd="sng" algn="ctr">
+                      <a:solidFill>
+                        <a:srgbClr val="000000"/>
+                      </a:solidFill>
+                      <a:prstDash val="solid"/>
+                      <a:round/>
+                      <a:headEnd type="none" w="med" len="med"/>
+                      <a:tailEnd type="none" w="med" len="med"/>
+                    </a:lnR>
+                    <a:lnT w="12700" cap="flat" cmpd="sng" algn="ctr">
+                      <a:solidFill>
+                        <a:srgbClr val="000000"/>
+                      </a:solidFill>
+                      <a:prstDash val="solid"/>
+                      <a:round/>
+                      <a:headEnd type="none" w="med" len="med"/>
+                      <a:tailEnd type="none" w="med" len="med"/>
+                    </a:lnT>
+                    <a:lnB w="12700" cap="flat" cmpd="sng" algn="ctr">
+                      <a:solidFill>
+                        <a:srgbClr val="000000"/>
+                      </a:solidFill>
+                      <a:prstDash val="solid"/>
+                      <a:round/>
+                      <a:headEnd type="none" w="med" len="med"/>
+                      <a:tailEnd type="none" w="med" len="med"/>
+                    </a:lnB>
+                    <a:solidFill>
+                      <a:schemeClr val="bg1"/>
+                    </a:solidFill>
+                  </a:tcPr>
+                </a:tc>
+                <a:tc>
+                  <a:txBody>
+                    <a:bodyPr/>
+                    <a:lstStyle/>
+                    <a:p>
+                      <a:pPr algn="ctr">
+                        <a:lnSpc>
+                          <a:spcPct val="107000"/>
+                        </a:lnSpc>
+                        <a:spcAft>
+                          <a:spcPts val="0"/>
+                        </a:spcAft>
+                      </a:pPr>
+                      <a:r>
+                        <a:rPr lang="en-US" sz="1600" dirty="0">
+                          <a:effectLst/>
+                          <a:latin typeface="Calibri" panose="020F0502020204030204" pitchFamily="34" charset="0"/>
+                          <a:ea typeface="Calibri" panose="020F0502020204030204" pitchFamily="34" charset="0"/>
+                          <a:cs typeface="Times New Roman" panose="02020603050405020304" pitchFamily="18" charset="0"/>
+                        </a:rPr>
+                        <a:t>-0.349430</a:t>
+                      </a:r>
+                    </a:p>
+                  </a:txBody>
+                  <a:tcPr marL="68580" marR="68580" marT="0" marB="0" anchor="ctr">
+                    <a:lnL w="12700" cap="flat" cmpd="sng" algn="ctr">
+                      <a:solidFill>
+                        <a:srgbClr val="000000"/>
+                      </a:solidFill>
+                      <a:prstDash val="solid"/>
+                      <a:round/>
+                      <a:headEnd type="none" w="med" len="med"/>
+                      <a:tailEnd type="none" w="med" len="med"/>
+                    </a:lnL>
+                    <a:lnR w="12700" cap="flat" cmpd="sng" algn="ctr">
+                      <a:solidFill>
+                        <a:srgbClr val="000000"/>
+                      </a:solidFill>
+                      <a:prstDash val="solid"/>
+                      <a:round/>
+                      <a:headEnd type="none" w="med" len="med"/>
+                      <a:tailEnd type="none" w="med" len="med"/>
+                    </a:lnR>
+                    <a:lnT w="12700" cap="flat" cmpd="sng" algn="ctr">
+                      <a:solidFill>
+                        <a:srgbClr val="000000"/>
+                      </a:solidFill>
+                      <a:prstDash val="solid"/>
+                      <a:round/>
+                      <a:headEnd type="none" w="med" len="med"/>
+                      <a:tailEnd type="none" w="med" len="med"/>
+                    </a:lnT>
+                    <a:lnB w="12700" cap="flat" cmpd="sng" algn="ctr">
+                      <a:solidFill>
+                        <a:srgbClr val="000000"/>
+                      </a:solidFill>
+                      <a:prstDash val="solid"/>
+                      <a:round/>
+                      <a:headEnd type="none" w="med" len="med"/>
+                      <a:tailEnd type="none" w="med" len="med"/>
+                    </a:lnB>
+                    <a:solidFill>
+                      <a:schemeClr val="bg1"/>
+                    </a:solidFill>
+                  </a:tcPr>
+                </a:tc>
+                <a:tc>
+                  <a:txBody>
+                    <a:bodyPr/>
+                    <a:lstStyle/>
+                    <a:p>
+                      <a:pPr algn="ctr">
+                        <a:lnSpc>
+                          <a:spcPct val="107000"/>
+                        </a:lnSpc>
+                        <a:spcAft>
+                          <a:spcPts val="0"/>
+                        </a:spcAft>
+                      </a:pPr>
+                      <a:r>
+                        <a:rPr lang="en-US" sz="1600" dirty="0">
+                          <a:effectLst/>
+                          <a:latin typeface="Calibri" panose="020F0502020204030204" pitchFamily="34" charset="0"/>
+                          <a:ea typeface="Calibri" panose="020F0502020204030204" pitchFamily="34" charset="0"/>
+                          <a:cs typeface="Times New Roman" panose="02020603050405020304" pitchFamily="18" charset="0"/>
+                        </a:rPr>
+                        <a:t>1</a:t>
+                      </a:r>
+                    </a:p>
+                  </a:txBody>
+                  <a:tcPr marL="68580" marR="68580" marT="0" marB="0" anchor="ctr">
+                    <a:lnL w="12700" cap="flat" cmpd="sng" algn="ctr">
+                      <a:solidFill>
+                        <a:srgbClr val="000000"/>
+                      </a:solidFill>
+                      <a:prstDash val="solid"/>
+                      <a:round/>
+                      <a:headEnd type="none" w="med" len="med"/>
+                      <a:tailEnd type="none" w="med" len="med"/>
+                    </a:lnL>
+                    <a:lnR w="12700" cap="flat" cmpd="sng" algn="ctr">
+                      <a:solidFill>
+                        <a:srgbClr val="000000"/>
+                      </a:solidFill>
+                      <a:prstDash val="solid"/>
+                      <a:round/>
+                      <a:headEnd type="none" w="med" len="med"/>
+                      <a:tailEnd type="none" w="med" len="med"/>
+                    </a:lnR>
+                    <a:lnT w="12700" cap="flat" cmpd="sng" algn="ctr">
+                      <a:solidFill>
+                        <a:srgbClr val="000000"/>
+                      </a:solidFill>
+                      <a:prstDash val="solid"/>
+                      <a:round/>
+                      <a:headEnd type="none" w="med" len="med"/>
+                      <a:tailEnd type="none" w="med" len="med"/>
+                    </a:lnT>
+                    <a:lnB w="12700" cap="flat" cmpd="sng" algn="ctr">
+                      <a:solidFill>
+                        <a:srgbClr val="000000"/>
+                      </a:solidFill>
+                      <a:prstDash val="solid"/>
+                      <a:round/>
+                      <a:headEnd type="none" w="med" len="med"/>
+                      <a:tailEnd type="none" w="med" len="med"/>
+                    </a:lnB>
+                    <a:solidFill>
+                      <a:schemeClr val="bg1"/>
+                    </a:solidFill>
+                  </a:tcPr>
+                </a:tc>
+                <a:extLst>
+                  <a:ext uri="{0D108BD9-81ED-4DB2-BD59-A6C34878D82A}">
+                    <a16:rowId xmlns:a16="http://schemas.microsoft.com/office/drawing/2014/main" val="4014213897"/>
+                  </a:ext>
+                </a:extLst>
+              </a:tr>
+              <a:tr h="392068">
+                <a:tc>
+                  <a:txBody>
+                    <a:bodyPr/>
+                    <a:lstStyle/>
+                    <a:p>
+                      <a:pPr algn="ctr">
+                        <a:lnSpc>
+                          <a:spcPct val="107000"/>
+                        </a:lnSpc>
+                        <a:spcAft>
+                          <a:spcPts val="0"/>
+                        </a:spcAft>
+                      </a:pPr>
+                      <a:r>
+                        <a:rPr lang="en-US" sz="1600">
+                          <a:effectLst/>
+                          <a:latin typeface="Calibri" panose="020F0502020204030204" pitchFamily="34" charset="0"/>
+                          <a:ea typeface="Calibri" panose="020F0502020204030204" pitchFamily="34" charset="0"/>
+                          <a:cs typeface="Times New Roman" panose="02020603050405020304" pitchFamily="18" charset="0"/>
+                        </a:rPr>
+                        <a:t>11</a:t>
+                      </a:r>
+                    </a:p>
+                  </a:txBody>
+                  <a:tcPr marL="68580" marR="68580" marT="0" marB="0" anchor="ctr">
+                    <a:lnL w="12700" cap="flat" cmpd="sng" algn="ctr">
+                      <a:solidFill>
+                        <a:srgbClr val="000000"/>
+                      </a:solidFill>
+                      <a:prstDash val="solid"/>
+                      <a:round/>
+                      <a:headEnd type="none" w="med" len="med"/>
+                      <a:tailEnd type="none" w="med" len="med"/>
+                    </a:lnL>
+                    <a:lnR w="12700" cap="flat" cmpd="sng" algn="ctr">
+                      <a:solidFill>
+                        <a:srgbClr val="000000"/>
+                      </a:solidFill>
+                      <a:prstDash val="solid"/>
+                      <a:round/>
+                      <a:headEnd type="none" w="med" len="med"/>
+                      <a:tailEnd type="none" w="med" len="med"/>
+                    </a:lnR>
+                    <a:lnT w="12700" cap="flat" cmpd="sng" algn="ctr">
+                      <a:solidFill>
+                        <a:srgbClr val="000000"/>
+                      </a:solidFill>
+                      <a:prstDash val="solid"/>
+                      <a:round/>
+                      <a:headEnd type="none" w="med" len="med"/>
+                      <a:tailEnd type="none" w="med" len="med"/>
+                    </a:lnT>
+                    <a:lnB w="12700" cap="flat" cmpd="sng" algn="ctr">
+                      <a:solidFill>
+                        <a:srgbClr val="000000"/>
+                      </a:solidFill>
+                      <a:prstDash val="solid"/>
+                      <a:round/>
+                      <a:headEnd type="none" w="med" len="med"/>
+                      <a:tailEnd type="none" w="med" len="med"/>
+                    </a:lnB>
+                    <a:solidFill>
+                      <a:srgbClr val="FFFF00"/>
+                    </a:solidFill>
+                  </a:tcPr>
+                </a:tc>
+                <a:tc>
+                  <a:txBody>
+                    <a:bodyPr/>
+                    <a:lstStyle/>
+                    <a:p>
+                      <a:pPr algn="ctr">
+                        <a:lnSpc>
+                          <a:spcPct val="107000"/>
+                        </a:lnSpc>
+                        <a:spcAft>
+                          <a:spcPts val="0"/>
+                        </a:spcAft>
+                      </a:pPr>
+                      <a:r>
+                        <a:rPr lang="en-US" sz="1600">
+                          <a:effectLst/>
+                          <a:latin typeface="Calibri" panose="020F0502020204030204" pitchFamily="34" charset="0"/>
+                          <a:ea typeface="Calibri" panose="020F0502020204030204" pitchFamily="34" charset="0"/>
+                          <a:cs typeface="Times New Roman" panose="02020603050405020304" pitchFamily="18" charset="0"/>
+                        </a:rPr>
+                        <a:t>72.0</a:t>
+                      </a:r>
+                    </a:p>
+                  </a:txBody>
+                  <a:tcPr marL="68580" marR="68580" marT="0" marB="0" anchor="ctr">
+                    <a:lnL w="12700" cap="flat" cmpd="sng" algn="ctr">
+                      <a:solidFill>
+                        <a:srgbClr val="000000"/>
+                      </a:solidFill>
+                      <a:prstDash val="solid"/>
+                      <a:round/>
+                      <a:headEnd type="none" w="med" len="med"/>
+                      <a:tailEnd type="none" w="med" len="med"/>
+                    </a:lnL>
+                    <a:lnR w="12700" cap="flat" cmpd="sng" algn="ctr">
+                      <a:solidFill>
+                        <a:srgbClr val="000000"/>
+                      </a:solidFill>
+                      <a:prstDash val="solid"/>
+                      <a:round/>
+                      <a:headEnd type="none" w="med" len="med"/>
+                      <a:tailEnd type="none" w="med" len="med"/>
+                    </a:lnR>
+                    <a:lnT w="12700" cap="flat" cmpd="sng" algn="ctr">
+                      <a:solidFill>
+                        <a:srgbClr val="000000"/>
+                      </a:solidFill>
+                      <a:prstDash val="solid"/>
+                      <a:round/>
+                      <a:headEnd type="none" w="med" len="med"/>
+                      <a:tailEnd type="none" w="med" len="med"/>
+                    </a:lnT>
+                    <a:lnB w="12700" cap="flat" cmpd="sng" algn="ctr">
+                      <a:solidFill>
+                        <a:srgbClr val="000000"/>
+                      </a:solidFill>
+                      <a:prstDash val="solid"/>
+                      <a:round/>
+                      <a:headEnd type="none" w="med" len="med"/>
+                      <a:tailEnd type="none" w="med" len="med"/>
+                    </a:lnB>
+                    <a:solidFill>
+                      <a:srgbClr val="FFFF00"/>
+                    </a:solidFill>
+                  </a:tcPr>
+                </a:tc>
+                <a:tc>
+                  <a:txBody>
+                    <a:bodyPr/>
+                    <a:lstStyle/>
+                    <a:p>
+                      <a:pPr algn="ctr">
+                        <a:lnSpc>
+                          <a:spcPct val="107000"/>
+                        </a:lnSpc>
+                        <a:spcAft>
+                          <a:spcPts val="0"/>
+                        </a:spcAft>
+                      </a:pPr>
+                      <a:r>
+                        <a:rPr lang="en-US" sz="1600">
+                          <a:effectLst/>
+                          <a:latin typeface="Calibri" panose="020F0502020204030204" pitchFamily="34" charset="0"/>
+                          <a:ea typeface="Calibri" panose="020F0502020204030204" pitchFamily="34" charset="0"/>
+                          <a:cs typeface="Times New Roman" panose="02020603050405020304" pitchFamily="18" charset="0"/>
+                        </a:rPr>
+                        <a:t>-0.372700</a:t>
+                      </a:r>
+                    </a:p>
+                  </a:txBody>
+                  <a:tcPr marL="68580" marR="68580" marT="0" marB="0" anchor="ctr">
+                    <a:lnL w="12700" cap="flat" cmpd="sng" algn="ctr">
+                      <a:solidFill>
+                        <a:srgbClr val="000000"/>
+                      </a:solidFill>
+                      <a:prstDash val="solid"/>
+                      <a:round/>
+                      <a:headEnd type="none" w="med" len="med"/>
+                      <a:tailEnd type="none" w="med" len="med"/>
+                    </a:lnL>
+                    <a:lnR w="12700" cap="flat" cmpd="sng" algn="ctr">
+                      <a:solidFill>
+                        <a:srgbClr val="000000"/>
+                      </a:solidFill>
+                      <a:prstDash val="solid"/>
+                      <a:round/>
+                      <a:headEnd type="none" w="med" len="med"/>
+                      <a:tailEnd type="none" w="med" len="med"/>
+                    </a:lnR>
+                    <a:lnT w="12700" cap="flat" cmpd="sng" algn="ctr">
+                      <a:solidFill>
+                        <a:srgbClr val="000000"/>
+                      </a:solidFill>
+                      <a:prstDash val="solid"/>
+                      <a:round/>
+                      <a:headEnd type="none" w="med" len="med"/>
+                      <a:tailEnd type="none" w="med" len="med"/>
+                    </a:lnT>
+                    <a:lnB w="12700" cap="flat" cmpd="sng" algn="ctr">
+                      <a:solidFill>
+                        <a:srgbClr val="000000"/>
+                      </a:solidFill>
+                      <a:prstDash val="solid"/>
+                      <a:round/>
+                      <a:headEnd type="none" w="med" len="med"/>
+                      <a:tailEnd type="none" w="med" len="med"/>
+                    </a:lnB>
+                    <a:solidFill>
+                      <a:srgbClr val="FFFF00"/>
+                    </a:solidFill>
+                  </a:tcPr>
+                </a:tc>
+                <a:tc>
+                  <a:txBody>
+                    <a:bodyPr/>
+                    <a:lstStyle/>
+                    <a:p>
+                      <a:pPr algn="ctr">
+                        <a:lnSpc>
+                          <a:spcPct val="107000"/>
+                        </a:lnSpc>
+                        <a:spcAft>
+                          <a:spcPts val="0"/>
+                        </a:spcAft>
+                      </a:pPr>
+                      <a:r>
+                        <a:rPr lang="en-US" sz="1600" dirty="0">
+                          <a:effectLst/>
+                          <a:latin typeface="Calibri" panose="020F0502020204030204" pitchFamily="34" charset="0"/>
+                          <a:ea typeface="Calibri" panose="020F0502020204030204" pitchFamily="34" charset="0"/>
+                          <a:cs typeface="Times New Roman" panose="02020603050405020304" pitchFamily="18" charset="0"/>
+                        </a:rPr>
+                        <a:t>0.55549</a:t>
+                      </a:r>
+                    </a:p>
+                  </a:txBody>
+                  <a:tcPr marL="68580" marR="68580" marT="0" marB="0" anchor="ctr">
+                    <a:lnL w="12700" cap="flat" cmpd="sng" algn="ctr">
+                      <a:solidFill>
+                        <a:srgbClr val="000000"/>
+                      </a:solidFill>
+                      <a:prstDash val="solid"/>
+                      <a:round/>
+                      <a:headEnd type="none" w="med" len="med"/>
+                      <a:tailEnd type="none" w="med" len="med"/>
+                    </a:lnL>
+                    <a:lnR w="12700" cap="flat" cmpd="sng" algn="ctr">
+                      <a:solidFill>
+                        <a:srgbClr val="000000"/>
+                      </a:solidFill>
+                      <a:prstDash val="solid"/>
+                      <a:round/>
+                      <a:headEnd type="none" w="med" len="med"/>
+                      <a:tailEnd type="none" w="med" len="med"/>
+                    </a:lnR>
+                    <a:lnT w="12700" cap="flat" cmpd="sng" algn="ctr">
+                      <a:solidFill>
+                        <a:srgbClr val="000000"/>
+                      </a:solidFill>
+                      <a:prstDash val="solid"/>
+                      <a:round/>
+                      <a:headEnd type="none" w="med" len="med"/>
+                      <a:tailEnd type="none" w="med" len="med"/>
+                    </a:lnT>
+                    <a:lnB w="12700" cap="flat" cmpd="sng" algn="ctr">
+                      <a:solidFill>
+                        <a:srgbClr val="000000"/>
+                      </a:solidFill>
+                      <a:prstDash val="solid"/>
+                      <a:round/>
+                      <a:headEnd type="none" w="med" len="med"/>
+                      <a:tailEnd type="none" w="med" len="med"/>
+                    </a:lnB>
+                    <a:solidFill>
+                      <a:srgbClr val="FFFF00"/>
+                    </a:solidFill>
+                  </a:tcPr>
+                </a:tc>
+                <a:tc>
+                  <a:txBody>
+                    <a:bodyPr/>
+                    <a:lstStyle/>
+                    <a:p>
+                      <a:pPr algn="ctr">
+                        <a:lnSpc>
+                          <a:spcPct val="107000"/>
+                        </a:lnSpc>
+                        <a:spcAft>
+                          <a:spcPts val="0"/>
+                        </a:spcAft>
+                      </a:pPr>
+                      <a:r>
+                        <a:rPr lang="en-US" sz="1600">
+                          <a:effectLst/>
+                          <a:latin typeface="Calibri" panose="020F0502020204030204" pitchFamily="34" charset="0"/>
+                          <a:ea typeface="Calibri" panose="020F0502020204030204" pitchFamily="34" charset="0"/>
+                          <a:cs typeface="Times New Roman" panose="02020603050405020304" pitchFamily="18" charset="0"/>
+                        </a:rPr>
+                        <a:t>-0.667900</a:t>
+                      </a:r>
+                    </a:p>
+                  </a:txBody>
+                  <a:tcPr marL="68580" marR="68580" marT="0" marB="0" anchor="ctr">
+                    <a:lnL w="12700" cap="flat" cmpd="sng" algn="ctr">
+                      <a:solidFill>
+                        <a:srgbClr val="000000"/>
+                      </a:solidFill>
+                      <a:prstDash val="solid"/>
+                      <a:round/>
+                      <a:headEnd type="none" w="med" len="med"/>
+                      <a:tailEnd type="none" w="med" len="med"/>
+                    </a:lnL>
+                    <a:lnR w="12700" cap="flat" cmpd="sng" algn="ctr">
+                      <a:solidFill>
+                        <a:srgbClr val="000000"/>
+                      </a:solidFill>
+                      <a:prstDash val="solid"/>
+                      <a:round/>
+                      <a:headEnd type="none" w="med" len="med"/>
+                      <a:tailEnd type="none" w="med" len="med"/>
+                    </a:lnR>
+                    <a:lnT w="12700" cap="flat" cmpd="sng" algn="ctr">
+                      <a:solidFill>
+                        <a:srgbClr val="000000"/>
+                      </a:solidFill>
+                      <a:prstDash val="solid"/>
+                      <a:round/>
+                      <a:headEnd type="none" w="med" len="med"/>
+                      <a:tailEnd type="none" w="med" len="med"/>
+                    </a:lnT>
+                    <a:lnB w="12700" cap="flat" cmpd="sng" algn="ctr">
+                      <a:solidFill>
+                        <a:srgbClr val="000000"/>
+                      </a:solidFill>
+                      <a:prstDash val="solid"/>
+                      <a:round/>
+                      <a:headEnd type="none" w="med" len="med"/>
+                      <a:tailEnd type="none" w="med" len="med"/>
+                    </a:lnB>
+                    <a:solidFill>
+                      <a:srgbClr val="FFFF00"/>
+                    </a:solidFill>
+                  </a:tcPr>
+                </a:tc>
+                <a:tc>
+                  <a:txBody>
+                    <a:bodyPr/>
+                    <a:lstStyle/>
+                    <a:p>
+                      <a:pPr algn="ctr">
+                        <a:lnSpc>
+                          <a:spcPct val="107000"/>
+                        </a:lnSpc>
+                        <a:spcAft>
+                          <a:spcPts val="0"/>
+                        </a:spcAft>
+                      </a:pPr>
+                      <a:r>
+                        <a:rPr lang="en-US" sz="1600" dirty="0">
+                          <a:effectLst/>
+                          <a:latin typeface="Calibri" panose="020F0502020204030204" pitchFamily="34" charset="0"/>
+                          <a:ea typeface="Calibri" panose="020F0502020204030204" pitchFamily="34" charset="0"/>
+                          <a:cs typeface="Times New Roman" panose="02020603050405020304" pitchFamily="18" charset="0"/>
+                        </a:rPr>
+                        <a:t>0</a:t>
+                      </a:r>
+                    </a:p>
+                  </a:txBody>
+                  <a:tcPr marL="68580" marR="68580" marT="0" marB="0" anchor="ctr">
+                    <a:lnL w="12700" cap="flat" cmpd="sng" algn="ctr">
+                      <a:solidFill>
+                        <a:srgbClr val="000000"/>
+                      </a:solidFill>
+                      <a:prstDash val="solid"/>
+                      <a:round/>
+                      <a:headEnd type="none" w="med" len="med"/>
+                      <a:tailEnd type="none" w="med" len="med"/>
+                    </a:lnL>
+                    <a:lnR w="12700" cap="flat" cmpd="sng" algn="ctr">
+                      <a:solidFill>
+                        <a:srgbClr val="000000"/>
+                      </a:solidFill>
+                      <a:prstDash val="solid"/>
+                      <a:round/>
+                      <a:headEnd type="none" w="med" len="med"/>
+                      <a:tailEnd type="none" w="med" len="med"/>
+                    </a:lnR>
+                    <a:lnT w="12700" cap="flat" cmpd="sng" algn="ctr">
+                      <a:solidFill>
+                        <a:srgbClr val="000000"/>
+                      </a:solidFill>
+                      <a:prstDash val="solid"/>
+                      <a:round/>
+                      <a:headEnd type="none" w="med" len="med"/>
+                      <a:tailEnd type="none" w="med" len="med"/>
+                    </a:lnT>
+                    <a:lnB w="12700" cap="flat" cmpd="sng" algn="ctr">
+                      <a:solidFill>
+                        <a:srgbClr val="000000"/>
+                      </a:solidFill>
+                      <a:prstDash val="solid"/>
+                      <a:round/>
+                      <a:headEnd type="none" w="med" len="med"/>
+                      <a:tailEnd type="none" w="med" len="med"/>
+                    </a:lnB>
+                    <a:solidFill>
+                      <a:srgbClr val="FFFF00"/>
+                    </a:solidFill>
+                  </a:tcPr>
+                </a:tc>
+                <a:extLst>
+                  <a:ext uri="{0D108BD9-81ED-4DB2-BD59-A6C34878D82A}">
+                    <a16:rowId xmlns:a16="http://schemas.microsoft.com/office/drawing/2014/main" val="2501364963"/>
+                  </a:ext>
+                </a:extLst>
+              </a:tr>
+            </a:tbl>
+          </a:graphicData>
+        </a:graphic>
+      </p:graphicFrame>
     </p:spTree>
     <p:extLst>
       <p:ext uri="{BB962C8B-B14F-4D97-AF65-F5344CB8AC3E}">
@@ -18930,6 +23981,9 @@
           <a:p>
             <a:r>
               <a:rPr lang="en-US" sz="2600" dirty="0" err="1">
+                <a:solidFill>
+                  <a:schemeClr val="accent5"/>
+                </a:solidFill>
                 <a:latin typeface="Times New Roman" panose="02020603050405020304" pitchFamily="18" charset="0"/>
                 <a:cs typeface="Times New Roman" panose="02020603050405020304" pitchFamily="18" charset="0"/>
               </a:rPr>
@@ -18937,6 +23991,9 @@
             </a:r>
             <a:r>
               <a:rPr lang="en-US" sz="2600" dirty="0">
+                <a:solidFill>
+                  <a:schemeClr val="accent5"/>
+                </a:solidFill>
                 <a:latin typeface="Times New Roman" panose="02020603050405020304" pitchFamily="18" charset="0"/>
                 <a:cs typeface="Times New Roman" panose="02020603050405020304" pitchFamily="18" charset="0"/>
               </a:rPr>
@@ -19749,6 +24806,9 @@
           <a:p>
             <a:r>
               <a:rPr lang="en-US" sz="2600" dirty="0">
+                <a:solidFill>
+                  <a:schemeClr val="accent5"/>
+                </a:solidFill>
                 <a:latin typeface="Times New Roman" panose="02020603050405020304" pitchFamily="18" charset="0"/>
                 <a:cs typeface="Times New Roman" panose="02020603050405020304" pitchFamily="18" charset="0"/>
               </a:rPr>
@@ -20633,6 +25693,9 @@
           <a:p>
             <a:r>
               <a:rPr lang="en-US" sz="2600" dirty="0">
+                <a:solidFill>
+                  <a:schemeClr val="accent5"/>
+                </a:solidFill>
                 <a:latin typeface="Times New Roman" panose="02020603050405020304" pitchFamily="18" charset="0"/>
                 <a:cs typeface="Times New Roman" panose="02020603050405020304" pitchFamily="18" charset="0"/>
               </a:rPr>
